--- a/lecture/2020-NGSBio-UnixSlides.pptx
+++ b/lecture/2020-NGSBio-UnixSlides.pptx
@@ -1,36 +1,36 @@
 
 <file path=ppt/presentation.xml><?xml version="1.0" encoding="utf-8"?>
-<p:presentation xmlns:a="http://schemas.openxmlformats.org/drawingml/2006/main" xmlns:r="http://schemas.openxmlformats.org/officeDocument/2006/relationships" xmlns:mc="http://schemas.openxmlformats.org/markup-compatibility/2006" xmlns:mv="urn:schemas-microsoft-com:mac:vml" xmlns:p="http://schemas.openxmlformats.org/presentationml/2006/main" xmlns:c="http://schemas.openxmlformats.org/drawingml/2006/chart" xmlns:dgm="http://schemas.openxmlformats.org/drawingml/2006/diagram" xmlns:o="urn:schemas-microsoft-com:office:office" xmlns:v="urn:schemas-microsoft-com:vml" xmlns:pvml="urn:schemas-microsoft-com:office:powerpoint" xmlns:com="http://schemas.openxmlformats.org/drawingml/2006/compatibility" xmlns:p14="http://schemas.microsoft.com/office/powerpoint/2010/main" xmlns:p15="http://schemas.microsoft.com/office/powerpoint/2012/main" xmlns:ahyp="http://schemas.microsoft.com/office/drawing/2018/hyperlinkcolor" autoCompressPictures="0" embedTrueTypeFonts="1" strictFirstAndLastChars="0" saveSubsetFonts="1">
+<p:presentation xmlns:a="http://schemas.openxmlformats.org/drawingml/2006/main" xmlns:r="http://schemas.openxmlformats.org/officeDocument/2006/relationships" xmlns:p="http://schemas.openxmlformats.org/presentationml/2006/main" strictFirstAndLastChars="0" embedTrueTypeFonts="1" autoCompressPictures="0">
   <p:sldMasterIdLst>
-    <p:sldMasterId id="2147483650" r:id="rId4"/>
+    <p:sldMasterId id="2147483650" r:id="rId1"/>
   </p:sldMasterIdLst>
   <p:notesMasterIdLst>
-    <p:notesMasterId r:id="rId5"/>
+    <p:notesMasterId r:id="rId11"/>
   </p:notesMasterIdLst>
   <p:sldIdLst>
-    <p:sldId id="256" r:id="rId6"/>
-    <p:sldId id="257" r:id="rId7"/>
-    <p:sldId id="258" r:id="rId8"/>
-    <p:sldId id="259" r:id="rId9"/>
-    <p:sldId id="260" r:id="rId10"/>
-    <p:sldId id="261" r:id="rId11"/>
-    <p:sldId id="262" r:id="rId12"/>
-    <p:sldId id="263" r:id="rId13"/>
-    <p:sldId id="264" r:id="rId14"/>
+    <p:sldId id="256" r:id="rId2"/>
+    <p:sldId id="257" r:id="rId3"/>
+    <p:sldId id="258" r:id="rId4"/>
+    <p:sldId id="259" r:id="rId5"/>
+    <p:sldId id="260" r:id="rId6"/>
+    <p:sldId id="261" r:id="rId7"/>
+    <p:sldId id="262" r:id="rId8"/>
+    <p:sldId id="263" r:id="rId9"/>
+    <p:sldId id="264" r:id="rId10"/>
   </p:sldIdLst>
-  <p:sldSz cy="6858000" cx="9144000"/>
+  <p:sldSz cx="9144000" cy="6858000" type="screen4x3"/>
   <p:notesSz cx="6858000" cy="9144000"/>
   <p:embeddedFontLst>
     <p:embeddedFont>
-      <p:font typeface="Arimo"/>
-      <p:regular r:id="rId15"/>
-      <p:bold r:id="rId16"/>
-      <p:italic r:id="rId17"/>
-      <p:boldItalic r:id="rId18"/>
+      <p:font typeface="Arimo" panose="020B0604020202020204" pitchFamily="34" charset="0"/>
+      <p:regular r:id="rId12"/>
+      <p:bold r:id="rId13"/>
+      <p:italic r:id="rId14"/>
+      <p:boldItalic r:id="rId15"/>
     </p:embeddedFont>
   </p:embeddedFontLst>
   <p:defaultTextStyle>
-    <a:defPPr lvl="0" marR="0" rtl="0" algn="l">
+    <a:defPPr marR="0" lvl="0" algn="l" rtl="0">
       <a:lnSpc>
         <a:spcPct val="100000"/>
       </a:lnSpc>
@@ -41,7 +41,7 @@
         <a:spcPts val="0"/>
       </a:spcAft>
     </a:defPPr>
-    <a:lvl1pPr lvl="0" marR="0" rtl="0" algn="l">
+    <a:lvl1pPr marR="0" lvl="0" algn="l" rtl="0">
       <a:lnSpc>
         <a:spcPct val="100000"/>
       </a:lnSpc>
@@ -55,7 +55,7 @@
         <a:srgbClr val="000000"/>
       </a:buClr>
       <a:buFont typeface="Arial"/>
-      <a:defRPr b="0" i="0" sz="1400" u="none" cap="none" strike="noStrike">
+      <a:defRPr sz="1400" b="0" i="0" u="none" strike="noStrike" cap="none">
         <a:solidFill>
           <a:srgbClr val="000000"/>
         </a:solidFill>
@@ -65,7 +65,7 @@
         <a:sym typeface="Arial"/>
       </a:defRPr>
     </a:lvl1pPr>
-    <a:lvl2pPr lvl="1" marR="0" rtl="0" algn="l">
+    <a:lvl2pPr marR="0" lvl="1" algn="l" rtl="0">
       <a:lnSpc>
         <a:spcPct val="100000"/>
       </a:lnSpc>
@@ -79,7 +79,7 @@
         <a:srgbClr val="000000"/>
       </a:buClr>
       <a:buFont typeface="Arial"/>
-      <a:defRPr b="0" i="0" sz="1400" u="none" cap="none" strike="noStrike">
+      <a:defRPr sz="1400" b="0" i="0" u="none" strike="noStrike" cap="none">
         <a:solidFill>
           <a:srgbClr val="000000"/>
         </a:solidFill>
@@ -89,7 +89,7 @@
         <a:sym typeface="Arial"/>
       </a:defRPr>
     </a:lvl2pPr>
-    <a:lvl3pPr lvl="2" marR="0" rtl="0" algn="l">
+    <a:lvl3pPr marR="0" lvl="2" algn="l" rtl="0">
       <a:lnSpc>
         <a:spcPct val="100000"/>
       </a:lnSpc>
@@ -103,7 +103,7 @@
         <a:srgbClr val="000000"/>
       </a:buClr>
       <a:buFont typeface="Arial"/>
-      <a:defRPr b="0" i="0" sz="1400" u="none" cap="none" strike="noStrike">
+      <a:defRPr sz="1400" b="0" i="0" u="none" strike="noStrike" cap="none">
         <a:solidFill>
           <a:srgbClr val="000000"/>
         </a:solidFill>
@@ -113,7 +113,7 @@
         <a:sym typeface="Arial"/>
       </a:defRPr>
     </a:lvl3pPr>
-    <a:lvl4pPr lvl="3" marR="0" rtl="0" algn="l">
+    <a:lvl4pPr marR="0" lvl="3" algn="l" rtl="0">
       <a:lnSpc>
         <a:spcPct val="100000"/>
       </a:lnSpc>
@@ -127,7 +127,7 @@
         <a:srgbClr val="000000"/>
       </a:buClr>
       <a:buFont typeface="Arial"/>
-      <a:defRPr b="0" i="0" sz="1400" u="none" cap="none" strike="noStrike">
+      <a:defRPr sz="1400" b="0" i="0" u="none" strike="noStrike" cap="none">
         <a:solidFill>
           <a:srgbClr val="000000"/>
         </a:solidFill>
@@ -137,7 +137,7 @@
         <a:sym typeface="Arial"/>
       </a:defRPr>
     </a:lvl4pPr>
-    <a:lvl5pPr lvl="4" marR="0" rtl="0" algn="l">
+    <a:lvl5pPr marR="0" lvl="4" algn="l" rtl="0">
       <a:lnSpc>
         <a:spcPct val="100000"/>
       </a:lnSpc>
@@ -151,7 +151,7 @@
         <a:srgbClr val="000000"/>
       </a:buClr>
       <a:buFont typeface="Arial"/>
-      <a:defRPr b="0" i="0" sz="1400" u="none" cap="none" strike="noStrike">
+      <a:defRPr sz="1400" b="0" i="0" u="none" strike="noStrike" cap="none">
         <a:solidFill>
           <a:srgbClr val="000000"/>
         </a:solidFill>
@@ -161,7 +161,7 @@
         <a:sym typeface="Arial"/>
       </a:defRPr>
     </a:lvl5pPr>
-    <a:lvl6pPr lvl="5" marR="0" rtl="0" algn="l">
+    <a:lvl6pPr marR="0" lvl="5" algn="l" rtl="0">
       <a:lnSpc>
         <a:spcPct val="100000"/>
       </a:lnSpc>
@@ -175,7 +175,7 @@
         <a:srgbClr val="000000"/>
       </a:buClr>
       <a:buFont typeface="Arial"/>
-      <a:defRPr b="0" i="0" sz="1400" u="none" cap="none" strike="noStrike">
+      <a:defRPr sz="1400" b="0" i="0" u="none" strike="noStrike" cap="none">
         <a:solidFill>
           <a:srgbClr val="000000"/>
         </a:solidFill>
@@ -185,7 +185,7 @@
         <a:sym typeface="Arial"/>
       </a:defRPr>
     </a:lvl6pPr>
-    <a:lvl7pPr lvl="6" marR="0" rtl="0" algn="l">
+    <a:lvl7pPr marR="0" lvl="6" algn="l" rtl="0">
       <a:lnSpc>
         <a:spcPct val="100000"/>
       </a:lnSpc>
@@ -199,7 +199,7 @@
         <a:srgbClr val="000000"/>
       </a:buClr>
       <a:buFont typeface="Arial"/>
-      <a:defRPr b="0" i="0" sz="1400" u="none" cap="none" strike="noStrike">
+      <a:defRPr sz="1400" b="0" i="0" u="none" strike="noStrike" cap="none">
         <a:solidFill>
           <a:srgbClr val="000000"/>
         </a:solidFill>
@@ -209,7 +209,7 @@
         <a:sym typeface="Arial"/>
       </a:defRPr>
     </a:lvl7pPr>
-    <a:lvl8pPr lvl="7" marR="0" rtl="0" algn="l">
+    <a:lvl8pPr marR="0" lvl="7" algn="l" rtl="0">
       <a:lnSpc>
         <a:spcPct val="100000"/>
       </a:lnSpc>
@@ -223,7 +223,7 @@
         <a:srgbClr val="000000"/>
       </a:buClr>
       <a:buFont typeface="Arial"/>
-      <a:defRPr b="0" i="0" sz="1400" u="none" cap="none" strike="noStrike">
+      <a:defRPr sz="1400" b="0" i="0" u="none" strike="noStrike" cap="none">
         <a:solidFill>
           <a:srgbClr val="000000"/>
         </a:solidFill>
@@ -233,7 +233,7 @@
         <a:sym typeface="Arial"/>
       </a:defRPr>
     </a:lvl8pPr>
-    <a:lvl9pPr lvl="8" marR="0" rtl="0" algn="l">
+    <a:lvl9pPr marR="0" lvl="8" algn="l" rtl="0">
       <a:lnSpc>
         <a:spcPct val="100000"/>
       </a:lnSpc>
@@ -247,7 +247,7 @@
         <a:srgbClr val="000000"/>
       </a:buClr>
       <a:buFont typeface="Arial"/>
-      <a:defRPr b="0" i="0" sz="1400" u="none" cap="none" strike="noStrike">
+      <a:defRPr sz="1400" b="0" i="0" u="none" strike="noStrike" cap="none">
         <a:solidFill>
           <a:srgbClr val="000000"/>
         </a:solidFill>
@@ -260,7 +260,7 @@
   </p:defaultTextStyle>
   <p:extLst>
     <p:ext uri="{EFAFB233-063F-42B5-8137-9DF3F51BA10A}">
-      <p15:sldGuideLst>
+      <p15:sldGuideLst xmlns:p15="http://schemas.microsoft.com/office/powerpoint/2012/main">
         <p15:guide id="1" orient="horz" pos="2160">
           <p15:clr>
             <a:srgbClr val="A4A3A4"/>
@@ -278,18 +278,19 @@
 </file>
 
 <file path=ppt/notesMasters/notesMaster1.xml><?xml version="1.0" encoding="utf-8"?>
-<p:notesMaster xmlns:a="http://schemas.openxmlformats.org/drawingml/2006/main" xmlns:r="http://schemas.openxmlformats.org/officeDocument/2006/relationships" xmlns:mc="http://schemas.openxmlformats.org/markup-compatibility/2006" xmlns:mv="urn:schemas-microsoft-com:mac:vml" xmlns:p="http://schemas.openxmlformats.org/presentationml/2006/main" xmlns:c="http://schemas.openxmlformats.org/drawingml/2006/chart" xmlns:dgm="http://schemas.openxmlformats.org/drawingml/2006/diagram" xmlns:o="urn:schemas-microsoft-com:office:office" xmlns:v="urn:schemas-microsoft-com:vml" xmlns:pvml="urn:schemas-microsoft-com:office:powerpoint" xmlns:com="http://schemas.openxmlformats.org/drawingml/2006/compatibility" xmlns:p14="http://schemas.microsoft.com/office/powerpoint/2010/main" xmlns:p15="http://schemas.microsoft.com/office/powerpoint/2012/main" xmlns:ahyp="http://schemas.microsoft.com/office/drawing/2018/hyperlinkcolor">
+<p:notesMaster xmlns:a="http://schemas.openxmlformats.org/drawingml/2006/main" xmlns:r="http://schemas.openxmlformats.org/officeDocument/2006/relationships" xmlns:p="http://schemas.openxmlformats.org/presentationml/2006/main">
   <p:cSld>
     <p:bg>
       <p:bgPr>
         <a:solidFill>
           <a:schemeClr val="lt1"/>
         </a:solidFill>
+        <a:effectLst/>
       </p:bgPr>
     </p:bg>
     <p:spTree>
       <p:nvGrpSpPr>
-        <p:cNvPr id="2" name="Shape 2"/>
+        <p:cNvPr id="1" name="Shape 2"/>
         <p:cNvGrpSpPr/>
         <p:nvPr/>
       </p:nvGrpSpPr>
@@ -304,9 +305,11 @@
       <p:sp>
         <p:nvSpPr>
           <p:cNvPr id="3" name="Google Shape;3;n"/>
-          <p:cNvSpPr txBox="1"/>
+          <p:cNvSpPr txBox="1">
+            <a:spLocks noGrp="1"/>
+          </p:cNvSpPr>
           <p:nvPr>
-            <p:ph idx="2" type="hdr"/>
+            <p:ph type="hdr" idx="2"/>
           </p:nvPr>
         </p:nvSpPr>
         <p:spPr>
@@ -323,11 +326,11 @@
           </a:ln>
         </p:spPr>
         <p:txBody>
-          <a:bodyPr anchorCtr="0" anchor="t" bIns="45700" lIns="91425" spcFirstLastPara="1" rIns="91425" wrap="square" tIns="45700">
+          <a:bodyPr spcFirstLastPara="1" wrap="square" lIns="91425" tIns="45700" rIns="91425" bIns="45700" anchor="t" anchorCtr="0">
             <a:noAutofit/>
           </a:bodyPr>
           <a:lstStyle>
-            <a:lvl1pPr lvl="0" marR="0" rtl="0" algn="l">
+            <a:lvl1pPr marR="0" lvl="0" algn="l" rtl="0">
               <a:lnSpc>
                 <a:spcPct val="100000"/>
               </a:lnSpc>
@@ -343,7 +346,7 @@
               <a:buSzPts val="1400"/>
               <a:buFont typeface="Arial"/>
               <a:buNone/>
-              <a:defRPr b="0" i="0" sz="1200" u="none" cap="none" strike="noStrike">
+              <a:defRPr sz="1200" b="0" i="0" u="none" strike="noStrike" cap="none">
                 <a:solidFill>
                   <a:schemeClr val="dk1"/>
                 </a:solidFill>
@@ -353,7 +356,7 @@
                 <a:sym typeface="Calibri"/>
               </a:defRPr>
             </a:lvl1pPr>
-            <a:lvl2pPr lvl="1" marR="0" rtl="0" algn="l">
+            <a:lvl2pPr marR="0" lvl="1" algn="l" rtl="0">
               <a:lnSpc>
                 <a:spcPct val="100000"/>
               </a:lnSpc>
@@ -369,7 +372,7 @@
               <a:buSzPts val="1400"/>
               <a:buFont typeface="Arial"/>
               <a:buNone/>
-              <a:defRPr b="0" i="0" sz="1800" u="none" cap="none" strike="noStrike">
+              <a:defRPr sz="1800" b="0" i="0" u="none" strike="noStrike" cap="none">
                 <a:solidFill>
                   <a:schemeClr val="dk1"/>
                 </a:solidFill>
@@ -379,7 +382,7 @@
                 <a:sym typeface="Calibri"/>
               </a:defRPr>
             </a:lvl2pPr>
-            <a:lvl3pPr lvl="2" marR="0" rtl="0" algn="l">
+            <a:lvl3pPr marR="0" lvl="2" algn="l" rtl="0">
               <a:lnSpc>
                 <a:spcPct val="100000"/>
               </a:lnSpc>
@@ -395,7 +398,7 @@
               <a:buSzPts val="1400"/>
               <a:buFont typeface="Arial"/>
               <a:buNone/>
-              <a:defRPr b="0" i="0" sz="1800" u="none" cap="none" strike="noStrike">
+              <a:defRPr sz="1800" b="0" i="0" u="none" strike="noStrike" cap="none">
                 <a:solidFill>
                   <a:schemeClr val="dk1"/>
                 </a:solidFill>
@@ -405,7 +408,7 @@
                 <a:sym typeface="Calibri"/>
               </a:defRPr>
             </a:lvl3pPr>
-            <a:lvl4pPr lvl="3" marR="0" rtl="0" algn="l">
+            <a:lvl4pPr marR="0" lvl="3" algn="l" rtl="0">
               <a:lnSpc>
                 <a:spcPct val="100000"/>
               </a:lnSpc>
@@ -421,7 +424,7 @@
               <a:buSzPts val="1400"/>
               <a:buFont typeface="Arial"/>
               <a:buNone/>
-              <a:defRPr b="0" i="0" sz="1800" u="none" cap="none" strike="noStrike">
+              <a:defRPr sz="1800" b="0" i="0" u="none" strike="noStrike" cap="none">
                 <a:solidFill>
                   <a:schemeClr val="dk1"/>
                 </a:solidFill>
@@ -431,7 +434,7 @@
                 <a:sym typeface="Calibri"/>
               </a:defRPr>
             </a:lvl4pPr>
-            <a:lvl5pPr lvl="4" marR="0" rtl="0" algn="l">
+            <a:lvl5pPr marR="0" lvl="4" algn="l" rtl="0">
               <a:lnSpc>
                 <a:spcPct val="100000"/>
               </a:lnSpc>
@@ -447,7 +450,7 @@
               <a:buSzPts val="1400"/>
               <a:buFont typeface="Arial"/>
               <a:buNone/>
-              <a:defRPr b="0" i="0" sz="1800" u="none" cap="none" strike="noStrike">
+              <a:defRPr sz="1800" b="0" i="0" u="none" strike="noStrike" cap="none">
                 <a:solidFill>
                   <a:schemeClr val="dk1"/>
                 </a:solidFill>
@@ -457,7 +460,7 @@
                 <a:sym typeface="Calibri"/>
               </a:defRPr>
             </a:lvl5pPr>
-            <a:lvl6pPr lvl="5" marR="0" rtl="0" algn="l">
+            <a:lvl6pPr marR="0" lvl="5" algn="l" rtl="0">
               <a:lnSpc>
                 <a:spcPct val="100000"/>
               </a:lnSpc>
@@ -473,7 +476,7 @@
               <a:buSzPts val="1400"/>
               <a:buFont typeface="Arial"/>
               <a:buNone/>
-              <a:defRPr b="0" i="0" sz="1800" u="none" cap="none" strike="noStrike">
+              <a:defRPr sz="1800" b="0" i="0" u="none" strike="noStrike" cap="none">
                 <a:solidFill>
                   <a:schemeClr val="dk1"/>
                 </a:solidFill>
@@ -483,7 +486,7 @@
                 <a:sym typeface="Calibri"/>
               </a:defRPr>
             </a:lvl6pPr>
-            <a:lvl7pPr lvl="6" marR="0" rtl="0" algn="l">
+            <a:lvl7pPr marR="0" lvl="6" algn="l" rtl="0">
               <a:lnSpc>
                 <a:spcPct val="100000"/>
               </a:lnSpc>
@@ -499,7 +502,7 @@
               <a:buSzPts val="1400"/>
               <a:buFont typeface="Arial"/>
               <a:buNone/>
-              <a:defRPr b="0" i="0" sz="1800" u="none" cap="none" strike="noStrike">
+              <a:defRPr sz="1800" b="0" i="0" u="none" strike="noStrike" cap="none">
                 <a:solidFill>
                   <a:schemeClr val="dk1"/>
                 </a:solidFill>
@@ -509,7 +512,7 @@
                 <a:sym typeface="Calibri"/>
               </a:defRPr>
             </a:lvl7pPr>
-            <a:lvl8pPr lvl="7" marR="0" rtl="0" algn="l">
+            <a:lvl8pPr marR="0" lvl="7" algn="l" rtl="0">
               <a:lnSpc>
                 <a:spcPct val="100000"/>
               </a:lnSpc>
@@ -525,7 +528,7 @@
               <a:buSzPts val="1400"/>
               <a:buFont typeface="Arial"/>
               <a:buNone/>
-              <a:defRPr b="0" i="0" sz="1800" u="none" cap="none" strike="noStrike">
+              <a:defRPr sz="1800" b="0" i="0" u="none" strike="noStrike" cap="none">
                 <a:solidFill>
                   <a:schemeClr val="dk1"/>
                 </a:solidFill>
@@ -535,7 +538,7 @@
                 <a:sym typeface="Calibri"/>
               </a:defRPr>
             </a:lvl8pPr>
-            <a:lvl9pPr lvl="8" marR="0" rtl="0" algn="l">
+            <a:lvl9pPr marR="0" lvl="8" algn="l" rtl="0">
               <a:lnSpc>
                 <a:spcPct val="100000"/>
               </a:lnSpc>
@@ -551,7 +554,7 @@
               <a:buSzPts val="1400"/>
               <a:buFont typeface="Arial"/>
               <a:buNone/>
-              <a:defRPr b="0" i="0" sz="1800" u="none" cap="none" strike="noStrike">
+              <a:defRPr sz="1800" b="0" i="0" u="none" strike="noStrike" cap="none">
                 <a:solidFill>
                   <a:schemeClr val="dk1"/>
                 </a:solidFill>
@@ -562,15 +565,19 @@
               </a:defRPr>
             </a:lvl9pPr>
           </a:lstStyle>
-          <a:p/>
+          <a:p>
+            <a:endParaRPr/>
+          </a:p>
         </p:txBody>
       </p:sp>
       <p:sp>
         <p:nvSpPr>
           <p:cNvPr id="4" name="Google Shape;4;n"/>
-          <p:cNvSpPr txBox="1"/>
+          <p:cNvSpPr txBox="1">
+            <a:spLocks noGrp="1"/>
+          </p:cNvSpPr>
           <p:nvPr>
-            <p:ph idx="10" type="dt"/>
+            <p:ph type="dt" idx="10"/>
           </p:nvPr>
         </p:nvSpPr>
         <p:spPr>
@@ -587,11 +594,11 @@
           </a:ln>
         </p:spPr>
         <p:txBody>
-          <a:bodyPr anchorCtr="0" anchor="t" bIns="45700" lIns="91425" spcFirstLastPara="1" rIns="91425" wrap="square" tIns="45700">
+          <a:bodyPr spcFirstLastPara="1" wrap="square" lIns="91425" tIns="45700" rIns="91425" bIns="45700" anchor="t" anchorCtr="0">
             <a:noAutofit/>
           </a:bodyPr>
           <a:lstStyle>
-            <a:lvl1pPr lvl="0" marR="0" rtl="0" algn="r">
+            <a:lvl1pPr marR="0" lvl="0" algn="r" rtl="0">
               <a:lnSpc>
                 <a:spcPct val="100000"/>
               </a:lnSpc>
@@ -607,7 +614,7 @@
               <a:buSzPts val="1400"/>
               <a:buFont typeface="Arial"/>
               <a:buNone/>
-              <a:defRPr b="0" i="0" sz="1200" u="none" cap="none" strike="noStrike">
+              <a:defRPr sz="1200" b="0" i="0" u="none" strike="noStrike" cap="none">
                 <a:solidFill>
                   <a:schemeClr val="dk1"/>
                 </a:solidFill>
@@ -617,7 +624,7 @@
                 <a:sym typeface="Calibri"/>
               </a:defRPr>
             </a:lvl1pPr>
-            <a:lvl2pPr lvl="1" marR="0" rtl="0" algn="l">
+            <a:lvl2pPr marR="0" lvl="1" algn="l" rtl="0">
               <a:lnSpc>
                 <a:spcPct val="100000"/>
               </a:lnSpc>
@@ -633,7 +640,7 @@
               <a:buSzPts val="1400"/>
               <a:buFont typeface="Arial"/>
               <a:buNone/>
-              <a:defRPr b="0" i="0" sz="1800" u="none" cap="none" strike="noStrike">
+              <a:defRPr sz="1800" b="0" i="0" u="none" strike="noStrike" cap="none">
                 <a:solidFill>
                   <a:schemeClr val="dk1"/>
                 </a:solidFill>
@@ -643,7 +650,7 @@
                 <a:sym typeface="Calibri"/>
               </a:defRPr>
             </a:lvl2pPr>
-            <a:lvl3pPr lvl="2" marR="0" rtl="0" algn="l">
+            <a:lvl3pPr marR="0" lvl="2" algn="l" rtl="0">
               <a:lnSpc>
                 <a:spcPct val="100000"/>
               </a:lnSpc>
@@ -659,7 +666,7 @@
               <a:buSzPts val="1400"/>
               <a:buFont typeface="Arial"/>
               <a:buNone/>
-              <a:defRPr b="0" i="0" sz="1800" u="none" cap="none" strike="noStrike">
+              <a:defRPr sz="1800" b="0" i="0" u="none" strike="noStrike" cap="none">
                 <a:solidFill>
                   <a:schemeClr val="dk1"/>
                 </a:solidFill>
@@ -669,7 +676,7 @@
                 <a:sym typeface="Calibri"/>
               </a:defRPr>
             </a:lvl3pPr>
-            <a:lvl4pPr lvl="3" marR="0" rtl="0" algn="l">
+            <a:lvl4pPr marR="0" lvl="3" algn="l" rtl="0">
               <a:lnSpc>
                 <a:spcPct val="100000"/>
               </a:lnSpc>
@@ -685,7 +692,7 @@
               <a:buSzPts val="1400"/>
               <a:buFont typeface="Arial"/>
               <a:buNone/>
-              <a:defRPr b="0" i="0" sz="1800" u="none" cap="none" strike="noStrike">
+              <a:defRPr sz="1800" b="0" i="0" u="none" strike="noStrike" cap="none">
                 <a:solidFill>
                   <a:schemeClr val="dk1"/>
                 </a:solidFill>
@@ -695,7 +702,7 @@
                 <a:sym typeface="Calibri"/>
               </a:defRPr>
             </a:lvl4pPr>
-            <a:lvl5pPr lvl="4" marR="0" rtl="0" algn="l">
+            <a:lvl5pPr marR="0" lvl="4" algn="l" rtl="0">
               <a:lnSpc>
                 <a:spcPct val="100000"/>
               </a:lnSpc>
@@ -711,7 +718,7 @@
               <a:buSzPts val="1400"/>
               <a:buFont typeface="Arial"/>
               <a:buNone/>
-              <a:defRPr b="0" i="0" sz="1800" u="none" cap="none" strike="noStrike">
+              <a:defRPr sz="1800" b="0" i="0" u="none" strike="noStrike" cap="none">
                 <a:solidFill>
                   <a:schemeClr val="dk1"/>
                 </a:solidFill>
@@ -721,7 +728,7 @@
                 <a:sym typeface="Calibri"/>
               </a:defRPr>
             </a:lvl5pPr>
-            <a:lvl6pPr lvl="5" marR="0" rtl="0" algn="l">
+            <a:lvl6pPr marR="0" lvl="5" algn="l" rtl="0">
               <a:lnSpc>
                 <a:spcPct val="100000"/>
               </a:lnSpc>
@@ -737,7 +744,7 @@
               <a:buSzPts val="1400"/>
               <a:buFont typeface="Arial"/>
               <a:buNone/>
-              <a:defRPr b="0" i="0" sz="1800" u="none" cap="none" strike="noStrike">
+              <a:defRPr sz="1800" b="0" i="0" u="none" strike="noStrike" cap="none">
                 <a:solidFill>
                   <a:schemeClr val="dk1"/>
                 </a:solidFill>
@@ -747,7 +754,7 @@
                 <a:sym typeface="Calibri"/>
               </a:defRPr>
             </a:lvl6pPr>
-            <a:lvl7pPr lvl="6" marR="0" rtl="0" algn="l">
+            <a:lvl7pPr marR="0" lvl="6" algn="l" rtl="0">
               <a:lnSpc>
                 <a:spcPct val="100000"/>
               </a:lnSpc>
@@ -763,7 +770,7 @@
               <a:buSzPts val="1400"/>
               <a:buFont typeface="Arial"/>
               <a:buNone/>
-              <a:defRPr b="0" i="0" sz="1800" u="none" cap="none" strike="noStrike">
+              <a:defRPr sz="1800" b="0" i="0" u="none" strike="noStrike" cap="none">
                 <a:solidFill>
                   <a:schemeClr val="dk1"/>
                 </a:solidFill>
@@ -773,7 +780,7 @@
                 <a:sym typeface="Calibri"/>
               </a:defRPr>
             </a:lvl7pPr>
-            <a:lvl8pPr lvl="7" marR="0" rtl="0" algn="l">
+            <a:lvl8pPr marR="0" lvl="7" algn="l" rtl="0">
               <a:lnSpc>
                 <a:spcPct val="100000"/>
               </a:lnSpc>
@@ -789,7 +796,7 @@
               <a:buSzPts val="1400"/>
               <a:buFont typeface="Arial"/>
               <a:buNone/>
-              <a:defRPr b="0" i="0" sz="1800" u="none" cap="none" strike="noStrike">
+              <a:defRPr sz="1800" b="0" i="0" u="none" strike="noStrike" cap="none">
                 <a:solidFill>
                   <a:schemeClr val="dk1"/>
                 </a:solidFill>
@@ -799,7 +806,7 @@
                 <a:sym typeface="Calibri"/>
               </a:defRPr>
             </a:lvl8pPr>
-            <a:lvl9pPr lvl="8" marR="0" rtl="0" algn="l">
+            <a:lvl9pPr marR="0" lvl="8" algn="l" rtl="0">
               <a:lnSpc>
                 <a:spcPct val="100000"/>
               </a:lnSpc>
@@ -815,7 +822,7 @@
               <a:buSzPts val="1400"/>
               <a:buFont typeface="Arial"/>
               <a:buNone/>
-              <a:defRPr b="0" i="0" sz="1800" u="none" cap="none" strike="noStrike">
+              <a:defRPr sz="1800" b="0" i="0" u="none" strike="noStrike" cap="none">
                 <a:solidFill>
                   <a:schemeClr val="dk1"/>
                 </a:solidFill>
@@ -826,15 +833,19 @@
               </a:defRPr>
             </a:lvl9pPr>
           </a:lstStyle>
-          <a:p/>
+          <a:p>
+            <a:endParaRPr/>
+          </a:p>
         </p:txBody>
       </p:sp>
       <p:sp>
         <p:nvSpPr>
           <p:cNvPr id="5" name="Google Shape;5;n"/>
-          <p:cNvSpPr/>
+          <p:cNvSpPr>
+            <a:spLocks noGrp="1" noRot="1" noChangeAspect="1"/>
+          </p:cNvSpPr>
           <p:nvPr>
-            <p:ph idx="3" type="sldImg"/>
+            <p:ph type="sldImg" idx="3"/>
           </p:nvPr>
         </p:nvSpPr>
         <p:spPr>
@@ -843,9 +854,13 @@
             <a:ext cx="4572000" cy="3429000"/>
           </a:xfrm>
           <a:custGeom>
-            <a:rect b="b" l="l" r="r" t="t"/>
+            <a:avLst/>
+            <a:gdLst/>
+            <a:ahLst/>
+            <a:cxnLst/>
+            <a:rect l="l" t="t" r="r" b="b"/>
             <a:pathLst>
-              <a:path extrusionOk="0" h="120000" w="120000">
+              <a:path w="120000" h="120000" extrusionOk="0">
                 <a:moveTo>
                   <a:pt x="0" y="0"/>
                 </a:moveTo>
@@ -863,23 +878,25 @@
             </a:pathLst>
           </a:custGeom>
           <a:noFill/>
-          <a:ln cap="flat" cmpd="sng" w="12700">
+          <a:ln w="12700" cap="flat" cmpd="sng">
             <a:solidFill>
               <a:srgbClr val="000000"/>
             </a:solidFill>
             <a:prstDash val="solid"/>
             <a:round/>
-            <a:headEnd len="sm" w="sm" type="none"/>
-            <a:tailEnd len="sm" w="sm" type="none"/>
+            <a:headEnd type="none" w="sm" len="sm"/>
+            <a:tailEnd type="none" w="sm" len="sm"/>
           </a:ln>
         </p:spPr>
       </p:sp>
       <p:sp>
         <p:nvSpPr>
           <p:cNvPr id="6" name="Google Shape;6;n"/>
-          <p:cNvSpPr txBox="1"/>
+          <p:cNvSpPr txBox="1">
+            <a:spLocks noGrp="1"/>
+          </p:cNvSpPr>
           <p:nvPr>
-            <p:ph idx="1" type="body"/>
+            <p:ph type="body" idx="1"/>
           </p:nvPr>
         </p:nvSpPr>
         <p:spPr>
@@ -896,11 +913,11 @@
           </a:ln>
         </p:spPr>
         <p:txBody>
-          <a:bodyPr anchorCtr="0" anchor="t" bIns="45700" lIns="91425" spcFirstLastPara="1" rIns="91425" wrap="square" tIns="45700">
+          <a:bodyPr spcFirstLastPara="1" wrap="square" lIns="91425" tIns="45700" rIns="91425" bIns="45700" anchor="t" anchorCtr="0">
             <a:noAutofit/>
           </a:bodyPr>
           <a:lstStyle>
-            <a:lvl1pPr indent="-228600" lvl="0" marL="457200" marR="0" rtl="0" algn="l">
+            <a:lvl1pPr marL="457200" marR="0" lvl="0" indent="-228600" algn="l" rtl="0">
               <a:lnSpc>
                 <a:spcPct val="100000"/>
               </a:lnSpc>
@@ -916,7 +933,7 @@
               <a:buSzPts val="1400"/>
               <a:buFont typeface="Arial"/>
               <a:buNone/>
-              <a:defRPr b="0" i="0" sz="1200" u="none" cap="none" strike="noStrike">
+              <a:defRPr sz="1200" b="0" i="0" u="none" strike="noStrike" cap="none">
                 <a:solidFill>
                   <a:schemeClr val="dk1"/>
                 </a:solidFill>
@@ -926,7 +943,7 @@
                 <a:sym typeface="Calibri"/>
               </a:defRPr>
             </a:lvl1pPr>
-            <a:lvl2pPr indent="-228600" lvl="1" marL="914400" marR="0" rtl="0" algn="l">
+            <a:lvl2pPr marL="914400" marR="0" lvl="1" indent="-228600" algn="l" rtl="0">
               <a:lnSpc>
                 <a:spcPct val="100000"/>
               </a:lnSpc>
@@ -942,7 +959,7 @@
               <a:buSzPts val="1400"/>
               <a:buFont typeface="Arial"/>
               <a:buNone/>
-              <a:defRPr b="0" i="0" sz="1200" u="none" cap="none" strike="noStrike">
+              <a:defRPr sz="1200" b="0" i="0" u="none" strike="noStrike" cap="none">
                 <a:solidFill>
                   <a:schemeClr val="dk1"/>
                 </a:solidFill>
@@ -952,7 +969,7 @@
                 <a:sym typeface="Calibri"/>
               </a:defRPr>
             </a:lvl2pPr>
-            <a:lvl3pPr indent="-228600" lvl="2" marL="1371600" marR="0" rtl="0" algn="l">
+            <a:lvl3pPr marL="1371600" marR="0" lvl="2" indent="-228600" algn="l" rtl="0">
               <a:lnSpc>
                 <a:spcPct val="100000"/>
               </a:lnSpc>
@@ -968,7 +985,7 @@
               <a:buSzPts val="1400"/>
               <a:buFont typeface="Arial"/>
               <a:buNone/>
-              <a:defRPr b="0" i="0" sz="1200" u="none" cap="none" strike="noStrike">
+              <a:defRPr sz="1200" b="0" i="0" u="none" strike="noStrike" cap="none">
                 <a:solidFill>
                   <a:schemeClr val="dk1"/>
                 </a:solidFill>
@@ -978,7 +995,7 @@
                 <a:sym typeface="Calibri"/>
               </a:defRPr>
             </a:lvl3pPr>
-            <a:lvl4pPr indent="-228600" lvl="3" marL="1828800" marR="0" rtl="0" algn="l">
+            <a:lvl4pPr marL="1828800" marR="0" lvl="3" indent="-228600" algn="l" rtl="0">
               <a:lnSpc>
                 <a:spcPct val="100000"/>
               </a:lnSpc>
@@ -994,7 +1011,7 @@
               <a:buSzPts val="1400"/>
               <a:buFont typeface="Arial"/>
               <a:buNone/>
-              <a:defRPr b="0" i="0" sz="1200" u="none" cap="none" strike="noStrike">
+              <a:defRPr sz="1200" b="0" i="0" u="none" strike="noStrike" cap="none">
                 <a:solidFill>
                   <a:schemeClr val="dk1"/>
                 </a:solidFill>
@@ -1004,7 +1021,7 @@
                 <a:sym typeface="Calibri"/>
               </a:defRPr>
             </a:lvl4pPr>
-            <a:lvl5pPr indent="-228600" lvl="4" marL="2286000" marR="0" rtl="0" algn="l">
+            <a:lvl5pPr marL="2286000" marR="0" lvl="4" indent="-228600" algn="l" rtl="0">
               <a:lnSpc>
                 <a:spcPct val="100000"/>
               </a:lnSpc>
@@ -1020,7 +1037,7 @@
               <a:buSzPts val="1400"/>
               <a:buFont typeface="Arial"/>
               <a:buNone/>
-              <a:defRPr b="0" i="0" sz="1200" u="none" cap="none" strike="noStrike">
+              <a:defRPr sz="1200" b="0" i="0" u="none" strike="noStrike" cap="none">
                 <a:solidFill>
                   <a:schemeClr val="dk1"/>
                 </a:solidFill>
@@ -1030,7 +1047,7 @@
                 <a:sym typeface="Calibri"/>
               </a:defRPr>
             </a:lvl5pPr>
-            <a:lvl6pPr indent="-228600" lvl="5" marL="2743200" marR="0" rtl="0" algn="l">
+            <a:lvl6pPr marL="2743200" marR="0" lvl="5" indent="-228600" algn="l" rtl="0">
               <a:lnSpc>
                 <a:spcPct val="100000"/>
               </a:lnSpc>
@@ -1046,7 +1063,7 @@
               <a:buSzPts val="1400"/>
               <a:buFont typeface="Arial"/>
               <a:buNone/>
-              <a:defRPr b="0" i="0" sz="1200" u="none" cap="none" strike="noStrike">
+              <a:defRPr sz="1200" b="0" i="0" u="none" strike="noStrike" cap="none">
                 <a:solidFill>
                   <a:schemeClr val="dk1"/>
                 </a:solidFill>
@@ -1056,7 +1073,7 @@
                 <a:sym typeface="Calibri"/>
               </a:defRPr>
             </a:lvl6pPr>
-            <a:lvl7pPr indent="-228600" lvl="6" marL="3200400" marR="0" rtl="0" algn="l">
+            <a:lvl7pPr marL="3200400" marR="0" lvl="6" indent="-228600" algn="l" rtl="0">
               <a:lnSpc>
                 <a:spcPct val="100000"/>
               </a:lnSpc>
@@ -1072,7 +1089,7 @@
               <a:buSzPts val="1400"/>
               <a:buFont typeface="Arial"/>
               <a:buNone/>
-              <a:defRPr b="0" i="0" sz="1200" u="none" cap="none" strike="noStrike">
+              <a:defRPr sz="1200" b="0" i="0" u="none" strike="noStrike" cap="none">
                 <a:solidFill>
                   <a:schemeClr val="dk1"/>
                 </a:solidFill>
@@ -1082,7 +1099,7 @@
                 <a:sym typeface="Calibri"/>
               </a:defRPr>
             </a:lvl7pPr>
-            <a:lvl8pPr indent="-228600" lvl="7" marL="3657600" marR="0" rtl="0" algn="l">
+            <a:lvl8pPr marL="3657600" marR="0" lvl="7" indent="-228600" algn="l" rtl="0">
               <a:lnSpc>
                 <a:spcPct val="100000"/>
               </a:lnSpc>
@@ -1098,7 +1115,7 @@
               <a:buSzPts val="1400"/>
               <a:buFont typeface="Arial"/>
               <a:buNone/>
-              <a:defRPr b="0" i="0" sz="1200" u="none" cap="none" strike="noStrike">
+              <a:defRPr sz="1200" b="0" i="0" u="none" strike="noStrike" cap="none">
                 <a:solidFill>
                   <a:schemeClr val="dk1"/>
                 </a:solidFill>
@@ -1108,7 +1125,7 @@
                 <a:sym typeface="Calibri"/>
               </a:defRPr>
             </a:lvl8pPr>
-            <a:lvl9pPr indent="-228600" lvl="8" marL="4114800" marR="0" rtl="0" algn="l">
+            <a:lvl9pPr marL="4114800" marR="0" lvl="8" indent="-228600" algn="l" rtl="0">
               <a:lnSpc>
                 <a:spcPct val="100000"/>
               </a:lnSpc>
@@ -1124,7 +1141,7 @@
               <a:buSzPts val="1400"/>
               <a:buFont typeface="Arial"/>
               <a:buNone/>
-              <a:defRPr b="0" i="0" sz="1200" u="none" cap="none" strike="noStrike">
+              <a:defRPr sz="1200" b="0" i="0" u="none" strike="noStrike" cap="none">
                 <a:solidFill>
                   <a:schemeClr val="dk1"/>
                 </a:solidFill>
@@ -1135,15 +1152,19 @@
               </a:defRPr>
             </a:lvl9pPr>
           </a:lstStyle>
-          <a:p/>
+          <a:p>
+            <a:endParaRPr/>
+          </a:p>
         </p:txBody>
       </p:sp>
       <p:sp>
         <p:nvSpPr>
           <p:cNvPr id="7" name="Google Shape;7;n"/>
-          <p:cNvSpPr txBox="1"/>
+          <p:cNvSpPr txBox="1">
+            <a:spLocks noGrp="1"/>
+          </p:cNvSpPr>
           <p:nvPr>
-            <p:ph idx="11" type="ftr"/>
+            <p:ph type="ftr" idx="11"/>
           </p:nvPr>
         </p:nvSpPr>
         <p:spPr>
@@ -1160,11 +1181,11 @@
           </a:ln>
         </p:spPr>
         <p:txBody>
-          <a:bodyPr anchorCtr="0" anchor="b" bIns="45700" lIns="91425" spcFirstLastPara="1" rIns="91425" wrap="square" tIns="45700">
+          <a:bodyPr spcFirstLastPara="1" wrap="square" lIns="91425" tIns="45700" rIns="91425" bIns="45700" anchor="b" anchorCtr="0">
             <a:noAutofit/>
           </a:bodyPr>
           <a:lstStyle>
-            <a:lvl1pPr lvl="0" marR="0" rtl="0" algn="l">
+            <a:lvl1pPr marR="0" lvl="0" algn="l" rtl="0">
               <a:lnSpc>
                 <a:spcPct val="100000"/>
               </a:lnSpc>
@@ -1180,7 +1201,7 @@
               <a:buSzPts val="1400"/>
               <a:buFont typeface="Arial"/>
               <a:buNone/>
-              <a:defRPr b="0" i="0" sz="1200" u="none" cap="none" strike="noStrike">
+              <a:defRPr sz="1200" b="0" i="0" u="none" strike="noStrike" cap="none">
                 <a:solidFill>
                   <a:schemeClr val="dk1"/>
                 </a:solidFill>
@@ -1190,7 +1211,7 @@
                 <a:sym typeface="Calibri"/>
               </a:defRPr>
             </a:lvl1pPr>
-            <a:lvl2pPr lvl="1" marR="0" rtl="0" algn="l">
+            <a:lvl2pPr marR="0" lvl="1" algn="l" rtl="0">
               <a:lnSpc>
                 <a:spcPct val="100000"/>
               </a:lnSpc>
@@ -1206,7 +1227,7 @@
               <a:buSzPts val="1400"/>
               <a:buFont typeface="Arial"/>
               <a:buNone/>
-              <a:defRPr b="0" i="0" sz="1800" u="none" cap="none" strike="noStrike">
+              <a:defRPr sz="1800" b="0" i="0" u="none" strike="noStrike" cap="none">
                 <a:solidFill>
                   <a:schemeClr val="dk1"/>
                 </a:solidFill>
@@ -1216,7 +1237,7 @@
                 <a:sym typeface="Calibri"/>
               </a:defRPr>
             </a:lvl2pPr>
-            <a:lvl3pPr lvl="2" marR="0" rtl="0" algn="l">
+            <a:lvl3pPr marR="0" lvl="2" algn="l" rtl="0">
               <a:lnSpc>
                 <a:spcPct val="100000"/>
               </a:lnSpc>
@@ -1232,7 +1253,7 @@
               <a:buSzPts val="1400"/>
               <a:buFont typeface="Arial"/>
               <a:buNone/>
-              <a:defRPr b="0" i="0" sz="1800" u="none" cap="none" strike="noStrike">
+              <a:defRPr sz="1800" b="0" i="0" u="none" strike="noStrike" cap="none">
                 <a:solidFill>
                   <a:schemeClr val="dk1"/>
                 </a:solidFill>
@@ -1242,7 +1263,7 @@
                 <a:sym typeface="Calibri"/>
               </a:defRPr>
             </a:lvl3pPr>
-            <a:lvl4pPr lvl="3" marR="0" rtl="0" algn="l">
+            <a:lvl4pPr marR="0" lvl="3" algn="l" rtl="0">
               <a:lnSpc>
                 <a:spcPct val="100000"/>
               </a:lnSpc>
@@ -1258,7 +1279,7 @@
               <a:buSzPts val="1400"/>
               <a:buFont typeface="Arial"/>
               <a:buNone/>
-              <a:defRPr b="0" i="0" sz="1800" u="none" cap="none" strike="noStrike">
+              <a:defRPr sz="1800" b="0" i="0" u="none" strike="noStrike" cap="none">
                 <a:solidFill>
                   <a:schemeClr val="dk1"/>
                 </a:solidFill>
@@ -1268,7 +1289,7 @@
                 <a:sym typeface="Calibri"/>
               </a:defRPr>
             </a:lvl4pPr>
-            <a:lvl5pPr lvl="4" marR="0" rtl="0" algn="l">
+            <a:lvl5pPr marR="0" lvl="4" algn="l" rtl="0">
               <a:lnSpc>
                 <a:spcPct val="100000"/>
               </a:lnSpc>
@@ -1284,7 +1305,7 @@
               <a:buSzPts val="1400"/>
               <a:buFont typeface="Arial"/>
               <a:buNone/>
-              <a:defRPr b="0" i="0" sz="1800" u="none" cap="none" strike="noStrike">
+              <a:defRPr sz="1800" b="0" i="0" u="none" strike="noStrike" cap="none">
                 <a:solidFill>
                   <a:schemeClr val="dk1"/>
                 </a:solidFill>
@@ -1294,7 +1315,7 @@
                 <a:sym typeface="Calibri"/>
               </a:defRPr>
             </a:lvl5pPr>
-            <a:lvl6pPr lvl="5" marR="0" rtl="0" algn="l">
+            <a:lvl6pPr marR="0" lvl="5" algn="l" rtl="0">
               <a:lnSpc>
                 <a:spcPct val="100000"/>
               </a:lnSpc>
@@ -1310,7 +1331,7 @@
               <a:buSzPts val="1400"/>
               <a:buFont typeface="Arial"/>
               <a:buNone/>
-              <a:defRPr b="0" i="0" sz="1800" u="none" cap="none" strike="noStrike">
+              <a:defRPr sz="1800" b="0" i="0" u="none" strike="noStrike" cap="none">
                 <a:solidFill>
                   <a:schemeClr val="dk1"/>
                 </a:solidFill>
@@ -1320,7 +1341,7 @@
                 <a:sym typeface="Calibri"/>
               </a:defRPr>
             </a:lvl6pPr>
-            <a:lvl7pPr lvl="6" marR="0" rtl="0" algn="l">
+            <a:lvl7pPr marR="0" lvl="6" algn="l" rtl="0">
               <a:lnSpc>
                 <a:spcPct val="100000"/>
               </a:lnSpc>
@@ -1336,7 +1357,7 @@
               <a:buSzPts val="1400"/>
               <a:buFont typeface="Arial"/>
               <a:buNone/>
-              <a:defRPr b="0" i="0" sz="1800" u="none" cap="none" strike="noStrike">
+              <a:defRPr sz="1800" b="0" i="0" u="none" strike="noStrike" cap="none">
                 <a:solidFill>
                   <a:schemeClr val="dk1"/>
                 </a:solidFill>
@@ -1346,7 +1367,7 @@
                 <a:sym typeface="Calibri"/>
               </a:defRPr>
             </a:lvl7pPr>
-            <a:lvl8pPr lvl="7" marR="0" rtl="0" algn="l">
+            <a:lvl8pPr marR="0" lvl="7" algn="l" rtl="0">
               <a:lnSpc>
                 <a:spcPct val="100000"/>
               </a:lnSpc>
@@ -1362,7 +1383,7 @@
               <a:buSzPts val="1400"/>
               <a:buFont typeface="Arial"/>
               <a:buNone/>
-              <a:defRPr b="0" i="0" sz="1800" u="none" cap="none" strike="noStrike">
+              <a:defRPr sz="1800" b="0" i="0" u="none" strike="noStrike" cap="none">
                 <a:solidFill>
                   <a:schemeClr val="dk1"/>
                 </a:solidFill>
@@ -1372,7 +1393,7 @@
                 <a:sym typeface="Calibri"/>
               </a:defRPr>
             </a:lvl8pPr>
-            <a:lvl9pPr lvl="8" marR="0" rtl="0" algn="l">
+            <a:lvl9pPr marR="0" lvl="8" algn="l" rtl="0">
               <a:lnSpc>
                 <a:spcPct val="100000"/>
               </a:lnSpc>
@@ -1388,7 +1409,7 @@
               <a:buSzPts val="1400"/>
               <a:buFont typeface="Arial"/>
               <a:buNone/>
-              <a:defRPr b="0" i="0" sz="1800" u="none" cap="none" strike="noStrike">
+              <a:defRPr sz="1800" b="0" i="0" u="none" strike="noStrike" cap="none">
                 <a:solidFill>
                   <a:schemeClr val="dk1"/>
                 </a:solidFill>
@@ -1399,15 +1420,19 @@
               </a:defRPr>
             </a:lvl9pPr>
           </a:lstStyle>
-          <a:p/>
+          <a:p>
+            <a:endParaRPr/>
+          </a:p>
         </p:txBody>
       </p:sp>
       <p:sp>
         <p:nvSpPr>
           <p:cNvPr id="8" name="Google Shape;8;n"/>
-          <p:cNvSpPr txBox="1"/>
+          <p:cNvSpPr txBox="1">
+            <a:spLocks noGrp="1"/>
+          </p:cNvSpPr>
           <p:nvPr>
-            <p:ph idx="12" type="sldNum"/>
+            <p:ph type="sldNum" idx="12"/>
           </p:nvPr>
         </p:nvSpPr>
         <p:spPr>
@@ -1424,12 +1449,12 @@
           </a:ln>
         </p:spPr>
         <p:txBody>
-          <a:bodyPr anchorCtr="0" anchor="b" bIns="45700" lIns="91425" spcFirstLastPara="1" rIns="91425" wrap="square" tIns="45700">
+          <a:bodyPr spcFirstLastPara="1" wrap="square" lIns="91425" tIns="45700" rIns="91425" bIns="45700" anchor="b" anchorCtr="0">
             <a:noAutofit/>
           </a:bodyPr>
           <a:lstStyle/>
           <a:p>
-            <a:pPr indent="0" lvl="0" marL="0" marR="0" rtl="0" algn="r">
+            <a:pPr marL="0" marR="0" lvl="0" indent="0" algn="r" rtl="0">
               <a:lnSpc>
                 <a:spcPct val="100000"/>
               </a:lnSpc>
@@ -1447,7 +1472,7 @@
               <a:buNone/>
             </a:pPr>
             <a:fld id="{00000000-1234-1234-1234-123412341234}" type="slidenum">
-              <a:rPr b="0" i="0" lang="en-GB" sz="1200" u="none" cap="none" strike="noStrike">
+              <a:rPr lang="en-GB" sz="1200" b="0" i="0" u="none" strike="noStrike" cap="none">
                 <a:solidFill>
                   <a:schemeClr val="dk1"/>
                 </a:solidFill>
@@ -1458,7 +1483,7 @@
               </a:rPr>
               <a:t>‹#›</a:t>
             </a:fld>
-            <a:endParaRPr b="0" i="0" sz="1200" u="none" cap="none" strike="noStrike">
+            <a:endParaRPr sz="1200" b="0" i="0" u="none" strike="noStrike" cap="none">
               <a:solidFill>
                 <a:schemeClr val="dk1"/>
               </a:solidFill>
@@ -1472,9 +1497,9 @@
       </p:sp>
     </p:spTree>
   </p:cSld>
-  <p:clrMap accent1="accent1" accent2="accent2" accent3="accent3" accent4="accent4" accent5="accent5" accent6="accent6" bg1="lt1" bg2="dk2" tx1="dk1" tx2="lt2" folHlink="folHlink" hlink="hlink"/>
+  <p:clrMap bg1="lt1" tx1="dk1" bg2="dk2" tx2="lt2" accent1="accent1" accent2="accent2" accent3="accent3" accent4="accent4" accent5="accent5" accent6="accent6" hlink="hlink" folHlink="folHlink"/>
   <p:notesStyle>
-    <a:defPPr lvl="0" marR="0" rtl="0" algn="l">
+    <a:defPPr marR="0" lvl="0" algn="l" rtl="0">
       <a:lnSpc>
         <a:spcPct val="100000"/>
       </a:lnSpc>
@@ -1485,7 +1510,7 @@
         <a:spcPts val="0"/>
       </a:spcAft>
     </a:defPPr>
-    <a:lvl1pPr lvl="0" marR="0" rtl="0" algn="l">
+    <a:lvl1pPr marR="0" lvl="0" algn="l" rtl="0">
       <a:lnSpc>
         <a:spcPct val="100000"/>
       </a:lnSpc>
@@ -1499,7 +1524,7 @@
         <a:srgbClr val="000000"/>
       </a:buClr>
       <a:buFont typeface="Arial"/>
-      <a:defRPr b="0" i="0" sz="1400" u="none" cap="none" strike="noStrike">
+      <a:defRPr sz="1400" b="0" i="0" u="none" strike="noStrike" cap="none">
         <a:solidFill>
           <a:srgbClr val="000000"/>
         </a:solidFill>
@@ -1509,7 +1534,7 @@
         <a:sym typeface="Arial"/>
       </a:defRPr>
     </a:lvl1pPr>
-    <a:lvl2pPr lvl="1" marR="0" rtl="0" algn="l">
+    <a:lvl2pPr marR="0" lvl="1" algn="l" rtl="0">
       <a:lnSpc>
         <a:spcPct val="100000"/>
       </a:lnSpc>
@@ -1523,7 +1548,7 @@
         <a:srgbClr val="000000"/>
       </a:buClr>
       <a:buFont typeface="Arial"/>
-      <a:defRPr b="0" i="0" sz="1400" u="none" cap="none" strike="noStrike">
+      <a:defRPr sz="1400" b="0" i="0" u="none" strike="noStrike" cap="none">
         <a:solidFill>
           <a:srgbClr val="000000"/>
         </a:solidFill>
@@ -1533,7 +1558,7 @@
         <a:sym typeface="Arial"/>
       </a:defRPr>
     </a:lvl2pPr>
-    <a:lvl3pPr lvl="2" marR="0" rtl="0" algn="l">
+    <a:lvl3pPr marR="0" lvl="2" algn="l" rtl="0">
       <a:lnSpc>
         <a:spcPct val="100000"/>
       </a:lnSpc>
@@ -1547,7 +1572,7 @@
         <a:srgbClr val="000000"/>
       </a:buClr>
       <a:buFont typeface="Arial"/>
-      <a:defRPr b="0" i="0" sz="1400" u="none" cap="none" strike="noStrike">
+      <a:defRPr sz="1400" b="0" i="0" u="none" strike="noStrike" cap="none">
         <a:solidFill>
           <a:srgbClr val="000000"/>
         </a:solidFill>
@@ -1557,7 +1582,7 @@
         <a:sym typeface="Arial"/>
       </a:defRPr>
     </a:lvl3pPr>
-    <a:lvl4pPr lvl="3" marR="0" rtl="0" algn="l">
+    <a:lvl4pPr marR="0" lvl="3" algn="l" rtl="0">
       <a:lnSpc>
         <a:spcPct val="100000"/>
       </a:lnSpc>
@@ -1571,7 +1596,7 @@
         <a:srgbClr val="000000"/>
       </a:buClr>
       <a:buFont typeface="Arial"/>
-      <a:defRPr b="0" i="0" sz="1400" u="none" cap="none" strike="noStrike">
+      <a:defRPr sz="1400" b="0" i="0" u="none" strike="noStrike" cap="none">
         <a:solidFill>
           <a:srgbClr val="000000"/>
         </a:solidFill>
@@ -1581,7 +1606,7 @@
         <a:sym typeface="Arial"/>
       </a:defRPr>
     </a:lvl4pPr>
-    <a:lvl5pPr lvl="4" marR="0" rtl="0" algn="l">
+    <a:lvl5pPr marR="0" lvl="4" algn="l" rtl="0">
       <a:lnSpc>
         <a:spcPct val="100000"/>
       </a:lnSpc>
@@ -1595,7 +1620,7 @@
         <a:srgbClr val="000000"/>
       </a:buClr>
       <a:buFont typeface="Arial"/>
-      <a:defRPr b="0" i="0" sz="1400" u="none" cap="none" strike="noStrike">
+      <a:defRPr sz="1400" b="0" i="0" u="none" strike="noStrike" cap="none">
         <a:solidFill>
           <a:srgbClr val="000000"/>
         </a:solidFill>
@@ -1605,7 +1630,7 @@
         <a:sym typeface="Arial"/>
       </a:defRPr>
     </a:lvl5pPr>
-    <a:lvl6pPr lvl="5" marR="0" rtl="0" algn="l">
+    <a:lvl6pPr marR="0" lvl="5" algn="l" rtl="0">
       <a:lnSpc>
         <a:spcPct val="100000"/>
       </a:lnSpc>
@@ -1619,7 +1644,7 @@
         <a:srgbClr val="000000"/>
       </a:buClr>
       <a:buFont typeface="Arial"/>
-      <a:defRPr b="0" i="0" sz="1400" u="none" cap="none" strike="noStrike">
+      <a:defRPr sz="1400" b="0" i="0" u="none" strike="noStrike" cap="none">
         <a:solidFill>
           <a:srgbClr val="000000"/>
         </a:solidFill>
@@ -1629,7 +1654,7 @@
         <a:sym typeface="Arial"/>
       </a:defRPr>
     </a:lvl6pPr>
-    <a:lvl7pPr lvl="6" marR="0" rtl="0" algn="l">
+    <a:lvl7pPr marR="0" lvl="6" algn="l" rtl="0">
       <a:lnSpc>
         <a:spcPct val="100000"/>
       </a:lnSpc>
@@ -1643,7 +1668,7 @@
         <a:srgbClr val="000000"/>
       </a:buClr>
       <a:buFont typeface="Arial"/>
-      <a:defRPr b="0" i="0" sz="1400" u="none" cap="none" strike="noStrike">
+      <a:defRPr sz="1400" b="0" i="0" u="none" strike="noStrike" cap="none">
         <a:solidFill>
           <a:srgbClr val="000000"/>
         </a:solidFill>
@@ -1653,7 +1678,7 @@
         <a:sym typeface="Arial"/>
       </a:defRPr>
     </a:lvl7pPr>
-    <a:lvl8pPr lvl="7" marR="0" rtl="0" algn="l">
+    <a:lvl8pPr marR="0" lvl="7" algn="l" rtl="0">
       <a:lnSpc>
         <a:spcPct val="100000"/>
       </a:lnSpc>
@@ -1667,7 +1692,7 @@
         <a:srgbClr val="000000"/>
       </a:buClr>
       <a:buFont typeface="Arial"/>
-      <a:defRPr b="0" i="0" sz="1400" u="none" cap="none" strike="noStrike">
+      <a:defRPr sz="1400" b="0" i="0" u="none" strike="noStrike" cap="none">
         <a:solidFill>
           <a:srgbClr val="000000"/>
         </a:solidFill>
@@ -1677,7 +1702,7 @@
         <a:sym typeface="Arial"/>
       </a:defRPr>
     </a:lvl8pPr>
-    <a:lvl9pPr lvl="8" marR="0" rtl="0" algn="l">
+    <a:lvl9pPr marR="0" lvl="8" algn="l" rtl="0">
       <a:lnSpc>
         <a:spcPct val="100000"/>
       </a:lnSpc>
@@ -1691,7 +1716,7 @@
         <a:srgbClr val="000000"/>
       </a:buClr>
       <a:buFont typeface="Arial"/>
-      <a:defRPr b="0" i="0" sz="1400" u="none" cap="none" strike="noStrike">
+      <a:defRPr sz="1400" b="0" i="0" u="none" strike="noStrike" cap="none">
         <a:solidFill>
           <a:srgbClr val="000000"/>
         </a:solidFill>
@@ -1706,11 +1731,11 @@
 </file>
 
 <file path=ppt/notesSlides/notesSlide1.xml><?xml version="1.0" encoding="utf-8"?>
-<p:notes xmlns:a="http://schemas.openxmlformats.org/drawingml/2006/main" xmlns:r="http://schemas.openxmlformats.org/officeDocument/2006/relationships" xmlns:mc="http://schemas.openxmlformats.org/markup-compatibility/2006" xmlns:mv="urn:schemas-microsoft-com:mac:vml" xmlns:p="http://schemas.openxmlformats.org/presentationml/2006/main" xmlns:c="http://schemas.openxmlformats.org/drawingml/2006/chart" xmlns:dgm="http://schemas.openxmlformats.org/drawingml/2006/diagram" xmlns:o="urn:schemas-microsoft-com:office:office" xmlns:v="urn:schemas-microsoft-com:vml" xmlns:pvml="urn:schemas-microsoft-com:office:powerpoint" xmlns:com="http://schemas.openxmlformats.org/drawingml/2006/compatibility" xmlns:p14="http://schemas.microsoft.com/office/powerpoint/2010/main" xmlns:p15="http://schemas.microsoft.com/office/powerpoint/2012/main" xmlns:ahyp="http://schemas.microsoft.com/office/drawing/2018/hyperlinkcolor" showMasterPhAnim="0" showMasterSp="0">
+<p:notes xmlns:a="http://schemas.openxmlformats.org/drawingml/2006/main" xmlns:r="http://schemas.openxmlformats.org/officeDocument/2006/relationships" xmlns:p="http://schemas.openxmlformats.org/presentationml/2006/main" showMasterSp="0" showMasterPhAnim="0">
   <p:cSld>
     <p:spTree>
       <p:nvGrpSpPr>
-        <p:cNvPr id="27" name="Shape 27"/>
+        <p:cNvPr id="1" name="Shape 27"/>
         <p:cNvGrpSpPr/>
         <p:nvPr/>
       </p:nvGrpSpPr>
@@ -1725,9 +1750,11 @@
       <p:sp>
         <p:nvSpPr>
           <p:cNvPr id="28" name="Google Shape;28;p1:notes"/>
-          <p:cNvSpPr txBox="1"/>
+          <p:cNvSpPr txBox="1">
+            <a:spLocks noGrp="1"/>
+          </p:cNvSpPr>
           <p:nvPr>
-            <p:ph idx="12" type="sldNum"/>
+            <p:ph type="sldNum" idx="12"/>
           </p:nvPr>
         </p:nvSpPr>
         <p:spPr>
@@ -1744,12 +1771,12 @@
           </a:ln>
         </p:spPr>
         <p:txBody>
-          <a:bodyPr anchorCtr="0" anchor="b" bIns="45700" lIns="91425" spcFirstLastPara="1" rIns="91425" wrap="square" tIns="45700">
+          <a:bodyPr spcFirstLastPara="1" wrap="square" lIns="91425" tIns="45700" rIns="91425" bIns="45700" anchor="b" anchorCtr="0">
             <a:noAutofit/>
           </a:bodyPr>
           <a:lstStyle/>
           <a:p>
-            <a:pPr indent="0" lvl="0" marL="0" marR="0" rtl="0" algn="r">
+            <a:pPr marL="0" marR="0" lvl="0" indent="0" algn="r" rtl="0">
               <a:lnSpc>
                 <a:spcPct val="100000"/>
               </a:lnSpc>
@@ -1763,7 +1790,7 @@
               <a:buNone/>
             </a:pPr>
             <a:fld id="{00000000-1234-1234-1234-123412341234}" type="slidenum">
-              <a:rPr b="0" i="0" lang="en-GB" sz="1200" u="none" cap="none" strike="noStrike">
+              <a:rPr lang="en-GB" sz="1200" b="0" i="0" u="none" strike="noStrike" cap="none">
                 <a:solidFill>
                   <a:srgbClr val="000000"/>
                 </a:solidFill>
@@ -1772,9 +1799,9 @@
                 <a:cs typeface="Calibri"/>
                 <a:sym typeface="Calibri"/>
               </a:rPr>
-              <a:t>‹#›</a:t>
+              <a:t>1</a:t>
             </a:fld>
-            <a:endParaRPr b="0" i="0" sz="1200" u="none" cap="none" strike="noStrike">
+            <a:endParaRPr sz="1200" b="0" i="0" u="none" strike="noStrike" cap="none">
               <a:solidFill>
                 <a:srgbClr val="000000"/>
               </a:solidFill>
@@ -1789,9 +1816,11 @@
       <p:sp>
         <p:nvSpPr>
           <p:cNvPr id="29" name="Google Shape;29;p1:notes"/>
-          <p:cNvSpPr/>
+          <p:cNvSpPr>
+            <a:spLocks noGrp="1" noRot="1" noChangeAspect="1"/>
+          </p:cNvSpPr>
           <p:nvPr>
-            <p:ph idx="2" type="sldImg"/>
+            <p:ph type="sldImg" idx="2"/>
           </p:nvPr>
         </p:nvSpPr>
         <p:spPr>
@@ -1800,9 +1829,13 @@
             <a:ext cx="4572000" cy="3429000"/>
           </a:xfrm>
           <a:custGeom>
-            <a:rect b="b" l="l" r="r" t="t"/>
+            <a:avLst/>
+            <a:gdLst/>
+            <a:ahLst/>
+            <a:cxnLst/>
+            <a:rect l="l" t="t" r="r" b="b"/>
             <a:pathLst>
-              <a:path extrusionOk="0" h="120000" w="120000">
+              <a:path w="120000" h="120000" extrusionOk="0">
                 <a:moveTo>
                   <a:pt x="0" y="0"/>
                 </a:moveTo>
@@ -1828,9 +1861,11 @@
       <p:sp>
         <p:nvSpPr>
           <p:cNvPr id="30" name="Google Shape;30;p1:notes"/>
-          <p:cNvSpPr txBox="1"/>
+          <p:cNvSpPr txBox="1">
+            <a:spLocks noGrp="1"/>
+          </p:cNvSpPr>
           <p:nvPr>
-            <p:ph idx="1" type="body"/>
+            <p:ph type="body" idx="1"/>
           </p:nvPr>
         </p:nvSpPr>
         <p:spPr>
@@ -1847,12 +1882,12 @@
           </a:ln>
         </p:spPr>
         <p:txBody>
-          <a:bodyPr anchorCtr="0" anchor="t" bIns="45700" lIns="91425" spcFirstLastPara="1" rIns="91425" wrap="square" tIns="45700">
+          <a:bodyPr spcFirstLastPara="1" wrap="square" lIns="91425" tIns="45700" rIns="91425" bIns="45700" anchor="t" anchorCtr="0">
             <a:noAutofit/>
           </a:bodyPr>
           <a:lstStyle/>
           <a:p>
-            <a:pPr indent="0" lvl="0" marL="0" marR="0" rtl="0" algn="l">
+            <a:pPr marL="0" marR="0" lvl="0" indent="0" algn="l" rtl="0">
               <a:lnSpc>
                 <a:spcPct val="100000"/>
               </a:lnSpc>
@@ -1866,7 +1901,7 @@
               <a:buNone/>
             </a:pPr>
             <a:r>
-              <a:rPr b="0" i="0" lang="en-GB" sz="1200" u="none" cap="none" strike="noStrike">
+              <a:rPr lang="en-GB" sz="1200" b="0" i="0" u="none" strike="noStrike" cap="none">
                 <a:solidFill>
                   <a:schemeClr val="dk1"/>
                 </a:solidFill>
@@ -1880,7 +1915,7 @@
             <a:endParaRPr/>
           </a:p>
           <a:p>
-            <a:pPr indent="0" lvl="0" marL="0" marR="0" rtl="0" algn="l">
+            <a:pPr marL="0" marR="0" lvl="0" indent="0" algn="l" rtl="0">
               <a:lnSpc>
                 <a:spcPct val="100000"/>
               </a:lnSpc>
@@ -1894,7 +1929,7 @@
               <a:buNone/>
             </a:pPr>
             <a:r>
-              <a:rPr b="0" i="0" lang="en-GB" sz="1200" u="none" cap="none" strike="noStrike">
+              <a:rPr lang="en-GB" sz="1200" b="0" i="0" u="none" strike="noStrike" cap="none">
                 <a:solidFill>
                   <a:schemeClr val="dk1"/>
                 </a:solidFill>
@@ -1908,7 +1943,7 @@
             <a:endParaRPr/>
           </a:p>
           <a:p>
-            <a:pPr indent="0" lvl="0" marL="0" marR="0" rtl="0" algn="l">
+            <a:pPr marL="0" marR="0" lvl="0" indent="0" algn="l" rtl="0">
               <a:lnSpc>
                 <a:spcPct val="100000"/>
               </a:lnSpc>
@@ -1926,7 +1961,7 @@
               <a:buChar char="-"/>
             </a:pPr>
             <a:r>
-              <a:rPr b="0" i="0" lang="en-GB" sz="1200" u="none" cap="none" strike="noStrike">
+              <a:rPr lang="en-GB" sz="1200" b="0" i="0" u="none" strike="noStrike" cap="none">
                 <a:solidFill>
                   <a:schemeClr val="dk1"/>
                 </a:solidFill>
@@ -1940,7 +1975,7 @@
             <a:endParaRPr/>
           </a:p>
           <a:p>
-            <a:pPr indent="0" lvl="0" marL="0" marR="0" rtl="0" algn="l">
+            <a:pPr marL="0" marR="0" lvl="0" indent="0" algn="l" rtl="0">
               <a:lnSpc>
                 <a:spcPct val="100000"/>
               </a:lnSpc>
@@ -1958,7 +1993,7 @@
               <a:buChar char="-"/>
             </a:pPr>
             <a:r>
-              <a:rPr b="0" i="0" lang="en-GB" sz="1200" u="none" cap="none" strike="noStrike">
+              <a:rPr lang="en-GB" sz="1200" b="0" i="0" u="none" strike="noStrike" cap="none">
                 <a:solidFill>
                   <a:schemeClr val="dk1"/>
                 </a:solidFill>
@@ -1982,11 +2017,11 @@
 </file>
 
 <file path=ppt/notesSlides/notesSlide2.xml><?xml version="1.0" encoding="utf-8"?>
-<p:notes xmlns:a="http://schemas.openxmlformats.org/drawingml/2006/main" xmlns:r="http://schemas.openxmlformats.org/officeDocument/2006/relationships" xmlns:mc="http://schemas.openxmlformats.org/markup-compatibility/2006" xmlns:mv="urn:schemas-microsoft-com:mac:vml" xmlns:p="http://schemas.openxmlformats.org/presentationml/2006/main" xmlns:c="http://schemas.openxmlformats.org/drawingml/2006/chart" xmlns:dgm="http://schemas.openxmlformats.org/drawingml/2006/diagram" xmlns:o="urn:schemas-microsoft-com:office:office" xmlns:v="urn:schemas-microsoft-com:vml" xmlns:pvml="urn:schemas-microsoft-com:office:powerpoint" xmlns:com="http://schemas.openxmlformats.org/drawingml/2006/compatibility" xmlns:p14="http://schemas.microsoft.com/office/powerpoint/2010/main" xmlns:p15="http://schemas.microsoft.com/office/powerpoint/2012/main" xmlns:ahyp="http://schemas.microsoft.com/office/drawing/2018/hyperlinkcolor" showMasterPhAnim="0" showMasterSp="0">
+<p:notes xmlns:a="http://schemas.openxmlformats.org/drawingml/2006/main" xmlns:r="http://schemas.openxmlformats.org/officeDocument/2006/relationships" xmlns:p="http://schemas.openxmlformats.org/presentationml/2006/main" showMasterSp="0" showMasterPhAnim="0">
   <p:cSld>
     <p:spTree>
       <p:nvGrpSpPr>
-        <p:cNvPr id="35" name="Shape 35"/>
+        <p:cNvPr id="1" name="Shape 35"/>
         <p:cNvGrpSpPr/>
         <p:nvPr/>
       </p:nvGrpSpPr>
@@ -2001,9 +2036,11 @@
       <p:sp>
         <p:nvSpPr>
           <p:cNvPr id="36" name="Google Shape;36;p2:notes"/>
-          <p:cNvSpPr txBox="1"/>
+          <p:cNvSpPr txBox="1">
+            <a:spLocks noGrp="1"/>
+          </p:cNvSpPr>
           <p:nvPr>
-            <p:ph idx="1" type="body"/>
+            <p:ph type="body" idx="1"/>
           </p:nvPr>
         </p:nvSpPr>
         <p:spPr>
@@ -2020,12 +2057,12 @@
           </a:ln>
         </p:spPr>
         <p:txBody>
-          <a:bodyPr anchorCtr="0" anchor="t" bIns="45700" lIns="91425" spcFirstLastPara="1" rIns="91425" wrap="square" tIns="45700">
+          <a:bodyPr spcFirstLastPara="1" wrap="square" lIns="91425" tIns="45700" rIns="91425" bIns="45700" anchor="t" anchorCtr="0">
             <a:noAutofit/>
           </a:bodyPr>
           <a:lstStyle/>
           <a:p>
-            <a:pPr indent="0" lvl="0" marL="0" rtl="0" algn="l">
+            <a:pPr marL="0" lvl="0" indent="0" algn="l" rtl="0">
               <a:lnSpc>
                 <a:spcPct val="100000"/>
               </a:lnSpc>
@@ -2038,9 +2075,6 @@
               <a:buSzPts val="1400"/>
               <a:buNone/>
             </a:pPr>
-            <a:r>
-              <a:t/>
-            </a:r>
             <a:endParaRPr/>
           </a:p>
         </p:txBody>
@@ -2048,9 +2082,11 @@
       <p:sp>
         <p:nvSpPr>
           <p:cNvPr id="37" name="Google Shape;37;p2:notes"/>
-          <p:cNvSpPr/>
+          <p:cNvSpPr>
+            <a:spLocks noGrp="1" noRot="1" noChangeAspect="1"/>
+          </p:cNvSpPr>
           <p:nvPr>
-            <p:ph idx="2" type="sldImg"/>
+            <p:ph type="sldImg" idx="2"/>
           </p:nvPr>
         </p:nvSpPr>
         <p:spPr>
@@ -2059,9 +2095,13 @@
             <a:ext cx="4572000" cy="3429000"/>
           </a:xfrm>
           <a:custGeom>
-            <a:rect b="b" l="l" r="r" t="t"/>
+            <a:avLst/>
+            <a:gdLst/>
+            <a:ahLst/>
+            <a:cxnLst/>
+            <a:rect l="l" t="t" r="r" b="b"/>
             <a:pathLst>
-              <a:path extrusionOk="0" h="120000" w="120000">
+              <a:path w="120000" h="120000" extrusionOk="0">
                 <a:moveTo>
                   <a:pt x="0" y="0"/>
                 </a:moveTo>
@@ -2079,14 +2119,14 @@
             </a:pathLst>
           </a:custGeom>
           <a:noFill/>
-          <a:ln cap="flat" cmpd="sng" w="12700">
+          <a:ln w="12700" cap="flat" cmpd="sng">
             <a:solidFill>
               <a:srgbClr val="000000"/>
             </a:solidFill>
             <a:prstDash val="solid"/>
             <a:round/>
-            <a:headEnd len="sm" w="sm" type="none"/>
-            <a:tailEnd len="sm" w="sm" type="none"/>
+            <a:headEnd type="none" w="sm" len="sm"/>
+            <a:tailEnd type="none" w="sm" len="sm"/>
           </a:ln>
         </p:spPr>
       </p:sp>
@@ -2099,11 +2139,11 @@
 </file>
 
 <file path=ppt/notesSlides/notesSlide3.xml><?xml version="1.0" encoding="utf-8"?>
-<p:notes xmlns:a="http://schemas.openxmlformats.org/drawingml/2006/main" xmlns:r="http://schemas.openxmlformats.org/officeDocument/2006/relationships" xmlns:mc="http://schemas.openxmlformats.org/markup-compatibility/2006" xmlns:mv="urn:schemas-microsoft-com:mac:vml" xmlns:p="http://schemas.openxmlformats.org/presentationml/2006/main" xmlns:c="http://schemas.openxmlformats.org/drawingml/2006/chart" xmlns:dgm="http://schemas.openxmlformats.org/drawingml/2006/diagram" xmlns:o="urn:schemas-microsoft-com:office:office" xmlns:v="urn:schemas-microsoft-com:vml" xmlns:pvml="urn:schemas-microsoft-com:office:powerpoint" xmlns:com="http://schemas.openxmlformats.org/drawingml/2006/compatibility" xmlns:p14="http://schemas.microsoft.com/office/powerpoint/2010/main" xmlns:p15="http://schemas.microsoft.com/office/powerpoint/2012/main" xmlns:ahyp="http://schemas.microsoft.com/office/drawing/2018/hyperlinkcolor" showMasterPhAnim="0" showMasterSp="0">
+<p:notes xmlns:a="http://schemas.openxmlformats.org/drawingml/2006/main" xmlns:r="http://schemas.openxmlformats.org/officeDocument/2006/relationships" xmlns:p="http://schemas.openxmlformats.org/presentationml/2006/main" showMasterSp="0" showMasterPhAnim="0">
   <p:cSld>
     <p:spTree>
       <p:nvGrpSpPr>
-        <p:cNvPr id="41" name="Shape 41"/>
+        <p:cNvPr id="1" name="Shape 41"/>
         <p:cNvGrpSpPr/>
         <p:nvPr/>
       </p:nvGrpSpPr>
@@ -2118,9 +2158,11 @@
       <p:sp>
         <p:nvSpPr>
           <p:cNvPr id="42" name="Google Shape;42;p3:notes"/>
-          <p:cNvSpPr/>
+          <p:cNvSpPr>
+            <a:spLocks noGrp="1" noRot="1" noChangeAspect="1"/>
+          </p:cNvSpPr>
           <p:nvPr>
-            <p:ph idx="2" type="sldImg"/>
+            <p:ph type="sldImg" idx="2"/>
           </p:nvPr>
         </p:nvSpPr>
         <p:spPr>
@@ -2129,9 +2171,13 @@
             <a:ext cx="4572000" cy="3429000"/>
           </a:xfrm>
           <a:custGeom>
-            <a:rect b="b" l="l" r="r" t="t"/>
+            <a:avLst/>
+            <a:gdLst/>
+            <a:ahLst/>
+            <a:cxnLst/>
+            <a:rect l="l" t="t" r="r" b="b"/>
             <a:pathLst>
-              <a:path extrusionOk="0" h="120000" w="120000">
+              <a:path w="120000" h="120000" extrusionOk="0">
                 <a:moveTo>
                   <a:pt x="0" y="0"/>
                 </a:moveTo>
@@ -2149,23 +2195,25 @@
             </a:pathLst>
           </a:custGeom>
           <a:noFill/>
-          <a:ln cap="flat" cmpd="sng" w="12700">
+          <a:ln w="12700" cap="flat" cmpd="sng">
             <a:solidFill>
               <a:srgbClr val="000000"/>
             </a:solidFill>
             <a:prstDash val="solid"/>
             <a:round/>
-            <a:headEnd len="sm" w="sm" type="none"/>
-            <a:tailEnd len="sm" w="sm" type="none"/>
+            <a:headEnd type="none" w="sm" len="sm"/>
+            <a:tailEnd type="none" w="sm" len="sm"/>
           </a:ln>
         </p:spPr>
       </p:sp>
       <p:sp>
         <p:nvSpPr>
           <p:cNvPr id="43" name="Google Shape;43;p3:notes"/>
-          <p:cNvSpPr txBox="1"/>
+          <p:cNvSpPr txBox="1">
+            <a:spLocks noGrp="1"/>
+          </p:cNvSpPr>
           <p:nvPr>
-            <p:ph idx="1" type="body"/>
+            <p:ph type="body" idx="1"/>
           </p:nvPr>
         </p:nvSpPr>
         <p:spPr>
@@ -2182,12 +2230,12 @@
           </a:ln>
         </p:spPr>
         <p:txBody>
-          <a:bodyPr anchorCtr="0" anchor="t" bIns="45700" lIns="91425" spcFirstLastPara="1" rIns="91425" wrap="square" tIns="45700">
+          <a:bodyPr spcFirstLastPara="1" wrap="square" lIns="91425" tIns="45700" rIns="91425" bIns="45700" anchor="t" anchorCtr="0">
             <a:noAutofit/>
           </a:bodyPr>
           <a:lstStyle/>
           <a:p>
-            <a:pPr indent="-171450" lvl="0" marL="171450" marR="0" rtl="0" algn="l">
+            <a:pPr marL="171450" marR="0" lvl="0" indent="-171450" algn="l" rtl="0">
               <a:lnSpc>
                 <a:spcPct val="100000"/>
               </a:lnSpc>
@@ -2205,7 +2253,7 @@
               <a:buChar char="-"/>
             </a:pPr>
             <a:r>
-              <a:rPr b="0" i="0" lang="en-GB" sz="1200" u="none" cap="none" strike="noStrike">
+              <a:rPr lang="en-GB" sz="1200" b="0" i="0" u="none" strike="noStrike" cap="none">
                 <a:solidFill>
                   <a:schemeClr val="dk1"/>
                 </a:solidFill>
@@ -2219,7 +2267,7 @@
             <a:endParaRPr/>
           </a:p>
           <a:p>
-            <a:pPr indent="-171450" lvl="0" marL="171450" marR="0" rtl="0" algn="l">
+            <a:pPr marL="171450" marR="0" lvl="0" indent="-171450" algn="l" rtl="0">
               <a:lnSpc>
                 <a:spcPct val="100000"/>
               </a:lnSpc>
@@ -2237,7 +2285,7 @@
               <a:buChar char="-"/>
             </a:pPr>
             <a:r>
-              <a:rPr b="0" i="0" lang="en-GB" sz="1200" u="none" cap="none" strike="noStrike">
+              <a:rPr lang="en-GB" sz="1200" b="0" i="0" u="none" strike="noStrike" cap="none">
                 <a:solidFill>
                   <a:schemeClr val="dk1"/>
                 </a:solidFill>
@@ -2251,7 +2299,7 @@
             <a:endParaRPr/>
           </a:p>
           <a:p>
-            <a:pPr indent="0" lvl="0" marL="0" marR="0" rtl="0" algn="l">
+            <a:pPr marL="0" marR="0" lvl="0" indent="0" algn="l" rtl="0">
               <a:lnSpc>
                 <a:spcPct val="100000"/>
               </a:lnSpc>
@@ -2264,10 +2312,7 @@
               <a:buSzPts val="1400"/>
               <a:buNone/>
             </a:pPr>
-            <a:r>
-              <a:t/>
-            </a:r>
-            <a:endParaRPr b="0" i="0" sz="1200" u="none" cap="none" strike="noStrike">
+            <a:endParaRPr sz="1200" b="0" i="0" u="none" strike="noStrike" cap="none">
               <a:solidFill>
                 <a:schemeClr val="dk1"/>
               </a:solidFill>
@@ -2282,9 +2327,11 @@
       <p:sp>
         <p:nvSpPr>
           <p:cNvPr id="44" name="Google Shape;44;p3:notes"/>
-          <p:cNvSpPr txBox="1"/>
+          <p:cNvSpPr txBox="1">
+            <a:spLocks noGrp="1"/>
+          </p:cNvSpPr>
           <p:nvPr>
-            <p:ph idx="12" type="sldNum"/>
+            <p:ph type="sldNum" idx="12"/>
           </p:nvPr>
         </p:nvSpPr>
         <p:spPr>
@@ -2301,12 +2348,12 @@
           </a:ln>
         </p:spPr>
         <p:txBody>
-          <a:bodyPr anchorCtr="0" anchor="b" bIns="45700" lIns="91425" spcFirstLastPara="1" rIns="91425" wrap="square" tIns="45700">
+          <a:bodyPr spcFirstLastPara="1" wrap="square" lIns="91425" tIns="45700" rIns="91425" bIns="45700" anchor="b" anchorCtr="0">
             <a:noAutofit/>
           </a:bodyPr>
           <a:lstStyle/>
           <a:p>
-            <a:pPr indent="0" lvl="0" marL="0" marR="0" rtl="0" algn="r">
+            <a:pPr marL="0" marR="0" lvl="0" indent="0" algn="r" rtl="0">
               <a:lnSpc>
                 <a:spcPct val="100000"/>
               </a:lnSpc>
@@ -2320,7 +2367,7 @@
               <a:buNone/>
             </a:pPr>
             <a:fld id="{00000000-1234-1234-1234-123412341234}" type="slidenum">
-              <a:rPr b="0" i="0" lang="en-GB" sz="1200" u="none" cap="none" strike="noStrike">
+              <a:rPr lang="en-GB" sz="1200" b="0" i="0" u="none" strike="noStrike" cap="none">
                 <a:solidFill>
                   <a:schemeClr val="dk1"/>
                 </a:solidFill>
@@ -2329,9 +2376,9 @@
                 <a:cs typeface="Calibri"/>
                 <a:sym typeface="Calibri"/>
               </a:rPr>
-              <a:t>‹#›</a:t>
+              <a:t>3</a:t>
             </a:fld>
-            <a:endParaRPr b="0" i="0" sz="1200" u="none" cap="none" strike="noStrike">
+            <a:endParaRPr sz="1200" b="0" i="0" u="none" strike="noStrike" cap="none">
               <a:solidFill>
                 <a:schemeClr val="dk1"/>
               </a:solidFill>
@@ -2352,11 +2399,11 @@
 </file>
 
 <file path=ppt/notesSlides/notesSlide4.xml><?xml version="1.0" encoding="utf-8"?>
-<p:notes xmlns:a="http://schemas.openxmlformats.org/drawingml/2006/main" xmlns:r="http://schemas.openxmlformats.org/officeDocument/2006/relationships" xmlns:mc="http://schemas.openxmlformats.org/markup-compatibility/2006" xmlns:mv="urn:schemas-microsoft-com:mac:vml" xmlns:p="http://schemas.openxmlformats.org/presentationml/2006/main" xmlns:c="http://schemas.openxmlformats.org/drawingml/2006/chart" xmlns:dgm="http://schemas.openxmlformats.org/drawingml/2006/diagram" xmlns:o="urn:schemas-microsoft-com:office:office" xmlns:v="urn:schemas-microsoft-com:vml" xmlns:pvml="urn:schemas-microsoft-com:office:powerpoint" xmlns:com="http://schemas.openxmlformats.org/drawingml/2006/compatibility" xmlns:p14="http://schemas.microsoft.com/office/powerpoint/2010/main" xmlns:p15="http://schemas.microsoft.com/office/powerpoint/2012/main" xmlns:ahyp="http://schemas.microsoft.com/office/drawing/2018/hyperlinkcolor" showMasterPhAnim="0" showMasterSp="0">
+<p:notes xmlns:a="http://schemas.openxmlformats.org/drawingml/2006/main" xmlns:r="http://schemas.openxmlformats.org/officeDocument/2006/relationships" xmlns:p="http://schemas.openxmlformats.org/presentationml/2006/main" showMasterSp="0" showMasterPhAnim="0">
   <p:cSld>
     <p:spTree>
       <p:nvGrpSpPr>
-        <p:cNvPr id="48" name="Shape 48"/>
+        <p:cNvPr id="1" name="Shape 48"/>
         <p:cNvGrpSpPr/>
         <p:nvPr/>
       </p:nvGrpSpPr>
@@ -2371,9 +2418,11 @@
       <p:sp>
         <p:nvSpPr>
           <p:cNvPr id="49" name="Google Shape;49;p4:notes"/>
-          <p:cNvSpPr/>
+          <p:cNvSpPr>
+            <a:spLocks noGrp="1" noRot="1" noChangeAspect="1"/>
+          </p:cNvSpPr>
           <p:nvPr>
-            <p:ph idx="2" type="sldImg"/>
+            <p:ph type="sldImg" idx="2"/>
           </p:nvPr>
         </p:nvSpPr>
         <p:spPr>
@@ -2382,9 +2431,13 @@
             <a:ext cx="4572000" cy="3429000"/>
           </a:xfrm>
           <a:custGeom>
-            <a:rect b="b" l="l" r="r" t="t"/>
+            <a:avLst/>
+            <a:gdLst/>
+            <a:ahLst/>
+            <a:cxnLst/>
+            <a:rect l="l" t="t" r="r" b="b"/>
             <a:pathLst>
-              <a:path extrusionOk="0" h="120000" w="120000">
+              <a:path w="120000" h="120000" extrusionOk="0">
                 <a:moveTo>
                   <a:pt x="0" y="0"/>
                 </a:moveTo>
@@ -2410,9 +2463,11 @@
       <p:sp>
         <p:nvSpPr>
           <p:cNvPr id="50" name="Google Shape;50;p4:notes"/>
-          <p:cNvSpPr txBox="1"/>
+          <p:cNvSpPr txBox="1">
+            <a:spLocks noGrp="1"/>
+          </p:cNvSpPr>
           <p:nvPr>
-            <p:ph idx="1" type="body"/>
+            <p:ph type="body" idx="1"/>
           </p:nvPr>
         </p:nvSpPr>
         <p:spPr>
@@ -2429,12 +2484,12 @@
           </a:ln>
         </p:spPr>
         <p:txBody>
-          <a:bodyPr anchorCtr="0" anchor="t" bIns="45700" lIns="91425" spcFirstLastPara="1" rIns="91425" wrap="square" tIns="45700">
+          <a:bodyPr spcFirstLastPara="1" wrap="square" lIns="91425" tIns="45700" rIns="91425" bIns="45700" anchor="t" anchorCtr="0">
             <a:noAutofit/>
           </a:bodyPr>
           <a:lstStyle/>
           <a:p>
-            <a:pPr indent="0" lvl="0" marL="0" marR="0" rtl="0" algn="l">
+            <a:pPr marL="0" marR="0" lvl="0" indent="0" algn="l" rtl="0">
               <a:lnSpc>
                 <a:spcPct val="100000"/>
               </a:lnSpc>
@@ -2452,7 +2507,7 @@
               <a:buChar char="-"/>
             </a:pPr>
             <a:r>
-              <a:rPr b="0" i="0" lang="en-GB" sz="1200" u="none" cap="none" strike="noStrike">
+              <a:rPr lang="en-GB" sz="1200" b="0" i="0" u="none" strike="noStrike" cap="none">
                 <a:solidFill>
                   <a:schemeClr val="dk1"/>
                 </a:solidFill>
@@ -2466,7 +2521,7 @@
             <a:endParaRPr/>
           </a:p>
           <a:p>
-            <a:pPr indent="0" lvl="0" marL="0" marR="0" rtl="0" algn="l">
+            <a:pPr marL="0" marR="0" lvl="0" indent="0" algn="l" rtl="0">
               <a:lnSpc>
                 <a:spcPct val="100000"/>
               </a:lnSpc>
@@ -2484,7 +2539,7 @@
               <a:buChar char="-"/>
             </a:pPr>
             <a:r>
-              <a:rPr b="0" i="0" lang="en-GB" sz="1200" u="none" cap="none" strike="noStrike">
+              <a:rPr lang="en-GB" sz="1200" b="0" i="0" u="none" strike="noStrike" cap="none">
                 <a:solidFill>
                   <a:schemeClr val="dk1"/>
                 </a:solidFill>
@@ -2495,7 +2550,7 @@
               </a:rPr>
               <a:t> The commands/instructions are provided to the computer in a terminal window on the commandline</a:t>
             </a:r>
-            <a:endParaRPr b="0" i="0" sz="1200" u="none" cap="none" strike="noStrike">
+            <a:endParaRPr sz="1200" b="0" i="0" u="none" strike="noStrike" cap="none">
               <a:solidFill>
                 <a:schemeClr val="dk1"/>
               </a:solidFill>
@@ -2506,7 +2561,7 @@
             </a:endParaRPr>
           </a:p>
           <a:p>
-            <a:pPr indent="0" lvl="0" marL="0" marR="0" rtl="0" algn="l">
+            <a:pPr marL="0" marR="0" lvl="0" indent="0" algn="l" rtl="0">
               <a:lnSpc>
                 <a:spcPct val="100000"/>
               </a:lnSpc>
@@ -2524,7 +2579,7 @@
               <a:buChar char="-"/>
             </a:pPr>
             <a:r>
-              <a:rPr b="0" i="0" lang="en-GB" sz="1200" u="none" cap="none" strike="noStrike">
+              <a:rPr lang="en-GB" sz="1200" b="0" i="0" u="none" strike="noStrike" cap="none">
                 <a:solidFill>
                   <a:schemeClr val="dk1"/>
                 </a:solidFill>
@@ -2535,7 +2590,7 @@
               </a:rPr>
               <a:t> Very powerful as it allows you to carry out certain tasks very quickly that otherwise may take be time consuming if using the file manager e.g. moving or deleting hundreds of files </a:t>
             </a:r>
-            <a:endParaRPr b="0" i="0" sz="1200" u="none" cap="none" strike="noStrike">
+            <a:endParaRPr sz="1200" b="0" i="0" u="none" strike="noStrike" cap="none">
               <a:solidFill>
                 <a:schemeClr val="dk1"/>
               </a:solidFill>
@@ -2550,9 +2605,11 @@
       <p:sp>
         <p:nvSpPr>
           <p:cNvPr id="51" name="Google Shape;51;p4:notes"/>
-          <p:cNvSpPr txBox="1"/>
+          <p:cNvSpPr txBox="1">
+            <a:spLocks noGrp="1"/>
+          </p:cNvSpPr>
           <p:nvPr>
-            <p:ph idx="12" type="sldNum"/>
+            <p:ph type="sldNum" idx="12"/>
           </p:nvPr>
         </p:nvSpPr>
         <p:spPr>
@@ -2569,12 +2626,12 @@
           </a:ln>
         </p:spPr>
         <p:txBody>
-          <a:bodyPr anchorCtr="0" anchor="b" bIns="45700" lIns="91425" spcFirstLastPara="1" rIns="91425" wrap="square" tIns="45700">
+          <a:bodyPr spcFirstLastPara="1" wrap="square" lIns="91425" tIns="45700" rIns="91425" bIns="45700" anchor="b" anchorCtr="0">
             <a:noAutofit/>
           </a:bodyPr>
           <a:lstStyle/>
           <a:p>
-            <a:pPr indent="0" lvl="0" marL="0" marR="0" rtl="0" algn="r">
+            <a:pPr marL="0" marR="0" lvl="0" indent="0" algn="r" rtl="0">
               <a:lnSpc>
                 <a:spcPct val="100000"/>
               </a:lnSpc>
@@ -2588,7 +2645,7 @@
               <a:buNone/>
             </a:pPr>
             <a:fld id="{00000000-1234-1234-1234-123412341234}" type="slidenum">
-              <a:rPr b="0" i="0" lang="en-GB" sz="1200" u="none" cap="none" strike="noStrike">
+              <a:rPr lang="en-GB" sz="1200" b="0" i="0" u="none" strike="noStrike" cap="none">
                 <a:solidFill>
                   <a:schemeClr val="dk1"/>
                 </a:solidFill>
@@ -2597,9 +2654,9 @@
                 <a:cs typeface="Arial"/>
                 <a:sym typeface="Arial"/>
               </a:rPr>
-              <a:t>‹#›</a:t>
+              <a:t>4</a:t>
             </a:fld>
-            <a:endParaRPr b="0" i="0" sz="1200" u="none" cap="none" strike="noStrike">
+            <a:endParaRPr sz="1200" b="0" i="0" u="none" strike="noStrike" cap="none">
               <a:solidFill>
                 <a:schemeClr val="dk1"/>
               </a:solidFill>
@@ -2620,11 +2677,11 @@
 </file>
 
 <file path=ppt/notesSlides/notesSlide5.xml><?xml version="1.0" encoding="utf-8"?>
-<p:notes xmlns:a="http://schemas.openxmlformats.org/drawingml/2006/main" xmlns:r="http://schemas.openxmlformats.org/officeDocument/2006/relationships" xmlns:mc="http://schemas.openxmlformats.org/markup-compatibility/2006" xmlns:mv="urn:schemas-microsoft-com:mac:vml" xmlns:p="http://schemas.openxmlformats.org/presentationml/2006/main" xmlns:c="http://schemas.openxmlformats.org/drawingml/2006/chart" xmlns:dgm="http://schemas.openxmlformats.org/drawingml/2006/diagram" xmlns:o="urn:schemas-microsoft-com:office:office" xmlns:v="urn:schemas-microsoft-com:vml" xmlns:pvml="urn:schemas-microsoft-com:office:powerpoint" xmlns:com="http://schemas.openxmlformats.org/drawingml/2006/compatibility" xmlns:p14="http://schemas.microsoft.com/office/powerpoint/2010/main" xmlns:p15="http://schemas.microsoft.com/office/powerpoint/2012/main" xmlns:ahyp="http://schemas.microsoft.com/office/drawing/2018/hyperlinkcolor" showMasterPhAnim="0" showMasterSp="0">
+<p:notes xmlns:a="http://schemas.openxmlformats.org/drawingml/2006/main" xmlns:r="http://schemas.openxmlformats.org/officeDocument/2006/relationships" xmlns:p="http://schemas.openxmlformats.org/presentationml/2006/main" showMasterSp="0" showMasterPhAnim="0">
   <p:cSld>
     <p:spTree>
       <p:nvGrpSpPr>
-        <p:cNvPr id="59" name="Shape 59"/>
+        <p:cNvPr id="1" name="Shape 59"/>
         <p:cNvGrpSpPr/>
         <p:nvPr/>
       </p:nvGrpSpPr>
@@ -2639,9 +2696,11 @@
       <p:sp>
         <p:nvSpPr>
           <p:cNvPr id="60" name="Google Shape;60;p5:notes"/>
-          <p:cNvSpPr txBox="1"/>
+          <p:cNvSpPr txBox="1">
+            <a:spLocks noGrp="1"/>
+          </p:cNvSpPr>
           <p:nvPr>
-            <p:ph idx="12" type="sldNum"/>
+            <p:ph type="sldNum" idx="12"/>
           </p:nvPr>
         </p:nvSpPr>
         <p:spPr>
@@ -2658,12 +2717,12 @@
           </a:ln>
         </p:spPr>
         <p:txBody>
-          <a:bodyPr anchorCtr="0" anchor="b" bIns="45700" lIns="91425" spcFirstLastPara="1" rIns="91425" wrap="square" tIns="45700">
+          <a:bodyPr spcFirstLastPara="1" wrap="square" lIns="91425" tIns="45700" rIns="91425" bIns="45700" anchor="b" anchorCtr="0">
             <a:noAutofit/>
           </a:bodyPr>
           <a:lstStyle/>
           <a:p>
-            <a:pPr indent="0" lvl="0" marL="0" marR="0" rtl="0" algn="r">
+            <a:pPr marL="0" marR="0" lvl="0" indent="0" algn="r" rtl="0">
               <a:lnSpc>
                 <a:spcPct val="100000"/>
               </a:lnSpc>
@@ -2677,7 +2736,7 @@
               <a:buNone/>
             </a:pPr>
             <a:fld id="{00000000-1234-1234-1234-123412341234}" type="slidenum">
-              <a:rPr b="0" i="0" lang="en-GB" sz="1200" u="none" cap="none" strike="noStrike">
+              <a:rPr lang="en-GB" sz="1200" b="0" i="0" u="none" strike="noStrike" cap="none">
                 <a:solidFill>
                   <a:schemeClr val="dk1"/>
                 </a:solidFill>
@@ -2686,9 +2745,9 @@
                 <a:cs typeface="Arial"/>
                 <a:sym typeface="Arial"/>
               </a:rPr>
-              <a:t>‹#›</a:t>
+              <a:t>5</a:t>
             </a:fld>
-            <a:endParaRPr b="0" i="0" sz="1200" u="none" cap="none" strike="noStrike">
+            <a:endParaRPr sz="1200" b="0" i="0" u="none" strike="noStrike" cap="none">
               <a:solidFill>
                 <a:schemeClr val="dk1"/>
               </a:solidFill>
@@ -2703,9 +2762,11 @@
       <p:sp>
         <p:nvSpPr>
           <p:cNvPr id="61" name="Google Shape;61;p5:notes"/>
-          <p:cNvSpPr/>
+          <p:cNvSpPr>
+            <a:spLocks noGrp="1" noRot="1" noChangeAspect="1"/>
+          </p:cNvSpPr>
           <p:nvPr>
-            <p:ph idx="2" type="sldImg"/>
+            <p:ph type="sldImg" idx="2"/>
           </p:nvPr>
         </p:nvSpPr>
         <p:spPr>
@@ -2714,9 +2775,13 @@
             <a:ext cx="4572000" cy="3429000"/>
           </a:xfrm>
           <a:custGeom>
-            <a:rect b="b" l="l" r="r" t="t"/>
+            <a:avLst/>
+            <a:gdLst/>
+            <a:ahLst/>
+            <a:cxnLst/>
+            <a:rect l="l" t="t" r="r" b="b"/>
             <a:pathLst>
-              <a:path extrusionOk="0" h="120000" w="120000">
+              <a:path w="120000" h="120000" extrusionOk="0">
                 <a:moveTo>
                   <a:pt x="0" y="0"/>
                 </a:moveTo>
@@ -2742,9 +2807,11 @@
       <p:sp>
         <p:nvSpPr>
           <p:cNvPr id="62" name="Google Shape;62;p5:notes"/>
-          <p:cNvSpPr txBox="1"/>
+          <p:cNvSpPr txBox="1">
+            <a:spLocks noGrp="1"/>
+          </p:cNvSpPr>
           <p:nvPr>
-            <p:ph idx="1" type="body"/>
+            <p:ph type="body" idx="1"/>
           </p:nvPr>
         </p:nvSpPr>
         <p:spPr>
@@ -2761,12 +2828,12 @@
           </a:ln>
         </p:spPr>
         <p:txBody>
-          <a:bodyPr anchorCtr="0" anchor="t" bIns="45700" lIns="91425" spcFirstLastPara="1" rIns="91425" wrap="square" tIns="45700">
+          <a:bodyPr spcFirstLastPara="1" wrap="square" lIns="91425" tIns="45700" rIns="91425" bIns="45700" anchor="t" anchorCtr="0">
             <a:noAutofit/>
           </a:bodyPr>
           <a:lstStyle/>
           <a:p>
-            <a:pPr indent="0" lvl="0" marL="0" marR="0" rtl="0" algn="l">
+            <a:pPr marL="0" marR="0" lvl="0" indent="0" algn="l" rtl="0">
               <a:lnSpc>
                 <a:spcPct val="100000"/>
               </a:lnSpc>
@@ -2784,7 +2851,7 @@
               <a:buChar char="-"/>
             </a:pPr>
             <a:r>
-              <a:rPr b="0" i="0" lang="en-GB" sz="1200" u="none" cap="none" strike="noStrike">
+              <a:rPr lang="en-GB" sz="1200" b="0" i="0" u="none" strike="noStrike" cap="none">
                 <a:solidFill>
                   <a:schemeClr val="dk1"/>
                 </a:solidFill>
@@ -2798,7 +2865,7 @@
             <a:endParaRPr/>
           </a:p>
           <a:p>
-            <a:pPr indent="0" lvl="0" marL="0" marR="0" rtl="0" algn="l">
+            <a:pPr marL="0" marR="0" lvl="0" indent="0" algn="l" rtl="0">
               <a:lnSpc>
                 <a:spcPct val="100000"/>
               </a:lnSpc>
@@ -2815,10 +2882,7 @@
               <a:buFont typeface="Calibri"/>
               <a:buNone/>
             </a:pPr>
-            <a:r>
-              <a:t/>
-            </a:r>
-            <a:endParaRPr b="0" i="0" sz="1200" u="none" cap="none" strike="noStrike">
+            <a:endParaRPr sz="1200" b="0" i="0" u="none" strike="noStrike" cap="none">
               <a:solidFill>
                 <a:schemeClr val="dk1"/>
               </a:solidFill>
@@ -2839,11 +2903,11 @@
 </file>
 
 <file path=ppt/notesSlides/notesSlide6.xml><?xml version="1.0" encoding="utf-8"?>
-<p:notes xmlns:a="http://schemas.openxmlformats.org/drawingml/2006/main" xmlns:r="http://schemas.openxmlformats.org/officeDocument/2006/relationships" xmlns:mc="http://schemas.openxmlformats.org/markup-compatibility/2006" xmlns:mv="urn:schemas-microsoft-com:mac:vml" xmlns:p="http://schemas.openxmlformats.org/presentationml/2006/main" xmlns:c="http://schemas.openxmlformats.org/drawingml/2006/chart" xmlns:dgm="http://schemas.openxmlformats.org/drawingml/2006/diagram" xmlns:o="urn:schemas-microsoft-com:office:office" xmlns:v="urn:schemas-microsoft-com:vml" xmlns:pvml="urn:schemas-microsoft-com:office:powerpoint" xmlns:com="http://schemas.openxmlformats.org/drawingml/2006/compatibility" xmlns:p14="http://schemas.microsoft.com/office/powerpoint/2010/main" xmlns:p15="http://schemas.microsoft.com/office/powerpoint/2012/main" xmlns:ahyp="http://schemas.microsoft.com/office/drawing/2018/hyperlinkcolor" showMasterPhAnim="0" showMasterSp="0">
+<p:notes xmlns:a="http://schemas.openxmlformats.org/drawingml/2006/main" xmlns:r="http://schemas.openxmlformats.org/officeDocument/2006/relationships" xmlns:p="http://schemas.openxmlformats.org/presentationml/2006/main" showMasterSp="0" showMasterPhAnim="0">
   <p:cSld>
     <p:spTree>
       <p:nvGrpSpPr>
-        <p:cNvPr id="96" name="Shape 96"/>
+        <p:cNvPr id="1" name="Shape 96"/>
         <p:cNvGrpSpPr/>
         <p:nvPr/>
       </p:nvGrpSpPr>
@@ -2858,9 +2922,11 @@
       <p:sp>
         <p:nvSpPr>
           <p:cNvPr id="97" name="Google Shape;97;p6:notes"/>
-          <p:cNvSpPr/>
+          <p:cNvSpPr>
+            <a:spLocks noGrp="1" noRot="1" noChangeAspect="1"/>
+          </p:cNvSpPr>
           <p:nvPr>
-            <p:ph idx="2" type="sldImg"/>
+            <p:ph type="sldImg" idx="2"/>
           </p:nvPr>
         </p:nvSpPr>
         <p:spPr>
@@ -2869,9 +2935,13 @@
             <a:ext cx="4572000" cy="3429000"/>
           </a:xfrm>
           <a:custGeom>
-            <a:rect b="b" l="l" r="r" t="t"/>
+            <a:avLst/>
+            <a:gdLst/>
+            <a:ahLst/>
+            <a:cxnLst/>
+            <a:rect l="l" t="t" r="r" b="b"/>
             <a:pathLst>
-              <a:path extrusionOk="0" h="120000" w="120000">
+              <a:path w="120000" h="120000" extrusionOk="0">
                 <a:moveTo>
                   <a:pt x="0" y="0"/>
                 </a:moveTo>
@@ -2889,23 +2959,25 @@
             </a:pathLst>
           </a:custGeom>
           <a:noFill/>
-          <a:ln cap="flat" cmpd="sng" w="12700">
+          <a:ln w="12700" cap="flat" cmpd="sng">
             <a:solidFill>
               <a:srgbClr val="000000"/>
             </a:solidFill>
             <a:prstDash val="solid"/>
             <a:round/>
-            <a:headEnd len="sm" w="sm" type="none"/>
-            <a:tailEnd len="sm" w="sm" type="none"/>
+            <a:headEnd type="none" w="sm" len="sm"/>
+            <a:tailEnd type="none" w="sm" len="sm"/>
           </a:ln>
         </p:spPr>
       </p:sp>
       <p:sp>
         <p:nvSpPr>
           <p:cNvPr id="98" name="Google Shape;98;p6:notes"/>
-          <p:cNvSpPr txBox="1"/>
+          <p:cNvSpPr txBox="1">
+            <a:spLocks noGrp="1"/>
+          </p:cNvSpPr>
           <p:nvPr>
-            <p:ph idx="1" type="body"/>
+            <p:ph type="body" idx="1"/>
           </p:nvPr>
         </p:nvSpPr>
         <p:spPr>
@@ -2922,12 +2994,12 @@
           </a:ln>
         </p:spPr>
         <p:txBody>
-          <a:bodyPr anchorCtr="0" anchor="t" bIns="45700" lIns="91425" spcFirstLastPara="1" rIns="91425" wrap="square" tIns="45700">
+          <a:bodyPr spcFirstLastPara="1" wrap="square" lIns="91425" tIns="45700" rIns="91425" bIns="45700" anchor="t" anchorCtr="0">
             <a:noAutofit/>
           </a:bodyPr>
           <a:lstStyle/>
           <a:p>
-            <a:pPr indent="0" lvl="0" marL="0" marR="0" rtl="0" algn="l">
+            <a:pPr marL="0" marR="0" lvl="0" indent="0" algn="l" rtl="0">
               <a:lnSpc>
                 <a:spcPct val="100000"/>
               </a:lnSpc>
@@ -2940,10 +3012,7 @@
               <a:buSzPts val="1400"/>
               <a:buNone/>
             </a:pPr>
-            <a:r>
-              <a:t/>
-            </a:r>
-            <a:endParaRPr b="0" i="0" sz="1200" u="none" cap="none" strike="noStrike">
+            <a:endParaRPr sz="1200" b="0" i="0" u="none" strike="noStrike" cap="none">
               <a:solidFill>
                 <a:schemeClr val="dk1"/>
               </a:solidFill>
@@ -2958,9 +3027,11 @@
       <p:sp>
         <p:nvSpPr>
           <p:cNvPr id="99" name="Google Shape;99;p6:notes"/>
-          <p:cNvSpPr txBox="1"/>
+          <p:cNvSpPr txBox="1">
+            <a:spLocks noGrp="1"/>
+          </p:cNvSpPr>
           <p:nvPr>
-            <p:ph idx="12" type="sldNum"/>
+            <p:ph type="sldNum" idx="12"/>
           </p:nvPr>
         </p:nvSpPr>
         <p:spPr>
@@ -2977,12 +3048,12 @@
           </a:ln>
         </p:spPr>
         <p:txBody>
-          <a:bodyPr anchorCtr="0" anchor="b" bIns="45700" lIns="91425" spcFirstLastPara="1" rIns="91425" wrap="square" tIns="45700">
+          <a:bodyPr spcFirstLastPara="1" wrap="square" lIns="91425" tIns="45700" rIns="91425" bIns="45700" anchor="b" anchorCtr="0">
             <a:noAutofit/>
           </a:bodyPr>
           <a:lstStyle/>
           <a:p>
-            <a:pPr indent="0" lvl="0" marL="0" marR="0" rtl="0" algn="r">
+            <a:pPr marL="0" marR="0" lvl="0" indent="0" algn="r" rtl="0">
               <a:lnSpc>
                 <a:spcPct val="100000"/>
               </a:lnSpc>
@@ -2996,7 +3067,7 @@
               <a:buNone/>
             </a:pPr>
             <a:fld id="{00000000-1234-1234-1234-123412341234}" type="slidenum">
-              <a:rPr b="0" i="0" lang="en-GB" sz="1200" u="none" cap="none" strike="noStrike">
+              <a:rPr lang="en-GB" sz="1200" b="0" i="0" u="none" strike="noStrike" cap="none">
                 <a:solidFill>
                   <a:schemeClr val="dk1"/>
                 </a:solidFill>
@@ -3005,9 +3076,9 @@
                 <a:cs typeface="Calibri"/>
                 <a:sym typeface="Calibri"/>
               </a:rPr>
-              <a:t>‹#›</a:t>
+              <a:t>6</a:t>
             </a:fld>
-            <a:endParaRPr b="0" i="0" sz="1200" u="none" cap="none" strike="noStrike">
+            <a:endParaRPr sz="1200" b="0" i="0" u="none" strike="noStrike" cap="none">
               <a:solidFill>
                 <a:schemeClr val="dk1"/>
               </a:solidFill>
@@ -3028,11 +3099,11 @@
 </file>
 
 <file path=ppt/notesSlides/notesSlide7.xml><?xml version="1.0" encoding="utf-8"?>
-<p:notes xmlns:a="http://schemas.openxmlformats.org/drawingml/2006/main" xmlns:r="http://schemas.openxmlformats.org/officeDocument/2006/relationships" xmlns:mc="http://schemas.openxmlformats.org/markup-compatibility/2006" xmlns:mv="urn:schemas-microsoft-com:mac:vml" xmlns:p="http://schemas.openxmlformats.org/presentationml/2006/main" xmlns:c="http://schemas.openxmlformats.org/drawingml/2006/chart" xmlns:dgm="http://schemas.openxmlformats.org/drawingml/2006/diagram" xmlns:o="urn:schemas-microsoft-com:office:office" xmlns:v="urn:schemas-microsoft-com:vml" xmlns:pvml="urn:schemas-microsoft-com:office:powerpoint" xmlns:com="http://schemas.openxmlformats.org/drawingml/2006/compatibility" xmlns:p14="http://schemas.microsoft.com/office/powerpoint/2010/main" xmlns:p15="http://schemas.microsoft.com/office/powerpoint/2012/main" xmlns:ahyp="http://schemas.microsoft.com/office/drawing/2018/hyperlinkcolor" showMasterPhAnim="0" showMasterSp="0">
+<p:notes xmlns:a="http://schemas.openxmlformats.org/drawingml/2006/main" xmlns:r="http://schemas.openxmlformats.org/officeDocument/2006/relationships" xmlns:p="http://schemas.openxmlformats.org/presentationml/2006/main" showMasterSp="0" showMasterPhAnim="0">
   <p:cSld>
     <p:spTree>
       <p:nvGrpSpPr>
-        <p:cNvPr id="103" name="Shape 103"/>
+        <p:cNvPr id="1" name="Shape 103"/>
         <p:cNvGrpSpPr/>
         <p:nvPr/>
       </p:nvGrpSpPr>
@@ -3047,9 +3118,11 @@
       <p:sp>
         <p:nvSpPr>
           <p:cNvPr id="104" name="Google Shape;104;p7:notes"/>
-          <p:cNvSpPr/>
+          <p:cNvSpPr>
+            <a:spLocks noGrp="1" noRot="1" noChangeAspect="1"/>
+          </p:cNvSpPr>
           <p:nvPr>
-            <p:ph idx="2" type="sldImg"/>
+            <p:ph type="sldImg" idx="2"/>
           </p:nvPr>
         </p:nvSpPr>
         <p:spPr>
@@ -3058,9 +3131,13 @@
             <a:ext cx="4572000" cy="3429000"/>
           </a:xfrm>
           <a:custGeom>
-            <a:rect b="b" l="l" r="r" t="t"/>
+            <a:avLst/>
+            <a:gdLst/>
+            <a:ahLst/>
+            <a:cxnLst/>
+            <a:rect l="l" t="t" r="r" b="b"/>
             <a:pathLst>
-              <a:path extrusionOk="0" h="120000" w="120000">
+              <a:path w="120000" h="120000" extrusionOk="0">
                 <a:moveTo>
                   <a:pt x="0" y="0"/>
                 </a:moveTo>
@@ -3078,23 +3155,25 @@
             </a:pathLst>
           </a:custGeom>
           <a:noFill/>
-          <a:ln cap="flat" cmpd="sng" w="12700">
+          <a:ln w="12700" cap="flat" cmpd="sng">
             <a:solidFill>
               <a:srgbClr val="000000"/>
             </a:solidFill>
             <a:prstDash val="solid"/>
             <a:round/>
-            <a:headEnd len="sm" w="sm" type="none"/>
-            <a:tailEnd len="sm" w="sm" type="none"/>
+            <a:headEnd type="none" w="sm" len="sm"/>
+            <a:tailEnd type="none" w="sm" len="sm"/>
           </a:ln>
         </p:spPr>
       </p:sp>
       <p:sp>
         <p:nvSpPr>
           <p:cNvPr id="105" name="Google Shape;105;p7:notes"/>
-          <p:cNvSpPr txBox="1"/>
+          <p:cNvSpPr txBox="1">
+            <a:spLocks noGrp="1"/>
+          </p:cNvSpPr>
           <p:nvPr>
-            <p:ph idx="1" type="body"/>
+            <p:ph type="body" idx="1"/>
           </p:nvPr>
         </p:nvSpPr>
         <p:spPr>
@@ -3111,12 +3190,12 @@
           </a:ln>
         </p:spPr>
         <p:txBody>
-          <a:bodyPr anchorCtr="0" anchor="t" bIns="45700" lIns="91425" spcFirstLastPara="1" rIns="91425" wrap="square" tIns="45700">
+          <a:bodyPr spcFirstLastPara="1" wrap="square" lIns="91425" tIns="45700" rIns="91425" bIns="45700" anchor="t" anchorCtr="0">
             <a:noAutofit/>
           </a:bodyPr>
           <a:lstStyle/>
           <a:p>
-            <a:pPr indent="0" lvl="0" marL="0" marR="0" rtl="0" algn="l">
+            <a:pPr marL="0" marR="0" lvl="0" indent="0" algn="l" rtl="0">
               <a:lnSpc>
                 <a:spcPct val="100000"/>
               </a:lnSpc>
@@ -3129,10 +3208,7 @@
               <a:buSzPts val="1400"/>
               <a:buNone/>
             </a:pPr>
-            <a:r>
-              <a:t/>
-            </a:r>
-            <a:endParaRPr b="0" i="0" sz="1200" u="none" cap="none" strike="noStrike">
+            <a:endParaRPr sz="1200" b="0" i="0" u="none" strike="noStrike" cap="none">
               <a:solidFill>
                 <a:schemeClr val="dk1"/>
               </a:solidFill>
@@ -3147,9 +3223,11 @@
       <p:sp>
         <p:nvSpPr>
           <p:cNvPr id="106" name="Google Shape;106;p7:notes"/>
-          <p:cNvSpPr txBox="1"/>
+          <p:cNvSpPr txBox="1">
+            <a:spLocks noGrp="1"/>
+          </p:cNvSpPr>
           <p:nvPr>
-            <p:ph idx="12" type="sldNum"/>
+            <p:ph type="sldNum" idx="12"/>
           </p:nvPr>
         </p:nvSpPr>
         <p:spPr>
@@ -3166,12 +3244,12 @@
           </a:ln>
         </p:spPr>
         <p:txBody>
-          <a:bodyPr anchorCtr="0" anchor="b" bIns="45700" lIns="91425" spcFirstLastPara="1" rIns="91425" wrap="square" tIns="45700">
+          <a:bodyPr spcFirstLastPara="1" wrap="square" lIns="91425" tIns="45700" rIns="91425" bIns="45700" anchor="b" anchorCtr="0">
             <a:noAutofit/>
           </a:bodyPr>
           <a:lstStyle/>
           <a:p>
-            <a:pPr indent="0" lvl="0" marL="0" marR="0" rtl="0" algn="r">
+            <a:pPr marL="0" marR="0" lvl="0" indent="0" algn="r" rtl="0">
               <a:lnSpc>
                 <a:spcPct val="100000"/>
               </a:lnSpc>
@@ -3185,7 +3263,7 @@
               <a:buNone/>
             </a:pPr>
             <a:fld id="{00000000-1234-1234-1234-123412341234}" type="slidenum">
-              <a:rPr b="0" i="0" lang="en-GB" sz="1200" u="none" cap="none" strike="noStrike">
+              <a:rPr lang="en-GB" sz="1200" b="0" i="0" u="none" strike="noStrike" cap="none">
                 <a:solidFill>
                   <a:schemeClr val="dk1"/>
                 </a:solidFill>
@@ -3194,9 +3272,9 @@
                 <a:cs typeface="Calibri"/>
                 <a:sym typeface="Calibri"/>
               </a:rPr>
-              <a:t>‹#›</a:t>
+              <a:t>7</a:t>
             </a:fld>
-            <a:endParaRPr b="0" i="0" sz="1200" u="none" cap="none" strike="noStrike">
+            <a:endParaRPr sz="1200" b="0" i="0" u="none" strike="noStrike" cap="none">
               <a:solidFill>
                 <a:schemeClr val="dk1"/>
               </a:solidFill>
@@ -3217,11 +3295,11 @@
 </file>
 
 <file path=ppt/notesSlides/notesSlide8.xml><?xml version="1.0" encoding="utf-8"?>
-<p:notes xmlns:a="http://schemas.openxmlformats.org/drawingml/2006/main" xmlns:r="http://schemas.openxmlformats.org/officeDocument/2006/relationships" xmlns:mc="http://schemas.openxmlformats.org/markup-compatibility/2006" xmlns:mv="urn:schemas-microsoft-com:mac:vml" xmlns:p="http://schemas.openxmlformats.org/presentationml/2006/main" xmlns:c="http://schemas.openxmlformats.org/drawingml/2006/chart" xmlns:dgm="http://schemas.openxmlformats.org/drawingml/2006/diagram" xmlns:o="urn:schemas-microsoft-com:office:office" xmlns:v="urn:schemas-microsoft-com:vml" xmlns:pvml="urn:schemas-microsoft-com:office:powerpoint" xmlns:com="http://schemas.openxmlformats.org/drawingml/2006/compatibility" xmlns:p14="http://schemas.microsoft.com/office/powerpoint/2010/main" xmlns:p15="http://schemas.microsoft.com/office/powerpoint/2012/main" xmlns:ahyp="http://schemas.microsoft.com/office/drawing/2018/hyperlinkcolor" showMasterPhAnim="0" showMasterSp="0">
+<p:notes xmlns:a="http://schemas.openxmlformats.org/drawingml/2006/main" xmlns:r="http://schemas.openxmlformats.org/officeDocument/2006/relationships" xmlns:p="http://schemas.openxmlformats.org/presentationml/2006/main" showMasterSp="0" showMasterPhAnim="0">
   <p:cSld>
     <p:spTree>
       <p:nvGrpSpPr>
-        <p:cNvPr id="110" name="Shape 110"/>
+        <p:cNvPr id="1" name="Shape 110"/>
         <p:cNvGrpSpPr/>
         <p:nvPr/>
       </p:nvGrpSpPr>
@@ -3236,9 +3314,11 @@
       <p:sp>
         <p:nvSpPr>
           <p:cNvPr id="111" name="Google Shape;111;p8:notes"/>
-          <p:cNvSpPr/>
+          <p:cNvSpPr>
+            <a:spLocks noGrp="1" noRot="1" noChangeAspect="1"/>
+          </p:cNvSpPr>
           <p:nvPr>
-            <p:ph idx="2" type="sldImg"/>
+            <p:ph type="sldImg" idx="2"/>
           </p:nvPr>
         </p:nvSpPr>
         <p:spPr>
@@ -3247,9 +3327,13 @@
             <a:ext cx="4572000" cy="3429000"/>
           </a:xfrm>
           <a:custGeom>
-            <a:rect b="b" l="l" r="r" t="t"/>
+            <a:avLst/>
+            <a:gdLst/>
+            <a:ahLst/>
+            <a:cxnLst/>
+            <a:rect l="l" t="t" r="r" b="b"/>
             <a:pathLst>
-              <a:path extrusionOk="0" h="120000" w="120000">
+              <a:path w="120000" h="120000" extrusionOk="0">
                 <a:moveTo>
                   <a:pt x="0" y="0"/>
                 </a:moveTo>
@@ -3267,23 +3351,25 @@
             </a:pathLst>
           </a:custGeom>
           <a:noFill/>
-          <a:ln cap="flat" cmpd="sng" w="12700">
+          <a:ln w="12700" cap="flat" cmpd="sng">
             <a:solidFill>
               <a:srgbClr val="000000"/>
             </a:solidFill>
             <a:prstDash val="solid"/>
             <a:round/>
-            <a:headEnd len="sm" w="sm" type="none"/>
-            <a:tailEnd len="sm" w="sm" type="none"/>
+            <a:headEnd type="none" w="sm" len="sm"/>
+            <a:tailEnd type="none" w="sm" len="sm"/>
           </a:ln>
         </p:spPr>
       </p:sp>
       <p:sp>
         <p:nvSpPr>
           <p:cNvPr id="112" name="Google Shape;112;p8:notes"/>
-          <p:cNvSpPr txBox="1"/>
+          <p:cNvSpPr txBox="1">
+            <a:spLocks noGrp="1"/>
+          </p:cNvSpPr>
           <p:nvPr>
-            <p:ph idx="1" type="body"/>
+            <p:ph type="body" idx="1"/>
           </p:nvPr>
         </p:nvSpPr>
         <p:spPr>
@@ -3300,12 +3386,12 @@
           </a:ln>
         </p:spPr>
         <p:txBody>
-          <a:bodyPr anchorCtr="0" anchor="t" bIns="45700" lIns="91425" spcFirstLastPara="1" rIns="91425" wrap="square" tIns="45700">
+          <a:bodyPr spcFirstLastPara="1" wrap="square" lIns="91425" tIns="45700" rIns="91425" bIns="45700" anchor="t" anchorCtr="0">
             <a:noAutofit/>
           </a:bodyPr>
           <a:lstStyle/>
           <a:p>
-            <a:pPr indent="0" lvl="0" marL="0" marR="0" rtl="0" algn="l">
+            <a:pPr marL="0" marR="0" lvl="0" indent="0" algn="l" rtl="0">
               <a:lnSpc>
                 <a:spcPct val="100000"/>
               </a:lnSpc>
@@ -3323,7 +3409,7 @@
               <a:buChar char="-"/>
             </a:pPr>
             <a:r>
-              <a:rPr b="0" i="0" lang="en-GB" sz="1200" u="none" cap="none" strike="noStrike">
+              <a:rPr lang="en-GB" sz="1200" b="0" i="0" u="none" strike="noStrike" cap="none">
                 <a:solidFill>
                   <a:schemeClr val="dk1"/>
                 </a:solidFill>
@@ -3337,7 +3423,7 @@
             <a:endParaRPr/>
           </a:p>
           <a:p>
-            <a:pPr indent="0" lvl="0" marL="0" marR="0" rtl="0" algn="l">
+            <a:pPr marL="0" marR="0" lvl="0" indent="0" algn="l" rtl="0">
               <a:lnSpc>
                 <a:spcPct val="100000"/>
               </a:lnSpc>
@@ -3355,7 +3441,7 @@
               <a:buChar char="-"/>
             </a:pPr>
             <a:r>
-              <a:rPr b="0" i="0" lang="en-GB" sz="1200" u="none" cap="none" strike="noStrike">
+              <a:rPr lang="en-GB" sz="1200" b="0" i="0" u="none" strike="noStrike" cap="none">
                 <a:solidFill>
                   <a:schemeClr val="dk1"/>
                 </a:solidFill>
@@ -3369,7 +3455,7 @@
             <a:endParaRPr/>
           </a:p>
           <a:p>
-            <a:pPr indent="0" lvl="0" marL="0" marR="0" rtl="0" algn="l">
+            <a:pPr marL="0" marR="0" lvl="0" indent="0" algn="l" rtl="0">
               <a:lnSpc>
                 <a:spcPct val="100000"/>
               </a:lnSpc>
@@ -3387,7 +3473,7 @@
               <a:buChar char="-"/>
             </a:pPr>
             <a:r>
-              <a:rPr b="0" i="0" lang="en-GB" sz="1200" u="none" cap="none" strike="noStrike">
+              <a:rPr lang="en-GB" sz="1200" b="0" i="0" u="none" strike="noStrike" cap="none">
                 <a:solidFill>
                   <a:schemeClr val="dk1"/>
                 </a:solidFill>
@@ -3402,7 +3488,7 @@
               <a:rPr lang="en-GB"/>
               <a:t>separate</a:t>
             </a:r>
-            <a:endParaRPr b="0" i="0" sz="1200" u="none" cap="none" strike="noStrike">
+            <a:endParaRPr sz="1200" b="0" i="0" u="none" strike="noStrike" cap="none">
               <a:solidFill>
                 <a:schemeClr val="dk1"/>
               </a:solidFill>
@@ -3413,7 +3499,7 @@
             </a:endParaRPr>
           </a:p>
           <a:p>
-            <a:pPr indent="0" lvl="0" marL="0" marR="0" rtl="0" algn="l">
+            <a:pPr marL="0" marR="0" lvl="0" indent="0" algn="l" rtl="0">
               <a:lnSpc>
                 <a:spcPct val="100000"/>
               </a:lnSpc>
@@ -3431,7 +3517,7 @@
               <a:buChar char="-"/>
             </a:pPr>
             <a:r>
-              <a:rPr b="0" i="0" lang="en-GB" sz="1200" u="none" cap="none" strike="noStrike">
+              <a:rPr lang="en-GB" sz="1200" b="0" i="0" u="none" strike="noStrike" cap="none">
                 <a:solidFill>
                   <a:schemeClr val="dk1"/>
                 </a:solidFill>
@@ -3445,7 +3531,7 @@
             <a:endParaRPr/>
           </a:p>
           <a:p>
-            <a:pPr indent="0" lvl="0" marL="0" marR="0" rtl="0" algn="l">
+            <a:pPr marL="0" marR="0" lvl="0" indent="0" algn="l" rtl="0">
               <a:lnSpc>
                 <a:spcPct val="100000"/>
               </a:lnSpc>
@@ -3463,7 +3549,7 @@
               <a:buChar char="-"/>
             </a:pPr>
             <a:r>
-              <a:rPr b="0" i="0" lang="en-GB" sz="1200" u="none" cap="none" strike="noStrike">
+              <a:rPr lang="en-GB" sz="1200" b="0" i="0" u="none" strike="noStrike" cap="none">
                 <a:solidFill>
                   <a:schemeClr val="dk1"/>
                 </a:solidFill>
@@ -3474,7 +3560,7 @@
               </a:rPr>
               <a:t> The full location or path of a specific files given by listing it’s location from the root directory</a:t>
             </a:r>
-            <a:endParaRPr b="0" i="0" sz="1200" u="none" cap="none" strike="noStrike">
+            <a:endParaRPr sz="1200" b="0" i="0" u="none" strike="noStrike" cap="none">
               <a:solidFill>
                 <a:schemeClr val="dk1"/>
               </a:solidFill>
@@ -3489,9 +3575,11 @@
       <p:sp>
         <p:nvSpPr>
           <p:cNvPr id="113" name="Google Shape;113;p8:notes"/>
-          <p:cNvSpPr txBox="1"/>
+          <p:cNvSpPr txBox="1">
+            <a:spLocks noGrp="1"/>
+          </p:cNvSpPr>
           <p:nvPr>
-            <p:ph idx="12" type="sldNum"/>
+            <p:ph type="sldNum" idx="12"/>
           </p:nvPr>
         </p:nvSpPr>
         <p:spPr>
@@ -3508,12 +3596,12 @@
           </a:ln>
         </p:spPr>
         <p:txBody>
-          <a:bodyPr anchorCtr="0" anchor="b" bIns="45700" lIns="91425" spcFirstLastPara="1" rIns="91425" wrap="square" tIns="45700">
+          <a:bodyPr spcFirstLastPara="1" wrap="square" lIns="91425" tIns="45700" rIns="91425" bIns="45700" anchor="b" anchorCtr="0">
             <a:noAutofit/>
           </a:bodyPr>
           <a:lstStyle/>
           <a:p>
-            <a:pPr indent="0" lvl="0" marL="0" marR="0" rtl="0" algn="r">
+            <a:pPr marL="0" marR="0" lvl="0" indent="0" algn="r" rtl="0">
               <a:lnSpc>
                 <a:spcPct val="100000"/>
               </a:lnSpc>
@@ -3527,7 +3615,7 @@
               <a:buNone/>
             </a:pPr>
             <a:fld id="{00000000-1234-1234-1234-123412341234}" type="slidenum">
-              <a:rPr b="0" i="0" lang="en-GB" sz="1200" u="none" cap="none" strike="noStrike">
+              <a:rPr lang="en-GB" sz="1200" b="0" i="0" u="none" strike="noStrike" cap="none">
                 <a:solidFill>
                   <a:schemeClr val="dk1"/>
                 </a:solidFill>
@@ -3536,9 +3624,9 @@
                 <a:cs typeface="Calibri"/>
                 <a:sym typeface="Calibri"/>
               </a:rPr>
-              <a:t>‹#›</a:t>
+              <a:t>8</a:t>
             </a:fld>
-            <a:endParaRPr b="0" i="0" sz="1200" u="none" cap="none" strike="noStrike">
+            <a:endParaRPr sz="1200" b="0" i="0" u="none" strike="noStrike" cap="none">
               <a:solidFill>
                 <a:schemeClr val="dk1"/>
               </a:solidFill>
@@ -3559,11 +3647,11 @@
 </file>
 
 <file path=ppt/notesSlides/notesSlide9.xml><?xml version="1.0" encoding="utf-8"?>
-<p:notes xmlns:a="http://schemas.openxmlformats.org/drawingml/2006/main" xmlns:r="http://schemas.openxmlformats.org/officeDocument/2006/relationships" xmlns:mc="http://schemas.openxmlformats.org/markup-compatibility/2006" xmlns:mv="urn:schemas-microsoft-com:mac:vml" xmlns:p="http://schemas.openxmlformats.org/presentationml/2006/main" xmlns:c="http://schemas.openxmlformats.org/drawingml/2006/chart" xmlns:dgm="http://schemas.openxmlformats.org/drawingml/2006/diagram" xmlns:o="urn:schemas-microsoft-com:office:office" xmlns:v="urn:schemas-microsoft-com:vml" xmlns:pvml="urn:schemas-microsoft-com:office:powerpoint" xmlns:com="http://schemas.openxmlformats.org/drawingml/2006/compatibility" xmlns:p14="http://schemas.microsoft.com/office/powerpoint/2010/main" xmlns:p15="http://schemas.microsoft.com/office/powerpoint/2012/main" xmlns:ahyp="http://schemas.microsoft.com/office/drawing/2018/hyperlinkcolor" showMasterPhAnim="0" showMasterSp="0">
+<p:notes xmlns:a="http://schemas.openxmlformats.org/drawingml/2006/main" xmlns:r="http://schemas.openxmlformats.org/officeDocument/2006/relationships" xmlns:p="http://schemas.openxmlformats.org/presentationml/2006/main" showMasterSp="0" showMasterPhAnim="0">
   <p:cSld>
     <p:spTree>
       <p:nvGrpSpPr>
-        <p:cNvPr id="121" name="Shape 121"/>
+        <p:cNvPr id="1" name="Shape 121"/>
         <p:cNvGrpSpPr/>
         <p:nvPr/>
       </p:nvGrpSpPr>
@@ -3578,9 +3666,11 @@
       <p:sp>
         <p:nvSpPr>
           <p:cNvPr id="122" name="Google Shape;122;p9:notes"/>
-          <p:cNvSpPr/>
+          <p:cNvSpPr>
+            <a:spLocks noGrp="1" noRot="1" noChangeAspect="1"/>
+          </p:cNvSpPr>
           <p:nvPr>
-            <p:ph idx="2" type="sldImg"/>
+            <p:ph type="sldImg" idx="2"/>
           </p:nvPr>
         </p:nvSpPr>
         <p:spPr>
@@ -3589,9 +3679,13 @@
             <a:ext cx="4572000" cy="3429000"/>
           </a:xfrm>
           <a:custGeom>
-            <a:rect b="b" l="l" r="r" t="t"/>
+            <a:avLst/>
+            <a:gdLst/>
+            <a:ahLst/>
+            <a:cxnLst/>
+            <a:rect l="l" t="t" r="r" b="b"/>
             <a:pathLst>
-              <a:path extrusionOk="0" h="120000" w="120000">
+              <a:path w="120000" h="120000" extrusionOk="0">
                 <a:moveTo>
                   <a:pt x="0" y="0"/>
                 </a:moveTo>
@@ -3609,23 +3703,25 @@
             </a:pathLst>
           </a:custGeom>
           <a:noFill/>
-          <a:ln cap="flat" cmpd="sng" w="12700">
+          <a:ln w="12700" cap="flat" cmpd="sng">
             <a:solidFill>
               <a:srgbClr val="000000"/>
             </a:solidFill>
             <a:prstDash val="solid"/>
             <a:round/>
-            <a:headEnd len="sm" w="sm" type="none"/>
-            <a:tailEnd len="sm" w="sm" type="none"/>
+            <a:headEnd type="none" w="sm" len="sm"/>
+            <a:tailEnd type="none" w="sm" len="sm"/>
           </a:ln>
         </p:spPr>
       </p:sp>
       <p:sp>
         <p:nvSpPr>
           <p:cNvPr id="123" name="Google Shape;123;p9:notes"/>
-          <p:cNvSpPr txBox="1"/>
+          <p:cNvSpPr txBox="1">
+            <a:spLocks noGrp="1"/>
+          </p:cNvSpPr>
           <p:nvPr>
-            <p:ph idx="1" type="body"/>
+            <p:ph type="body" idx="1"/>
           </p:nvPr>
         </p:nvSpPr>
         <p:spPr>
@@ -3642,12 +3738,12 @@
           </a:ln>
         </p:spPr>
         <p:txBody>
-          <a:bodyPr anchorCtr="0" anchor="t" bIns="45700" lIns="91425" spcFirstLastPara="1" rIns="91425" wrap="square" tIns="45700">
+          <a:bodyPr spcFirstLastPara="1" wrap="square" lIns="91425" tIns="45700" rIns="91425" bIns="45700" anchor="t" anchorCtr="0">
             <a:noAutofit/>
           </a:bodyPr>
           <a:lstStyle/>
           <a:p>
-            <a:pPr indent="0" lvl="0" marL="0" marR="0" rtl="0" algn="l">
+            <a:pPr marL="0" marR="0" lvl="0" indent="0" algn="l" rtl="0">
               <a:lnSpc>
                 <a:spcPct val="100000"/>
               </a:lnSpc>
@@ -3665,7 +3761,7 @@
               <a:buChar char="-"/>
             </a:pPr>
             <a:r>
-              <a:rPr b="0" i="0" lang="en-GB" sz="1200" u="none" cap="none" strike="noStrike">
+              <a:rPr lang="en-GB" sz="1200" b="0" i="0" u="none" strike="noStrike" cap="none">
                 <a:solidFill>
                   <a:schemeClr val="dk1"/>
                 </a:solidFill>
@@ -3679,7 +3775,7 @@
             <a:endParaRPr/>
           </a:p>
           <a:p>
-            <a:pPr indent="0" lvl="0" marL="0" marR="0" rtl="0" algn="l">
+            <a:pPr marL="0" marR="0" lvl="0" indent="0" algn="l" rtl="0">
               <a:lnSpc>
                 <a:spcPct val="100000"/>
               </a:lnSpc>
@@ -3697,7 +3793,7 @@
               <a:buChar char="-"/>
             </a:pPr>
             <a:r>
-              <a:rPr b="0" i="0" lang="en-GB" sz="1200" u="none" cap="none" strike="noStrike">
+              <a:rPr lang="en-GB" sz="1200" b="0" i="0" u="none" strike="noStrike" cap="none">
                 <a:solidFill>
                   <a:schemeClr val="dk1"/>
                 </a:solidFill>
@@ -3711,7 +3807,7 @@
             <a:endParaRPr/>
           </a:p>
           <a:p>
-            <a:pPr indent="0" lvl="0" marL="0" marR="0" rtl="0" algn="l">
+            <a:pPr marL="0" marR="0" lvl="0" indent="0" algn="l" rtl="0">
               <a:lnSpc>
                 <a:spcPct val="100000"/>
               </a:lnSpc>
@@ -3725,7 +3821,7 @@
               <a:buNone/>
             </a:pPr>
             <a:r>
-              <a:rPr b="0" i="0" lang="en-GB" sz="1200" u="none" cap="none" strike="noStrike">
+              <a:rPr lang="en-GB" sz="1200" b="0" i="0" u="none" strike="noStrike" cap="none">
                 <a:solidFill>
                   <a:schemeClr val="dk1"/>
                 </a:solidFill>
@@ -3743,9 +3839,11 @@
       <p:sp>
         <p:nvSpPr>
           <p:cNvPr id="124" name="Google Shape;124;p9:notes"/>
-          <p:cNvSpPr txBox="1"/>
+          <p:cNvSpPr txBox="1">
+            <a:spLocks noGrp="1"/>
+          </p:cNvSpPr>
           <p:nvPr>
-            <p:ph idx="12" type="sldNum"/>
+            <p:ph type="sldNum" idx="12"/>
           </p:nvPr>
         </p:nvSpPr>
         <p:spPr>
@@ -3762,12 +3860,12 @@
           </a:ln>
         </p:spPr>
         <p:txBody>
-          <a:bodyPr anchorCtr="0" anchor="b" bIns="45700" lIns="91425" spcFirstLastPara="1" rIns="91425" wrap="square" tIns="45700">
+          <a:bodyPr spcFirstLastPara="1" wrap="square" lIns="91425" tIns="45700" rIns="91425" bIns="45700" anchor="b" anchorCtr="0">
             <a:noAutofit/>
           </a:bodyPr>
           <a:lstStyle/>
           <a:p>
-            <a:pPr indent="0" lvl="0" marL="0" marR="0" rtl="0" algn="r">
+            <a:pPr marL="0" marR="0" lvl="0" indent="0" algn="r" rtl="0">
               <a:lnSpc>
                 <a:spcPct val="100000"/>
               </a:lnSpc>
@@ -3781,7 +3879,7 @@
               <a:buNone/>
             </a:pPr>
             <a:fld id="{00000000-1234-1234-1234-123412341234}" type="slidenum">
-              <a:rPr b="0" i="0" lang="en-GB" sz="1200" u="none" cap="none" strike="noStrike">
+              <a:rPr lang="en-GB" sz="1200" b="0" i="0" u="none" strike="noStrike" cap="none">
                 <a:solidFill>
                   <a:schemeClr val="dk1"/>
                 </a:solidFill>
@@ -3790,9 +3888,9 @@
                 <a:cs typeface="Calibri"/>
                 <a:sym typeface="Calibri"/>
               </a:rPr>
-              <a:t>‹#›</a:t>
+              <a:t>9</a:t>
             </a:fld>
-            <a:endParaRPr b="0" i="0" sz="1200" u="none" cap="none" strike="noStrike">
+            <a:endParaRPr sz="1200" b="0" i="0" u="none" strike="noStrike" cap="none">
               <a:solidFill>
                 <a:schemeClr val="dk1"/>
               </a:solidFill>
@@ -3813,11 +3911,11 @@
 </file>
 
 <file path=ppt/slideLayouts/slideLayout1.xml><?xml version="1.0" encoding="utf-8"?>
-<p:sldLayout xmlns:a="http://schemas.openxmlformats.org/drawingml/2006/main" xmlns:r="http://schemas.openxmlformats.org/officeDocument/2006/relationships" xmlns:mc="http://schemas.openxmlformats.org/markup-compatibility/2006" xmlns:mv="urn:schemas-microsoft-com:mac:vml" xmlns:p="http://schemas.openxmlformats.org/presentationml/2006/main" xmlns:c="http://schemas.openxmlformats.org/drawingml/2006/chart" xmlns:dgm="http://schemas.openxmlformats.org/drawingml/2006/diagram" xmlns:o="urn:schemas-microsoft-com:office:office" xmlns:v="urn:schemas-microsoft-com:vml" xmlns:pvml="urn:schemas-microsoft-com:office:powerpoint" xmlns:com="http://schemas.openxmlformats.org/drawingml/2006/compatibility" xmlns:p14="http://schemas.microsoft.com/office/powerpoint/2010/main" xmlns:p15="http://schemas.microsoft.com/office/powerpoint/2012/main" xmlns:ahyp="http://schemas.microsoft.com/office/drawing/2018/hyperlinkcolor" matchingName="Title Slide" showMasterSp="0" type="title">
+<p:sldLayout xmlns:a="http://schemas.openxmlformats.org/drawingml/2006/main" xmlns:r="http://schemas.openxmlformats.org/officeDocument/2006/relationships" xmlns:p="http://schemas.openxmlformats.org/presentationml/2006/main" showMasterSp="0" matchingName="Title Slide" type="title">
   <p:cSld name="TITLE">
     <p:spTree>
       <p:nvGrpSpPr>
-        <p:cNvPr id="17" name="Shape 17"/>
+        <p:cNvPr id="1" name="Shape 17"/>
         <p:cNvGrpSpPr/>
         <p:nvPr/>
       </p:nvGrpSpPr>
@@ -3851,12 +3949,12 @@
           </a:ln>
         </p:spPr>
         <p:txBody>
-          <a:bodyPr anchorCtr="0" anchor="ctr" bIns="45700" lIns="91425" spcFirstLastPara="1" rIns="91425" wrap="square" tIns="45700">
+          <a:bodyPr spcFirstLastPara="1" wrap="square" lIns="91425" tIns="45700" rIns="91425" bIns="45700" anchor="ctr" anchorCtr="0">
             <a:noAutofit/>
           </a:bodyPr>
           <a:lstStyle/>
           <a:p>
-            <a:pPr indent="0" lvl="0" marL="0" marR="0" rtl="0" algn="l">
+            <a:pPr marL="0" marR="0" lvl="0" indent="0" algn="l" rtl="0">
               <a:lnSpc>
                 <a:spcPct val="100000"/>
               </a:lnSpc>
@@ -3873,10 +3971,7 @@
               <a:buFont typeface="Arial"/>
               <a:buNone/>
             </a:pPr>
-            <a:r>
-              <a:t/>
-            </a:r>
-            <a:endParaRPr b="0" i="0" sz="2400" u="none" cap="none" strike="noStrike">
+            <a:endParaRPr sz="2400" b="0" i="0" u="none" strike="noStrike" cap="none">
               <a:solidFill>
                 <a:srgbClr val="004869"/>
               </a:solidFill>
@@ -3903,14 +3998,14 @@
             <a:avLst/>
           </a:prstGeom>
           <a:noFill/>
-          <a:ln cap="flat" cmpd="sng" w="9525">
+          <a:ln w="9525" cap="flat" cmpd="sng">
             <a:solidFill>
               <a:schemeClr val="dk1"/>
             </a:solidFill>
             <a:prstDash val="solid"/>
             <a:round/>
-            <a:headEnd len="sm" w="sm" type="none"/>
-            <a:tailEnd len="sm" w="sm" type="none"/>
+            <a:headEnd type="none" w="sm" len="sm"/>
+            <a:tailEnd type="none" w="sm" len="sm"/>
           </a:ln>
         </p:spPr>
       </p:cxnSp>
@@ -3929,14 +4024,14 @@
             <a:avLst/>
           </a:prstGeom>
           <a:noFill/>
-          <a:ln cap="flat" cmpd="sng" w="9525">
+          <a:ln w="9525" cap="flat" cmpd="sng">
             <a:solidFill>
               <a:schemeClr val="dk1"/>
             </a:solidFill>
             <a:prstDash val="solid"/>
             <a:round/>
-            <a:headEnd len="sm" w="sm" type="none"/>
-            <a:tailEnd len="sm" w="sm" type="none"/>
+            <a:headEnd type="none" w="sm" len="sm"/>
+            <a:tailEnd type="none" w="sm" len="sm"/>
           </a:ln>
         </p:spPr>
       </p:cxnSp>
@@ -3962,12 +4057,12 @@
           </a:ln>
         </p:spPr>
         <p:txBody>
-          <a:bodyPr anchorCtr="0" anchor="ctr" bIns="45700" lIns="91425" spcFirstLastPara="1" rIns="91425" wrap="square" tIns="45700">
+          <a:bodyPr spcFirstLastPara="1" wrap="square" lIns="91425" tIns="45700" rIns="91425" bIns="45700" anchor="ctr" anchorCtr="0">
             <a:noAutofit/>
           </a:bodyPr>
           <a:lstStyle/>
           <a:p>
-            <a:pPr indent="0" lvl="0" marL="0" marR="0" rtl="0" algn="l">
+            <a:pPr marL="0" marR="0" lvl="0" indent="0" algn="l" rtl="0">
               <a:lnSpc>
                 <a:spcPct val="100000"/>
               </a:lnSpc>
@@ -3984,10 +4079,7 @@
               <a:buFont typeface="Arial"/>
               <a:buNone/>
             </a:pPr>
-            <a:r>
-              <a:t/>
-            </a:r>
-            <a:endParaRPr b="1" i="1" sz="2400" u="none" cap="none" strike="noStrike">
+            <a:endParaRPr sz="2400" b="1" i="1" u="none" strike="noStrike" cap="none">
               <a:solidFill>
                 <a:srgbClr val="FFFFFF"/>
               </a:solidFill>
@@ -4019,12 +4111,12 @@
           </a:ln>
         </p:spPr>
         <p:txBody>
-          <a:bodyPr anchorCtr="0" anchor="ctr" bIns="45700" lIns="0" spcFirstLastPara="1" rIns="91425" wrap="square" tIns="45700">
+          <a:bodyPr spcFirstLastPara="1" wrap="square" lIns="0" tIns="45700" rIns="91425" bIns="45700" anchor="ctr" anchorCtr="0">
             <a:noAutofit/>
           </a:bodyPr>
           <a:lstStyle/>
           <a:p>
-            <a:pPr indent="0" lvl="0" marL="0" marR="0" rtl="0" algn="l">
+            <a:pPr marL="0" marR="0" lvl="0" indent="0" algn="l" rtl="0">
               <a:lnSpc>
                 <a:spcPct val="100000"/>
               </a:lnSpc>
@@ -4042,7 +4134,7 @@
               <a:buNone/>
             </a:pPr>
             <a:r>
-              <a:rPr b="0" i="0" lang="en-GB" sz="1000" u="none" cap="none" strike="noStrike">
+              <a:rPr lang="en-GB" sz="1000" b="0" i="0" u="none" strike="noStrike" cap="none">
                 <a:solidFill>
                   <a:srgbClr val="004869"/>
                 </a:solidFill>
@@ -4053,7 +4145,7 @@
               </a:rPr>
               <a:t>				                                              	</a:t>
             </a:r>
-            <a:endParaRPr b="0" i="0" sz="1400" u="none" cap="none" strike="noStrike">
+            <a:endParaRPr sz="1400" b="0" i="0" u="none" strike="noStrike" cap="none">
               <a:solidFill>
                 <a:srgbClr val="000000"/>
               </a:solidFill>
@@ -4075,7 +4167,7 @@
           <a:blip r:embed="rId2">
             <a:alphaModFix/>
           </a:blip>
-          <a:srcRect b="0" l="0" r="0" t="0"/>
+          <a:srcRect/>
           <a:stretch/>
         </p:blipFill>
         <p:spPr>
@@ -4101,11 +4193,11 @@
 </file>
 
 <file path=ppt/slideLayouts/slideLayout2.xml><?xml version="1.0" encoding="utf-8"?>
-<p:sldLayout xmlns:a="http://schemas.openxmlformats.org/drawingml/2006/main" xmlns:r="http://schemas.openxmlformats.org/officeDocument/2006/relationships" xmlns:mc="http://schemas.openxmlformats.org/markup-compatibility/2006" xmlns:mv="urn:schemas-microsoft-com:mac:vml" xmlns:p="http://schemas.openxmlformats.org/presentationml/2006/main" xmlns:c="http://schemas.openxmlformats.org/drawingml/2006/chart" xmlns:dgm="http://schemas.openxmlformats.org/drawingml/2006/diagram" xmlns:o="urn:schemas-microsoft-com:office:office" xmlns:v="urn:schemas-microsoft-com:vml" xmlns:pvml="urn:schemas-microsoft-com:office:powerpoint" xmlns:com="http://schemas.openxmlformats.org/drawingml/2006/compatibility" xmlns:p14="http://schemas.microsoft.com/office/powerpoint/2010/main" xmlns:p15="http://schemas.microsoft.com/office/powerpoint/2012/main" xmlns:ahyp="http://schemas.microsoft.com/office/drawing/2018/hyperlinkcolor" matchingName="Title and Content" type="obj">
+<p:sldLayout xmlns:a="http://schemas.openxmlformats.org/drawingml/2006/main" xmlns:r="http://schemas.openxmlformats.org/officeDocument/2006/relationships" xmlns:p="http://schemas.openxmlformats.org/presentationml/2006/main" matchingName="Title and Content" type="obj">
   <p:cSld name="OBJECT">
     <p:spTree>
       <p:nvGrpSpPr>
-        <p:cNvPr id="24" name="Shape 24"/>
+        <p:cNvPr id="1" name="Shape 24"/>
         <p:cNvGrpSpPr/>
         <p:nvPr/>
       </p:nvGrpSpPr>
@@ -4120,7 +4212,9 @@
       <p:sp>
         <p:nvSpPr>
           <p:cNvPr id="25" name="Google Shape;25;p3"/>
-          <p:cNvSpPr txBox="1"/>
+          <p:cNvSpPr txBox="1">
+            <a:spLocks noGrp="1"/>
+          </p:cNvSpPr>
           <p:nvPr>
             <p:ph type="title"/>
           </p:nvPr>
@@ -4141,11 +4235,11 @@
           </a:ln>
         </p:spPr>
         <p:txBody>
-          <a:bodyPr anchorCtr="0" anchor="ctr" bIns="45700" lIns="91425" spcFirstLastPara="1" rIns="91425" wrap="square" tIns="45700">
+          <a:bodyPr spcFirstLastPara="1" wrap="square" lIns="91425" tIns="45700" rIns="91425" bIns="45700" anchor="ctr" anchorCtr="0">
             <a:noAutofit/>
           </a:bodyPr>
           <a:lstStyle>
-            <a:lvl1pPr lvl="0" marR="0" algn="l">
+            <a:lvl1pPr marR="0" lvl="0" algn="l">
               <a:lnSpc>
                 <a:spcPct val="100000"/>
               </a:lnSpc>
@@ -4157,7 +4251,7 @@
               </a:spcAft>
               <a:buSzPts val="1400"/>
               <a:buNone/>
-              <a:defRPr b="1" i="0" sz="2800" u="none" cap="none" strike="noStrike">
+              <a:defRPr sz="2800" b="1" i="0" u="none" strike="noStrike" cap="none">
                 <a:solidFill>
                   <a:schemeClr val="lt1"/>
                 </a:solidFill>
@@ -4167,7 +4261,7 @@
                 <a:sym typeface="Arial"/>
               </a:defRPr>
             </a:lvl1pPr>
-            <a:lvl2pPr lvl="1" marR="0" algn="l">
+            <a:lvl2pPr marR="0" lvl="1" algn="l">
               <a:lnSpc>
                 <a:spcPct val="100000"/>
               </a:lnSpc>
@@ -4179,7 +4273,7 @@
               </a:spcAft>
               <a:buSzPts val="1400"/>
               <a:buNone/>
-              <a:defRPr b="1" i="0" sz="2800" u="none" cap="none" strike="noStrike">
+              <a:defRPr sz="2800" b="1" i="0" u="none" strike="noStrike" cap="none">
                 <a:solidFill>
                   <a:schemeClr val="lt1"/>
                 </a:solidFill>
@@ -4189,7 +4283,7 @@
                 <a:sym typeface="Arial"/>
               </a:defRPr>
             </a:lvl2pPr>
-            <a:lvl3pPr lvl="2" marR="0" algn="l">
+            <a:lvl3pPr marR="0" lvl="2" algn="l">
               <a:lnSpc>
                 <a:spcPct val="100000"/>
               </a:lnSpc>
@@ -4201,7 +4295,7 @@
               </a:spcAft>
               <a:buSzPts val="1400"/>
               <a:buNone/>
-              <a:defRPr b="1" i="0" sz="2800" u="none" cap="none" strike="noStrike">
+              <a:defRPr sz="2800" b="1" i="0" u="none" strike="noStrike" cap="none">
                 <a:solidFill>
                   <a:schemeClr val="lt1"/>
                 </a:solidFill>
@@ -4211,7 +4305,7 @@
                 <a:sym typeface="Arial"/>
               </a:defRPr>
             </a:lvl3pPr>
-            <a:lvl4pPr lvl="3" marR="0" algn="l">
+            <a:lvl4pPr marR="0" lvl="3" algn="l">
               <a:lnSpc>
                 <a:spcPct val="100000"/>
               </a:lnSpc>
@@ -4223,7 +4317,7 @@
               </a:spcAft>
               <a:buSzPts val="1400"/>
               <a:buNone/>
-              <a:defRPr b="1" i="0" sz="2800" u="none" cap="none" strike="noStrike">
+              <a:defRPr sz="2800" b="1" i="0" u="none" strike="noStrike" cap="none">
                 <a:solidFill>
                   <a:schemeClr val="lt1"/>
                 </a:solidFill>
@@ -4233,7 +4327,7 @@
                 <a:sym typeface="Arial"/>
               </a:defRPr>
             </a:lvl4pPr>
-            <a:lvl5pPr lvl="4" marR="0" algn="l">
+            <a:lvl5pPr marR="0" lvl="4" algn="l">
               <a:lnSpc>
                 <a:spcPct val="100000"/>
               </a:lnSpc>
@@ -4245,7 +4339,7 @@
               </a:spcAft>
               <a:buSzPts val="1400"/>
               <a:buNone/>
-              <a:defRPr b="1" i="0" sz="2800" u="none" cap="none" strike="noStrike">
+              <a:defRPr sz="2800" b="1" i="0" u="none" strike="noStrike" cap="none">
                 <a:solidFill>
                   <a:schemeClr val="lt1"/>
                 </a:solidFill>
@@ -4255,7 +4349,7 @@
                 <a:sym typeface="Arial"/>
               </a:defRPr>
             </a:lvl5pPr>
-            <a:lvl6pPr lvl="5" marR="0" algn="l">
+            <a:lvl6pPr marR="0" lvl="5" algn="l">
               <a:lnSpc>
                 <a:spcPct val="100000"/>
               </a:lnSpc>
@@ -4267,7 +4361,7 @@
               </a:spcAft>
               <a:buSzPts val="1400"/>
               <a:buNone/>
-              <a:defRPr b="1" i="0" sz="2800" u="none" cap="none" strike="noStrike">
+              <a:defRPr sz="2800" b="1" i="0" u="none" strike="noStrike" cap="none">
                 <a:solidFill>
                   <a:schemeClr val="lt1"/>
                 </a:solidFill>
@@ -4277,7 +4371,7 @@
                 <a:sym typeface="Arial"/>
               </a:defRPr>
             </a:lvl6pPr>
-            <a:lvl7pPr lvl="6" marR="0" algn="l">
+            <a:lvl7pPr marR="0" lvl="6" algn="l">
               <a:lnSpc>
                 <a:spcPct val="100000"/>
               </a:lnSpc>
@@ -4289,7 +4383,7 @@
               </a:spcAft>
               <a:buSzPts val="1400"/>
               <a:buNone/>
-              <a:defRPr b="1" i="0" sz="2800" u="none" cap="none" strike="noStrike">
+              <a:defRPr sz="2800" b="1" i="0" u="none" strike="noStrike" cap="none">
                 <a:solidFill>
                   <a:schemeClr val="lt1"/>
                 </a:solidFill>
@@ -4299,7 +4393,7 @@
                 <a:sym typeface="Arial"/>
               </a:defRPr>
             </a:lvl7pPr>
-            <a:lvl8pPr lvl="7" marR="0" algn="l">
+            <a:lvl8pPr marR="0" lvl="7" algn="l">
               <a:lnSpc>
                 <a:spcPct val="100000"/>
               </a:lnSpc>
@@ -4311,7 +4405,7 @@
               </a:spcAft>
               <a:buSzPts val="1400"/>
               <a:buNone/>
-              <a:defRPr b="1" i="0" sz="2800" u="none" cap="none" strike="noStrike">
+              <a:defRPr sz="2800" b="1" i="0" u="none" strike="noStrike" cap="none">
                 <a:solidFill>
                   <a:schemeClr val="lt1"/>
                 </a:solidFill>
@@ -4321,7 +4415,7 @@
                 <a:sym typeface="Arial"/>
               </a:defRPr>
             </a:lvl8pPr>
-            <a:lvl9pPr lvl="8" marR="0" algn="l">
+            <a:lvl9pPr marR="0" lvl="8" algn="l">
               <a:lnSpc>
                 <a:spcPct val="100000"/>
               </a:lnSpc>
@@ -4333,7 +4427,7 @@
               </a:spcAft>
               <a:buSzPts val="1400"/>
               <a:buNone/>
-              <a:defRPr b="1" i="0" sz="2800" u="none" cap="none" strike="noStrike">
+              <a:defRPr sz="2800" b="1" i="0" u="none" strike="noStrike" cap="none">
                 <a:solidFill>
                   <a:schemeClr val="lt1"/>
                 </a:solidFill>
@@ -4344,15 +4438,19 @@
               </a:defRPr>
             </a:lvl9pPr>
           </a:lstStyle>
-          <a:p/>
+          <a:p>
+            <a:endParaRPr/>
+          </a:p>
         </p:txBody>
       </p:sp>
       <p:sp>
         <p:nvSpPr>
           <p:cNvPr id="26" name="Google Shape;26;p3"/>
-          <p:cNvSpPr txBox="1"/>
+          <p:cNvSpPr txBox="1">
+            <a:spLocks noGrp="1"/>
+          </p:cNvSpPr>
           <p:nvPr>
-            <p:ph idx="1" type="body"/>
+            <p:ph type="body" idx="1"/>
           </p:nvPr>
         </p:nvSpPr>
         <p:spPr>
@@ -4369,11 +4467,11 @@
           </a:ln>
         </p:spPr>
         <p:txBody>
-          <a:bodyPr anchorCtr="0" anchor="t" bIns="45700" lIns="91425" spcFirstLastPara="1" rIns="91425" wrap="square" tIns="45700">
+          <a:bodyPr spcFirstLastPara="1" wrap="square" lIns="91425" tIns="45700" rIns="91425" bIns="45700" anchor="t" anchorCtr="0">
             <a:noAutofit/>
           </a:bodyPr>
           <a:lstStyle>
-            <a:lvl1pPr indent="-368300" lvl="0" marL="457200" marR="0" algn="l">
+            <a:lvl1pPr marL="457200" marR="0" lvl="0" indent="-368300" algn="l">
               <a:lnSpc>
                 <a:spcPct val="100000"/>
               </a:lnSpc>
@@ -4389,7 +4487,7 @@
               <a:buSzPts val="2200"/>
               <a:buFont typeface="Merriweather Sans"/>
               <a:buChar char="▸"/>
-              <a:defRPr b="0" i="0" sz="2200" u="none" cap="none" strike="noStrike">
+              <a:defRPr sz="2200" b="0" i="0" u="none" strike="noStrike" cap="none">
                 <a:solidFill>
                   <a:schemeClr val="dk1"/>
                 </a:solidFill>
@@ -4399,7 +4497,7 @@
                 <a:sym typeface="Arial"/>
               </a:defRPr>
             </a:lvl1pPr>
-            <a:lvl2pPr indent="-228600" lvl="1" marL="914400" marR="0" algn="l">
+            <a:lvl2pPr marL="914400" marR="0" lvl="1" indent="-228600" algn="l">
               <a:lnSpc>
                 <a:spcPct val="100000"/>
               </a:lnSpc>
@@ -4415,7 +4513,7 @@
               <a:buSzPts val="2000"/>
               <a:buFont typeface="Arimo"/>
               <a:buNone/>
-              <a:defRPr b="0" i="0" sz="2000" u="none" cap="none" strike="noStrike">
+              <a:defRPr sz="2000" b="0" i="0" u="none" strike="noStrike" cap="none">
                 <a:solidFill>
                   <a:schemeClr val="dk1"/>
                 </a:solidFill>
@@ -4425,7 +4523,7 @@
                 <a:sym typeface="Arial"/>
               </a:defRPr>
             </a:lvl2pPr>
-            <a:lvl3pPr indent="-355600" lvl="2" marL="1371600" marR="0" algn="l">
+            <a:lvl3pPr marL="1371600" marR="0" lvl="2" indent="-355600" algn="l">
               <a:lnSpc>
                 <a:spcPct val="100000"/>
               </a:lnSpc>
@@ -4441,7 +4539,7 @@
               <a:buSzPts val="2000"/>
               <a:buFont typeface="Merriweather Sans"/>
               <a:buChar char="▸"/>
-              <a:defRPr b="0" i="0" sz="2000" u="none" cap="none" strike="noStrike">
+              <a:defRPr sz="2000" b="0" i="0" u="none" strike="noStrike" cap="none">
                 <a:solidFill>
                   <a:schemeClr val="dk1"/>
                 </a:solidFill>
@@ -4451,7 +4549,7 @@
                 <a:sym typeface="Arial"/>
               </a:defRPr>
             </a:lvl3pPr>
-            <a:lvl4pPr indent="-342900" lvl="3" marL="1828800" marR="0" algn="l">
+            <a:lvl4pPr marL="1828800" marR="0" lvl="3" indent="-342900" algn="l">
               <a:lnSpc>
                 <a:spcPct val="100000"/>
               </a:lnSpc>
@@ -4467,7 +4565,7 @@
               <a:buSzPts val="1800"/>
               <a:buFont typeface="Merriweather Sans"/>
               <a:buChar char="▸"/>
-              <a:defRPr b="0" i="0" sz="1800" u="none" cap="none" strike="noStrike">
+              <a:defRPr sz="1800" b="0" i="0" u="none" strike="noStrike" cap="none">
                 <a:solidFill>
                   <a:schemeClr val="dk1"/>
                 </a:solidFill>
@@ -4477,7 +4575,7 @@
                 <a:sym typeface="Arial"/>
               </a:defRPr>
             </a:lvl4pPr>
-            <a:lvl5pPr indent="-330200" lvl="4" marL="2286000" marR="0" algn="l">
+            <a:lvl5pPr marL="2286000" marR="0" lvl="4" indent="-330200" algn="l">
               <a:lnSpc>
                 <a:spcPct val="100000"/>
               </a:lnSpc>
@@ -4493,7 +4591,7 @@
               <a:buSzPts val="1600"/>
               <a:buFont typeface="Merriweather Sans"/>
               <a:buChar char="▸"/>
-              <a:defRPr b="0" i="0" sz="1600" u="none" cap="none" strike="noStrike">
+              <a:defRPr sz="1600" b="0" i="0" u="none" strike="noStrike" cap="none">
                 <a:solidFill>
                   <a:schemeClr val="dk1"/>
                 </a:solidFill>
@@ -4503,7 +4601,7 @@
                 <a:sym typeface="Arial"/>
               </a:defRPr>
             </a:lvl5pPr>
-            <a:lvl6pPr indent="-228600" lvl="5" marL="2743200" marR="0" algn="l">
+            <a:lvl6pPr marL="2743200" marR="0" lvl="5" indent="-228600" algn="l">
               <a:lnSpc>
                 <a:spcPct val="100000"/>
               </a:lnSpc>
@@ -4519,7 +4617,7 @@
               <a:buSzPts val="1400"/>
               <a:buFont typeface="Arimo"/>
               <a:buNone/>
-              <a:defRPr b="0" i="0" sz="1400" u="none" cap="none" strike="noStrike">
+              <a:defRPr sz="1400" b="0" i="0" u="none" strike="noStrike" cap="none">
                 <a:solidFill>
                   <a:schemeClr val="dk1"/>
                 </a:solidFill>
@@ -4529,7 +4627,7 @@
                 <a:sym typeface="Arial"/>
               </a:defRPr>
             </a:lvl6pPr>
-            <a:lvl7pPr indent="-317500" lvl="6" marL="3200400" marR="0" algn="l">
+            <a:lvl7pPr marL="3200400" marR="0" lvl="6" indent="-317500" algn="l">
               <a:lnSpc>
                 <a:spcPct val="100000"/>
               </a:lnSpc>
@@ -4545,7 +4643,7 @@
               <a:buSzPts val="1400"/>
               <a:buFont typeface="Arimo"/>
               <a:buChar char="4"/>
-              <a:defRPr b="0" i="0" sz="1400" u="none" cap="none" strike="noStrike">
+              <a:defRPr sz="1400" b="0" i="0" u="none" strike="noStrike" cap="none">
                 <a:solidFill>
                   <a:schemeClr val="dk1"/>
                 </a:solidFill>
@@ -4555,7 +4653,7 @@
                 <a:sym typeface="Arial"/>
               </a:defRPr>
             </a:lvl7pPr>
-            <a:lvl8pPr indent="-317500" lvl="7" marL="3657600" marR="0" algn="l">
+            <a:lvl8pPr marL="3657600" marR="0" lvl="7" indent="-317500" algn="l">
               <a:lnSpc>
                 <a:spcPct val="100000"/>
               </a:lnSpc>
@@ -4571,7 +4669,7 @@
               <a:buSzPts val="1400"/>
               <a:buFont typeface="Arimo"/>
               <a:buChar char="4"/>
-              <a:defRPr b="0" i="0" sz="1400" u="none" cap="none" strike="noStrike">
+              <a:defRPr sz="1400" b="0" i="0" u="none" strike="noStrike" cap="none">
                 <a:solidFill>
                   <a:schemeClr val="dk1"/>
                 </a:solidFill>
@@ -4581,7 +4679,7 @@
                 <a:sym typeface="Arial"/>
               </a:defRPr>
             </a:lvl8pPr>
-            <a:lvl9pPr indent="-317500" lvl="8" marL="4114800" marR="0" algn="l">
+            <a:lvl9pPr marL="4114800" marR="0" lvl="8" indent="-317500" algn="l">
               <a:lnSpc>
                 <a:spcPct val="100000"/>
               </a:lnSpc>
@@ -4597,7 +4695,7 @@
               <a:buSzPts val="1400"/>
               <a:buFont typeface="Arimo"/>
               <a:buChar char="4"/>
-              <a:defRPr b="0" i="0" sz="1400" u="none" cap="none" strike="noStrike">
+              <a:defRPr sz="1400" b="0" i="0" u="none" strike="noStrike" cap="none">
                 <a:solidFill>
                   <a:schemeClr val="dk1"/>
                 </a:solidFill>
@@ -4608,7 +4706,9 @@
               </a:defRPr>
             </a:lvl9pPr>
           </a:lstStyle>
-          <a:p/>
+          <a:p>
+            <a:endParaRPr/>
+          </a:p>
         </p:txBody>
       </p:sp>
     </p:spTree>
@@ -4620,18 +4720,19 @@
 </file>
 
 <file path=ppt/slideMasters/slideMaster1.xml><?xml version="1.0" encoding="utf-8"?>
-<p:sldMaster xmlns:a="http://schemas.openxmlformats.org/drawingml/2006/main" xmlns:r="http://schemas.openxmlformats.org/officeDocument/2006/relationships" xmlns:mc="http://schemas.openxmlformats.org/markup-compatibility/2006" xmlns:mv="urn:schemas-microsoft-com:mac:vml" xmlns:p="http://schemas.openxmlformats.org/presentationml/2006/main" xmlns:c="http://schemas.openxmlformats.org/drawingml/2006/chart" xmlns:dgm="http://schemas.openxmlformats.org/drawingml/2006/diagram" xmlns:o="urn:schemas-microsoft-com:office:office" xmlns:v="urn:schemas-microsoft-com:vml" xmlns:pvml="urn:schemas-microsoft-com:office:powerpoint" xmlns:com="http://schemas.openxmlformats.org/drawingml/2006/compatibility" xmlns:p14="http://schemas.microsoft.com/office/powerpoint/2010/main" xmlns:p15="http://schemas.microsoft.com/office/powerpoint/2012/main" xmlns:ahyp="http://schemas.microsoft.com/office/drawing/2018/hyperlinkcolor">
+<p:sldMaster xmlns:a="http://schemas.openxmlformats.org/drawingml/2006/main" xmlns:r="http://schemas.openxmlformats.org/officeDocument/2006/relationships" xmlns:p="http://schemas.openxmlformats.org/presentationml/2006/main">
   <p:cSld>
     <p:bg>
       <p:bgPr>
         <a:solidFill>
           <a:schemeClr val="lt1"/>
         </a:solidFill>
+        <a:effectLst/>
       </p:bgPr>
     </p:bg>
     <p:spTree>
       <p:nvGrpSpPr>
-        <p:cNvPr id="9" name="Shape 9"/>
+        <p:cNvPr id="1" name="Shape 9"/>
         <p:cNvGrpSpPr/>
         <p:nvPr/>
       </p:nvGrpSpPr>
@@ -4646,7 +4747,9 @@
       <p:sp>
         <p:nvSpPr>
           <p:cNvPr id="10" name="Google Shape;10;p1"/>
-          <p:cNvSpPr txBox="1"/>
+          <p:cNvSpPr txBox="1">
+            <a:spLocks noGrp="1"/>
+          </p:cNvSpPr>
           <p:nvPr>
             <p:ph type="title"/>
           </p:nvPr>
@@ -4667,11 +4770,11 @@
           </a:ln>
         </p:spPr>
         <p:txBody>
-          <a:bodyPr anchorCtr="0" anchor="ctr" bIns="45700" lIns="91425" spcFirstLastPara="1" rIns="91425" wrap="square" tIns="45700">
+          <a:bodyPr spcFirstLastPara="1" wrap="square" lIns="91425" tIns="45700" rIns="91425" bIns="45700" anchor="ctr" anchorCtr="0">
             <a:noAutofit/>
           </a:bodyPr>
           <a:lstStyle>
-            <a:lvl1pPr lvl="0" marR="0" rtl="0" algn="l">
+            <a:lvl1pPr marR="0" lvl="0" algn="l" rtl="0">
               <a:lnSpc>
                 <a:spcPct val="100000"/>
               </a:lnSpc>
@@ -4687,7 +4790,7 @@
               <a:buSzPts val="1400"/>
               <a:buFont typeface="Arial"/>
               <a:buNone/>
-              <a:defRPr b="1" i="0" sz="2800" u="none" cap="none" strike="noStrike">
+              <a:defRPr sz="2800" b="1" i="0" u="none" strike="noStrike" cap="none">
                 <a:solidFill>
                   <a:schemeClr val="lt1"/>
                 </a:solidFill>
@@ -4697,7 +4800,7 @@
                 <a:sym typeface="Arial"/>
               </a:defRPr>
             </a:lvl1pPr>
-            <a:lvl2pPr lvl="1" marR="0" rtl="0" algn="l">
+            <a:lvl2pPr marR="0" lvl="1" algn="l" rtl="0">
               <a:lnSpc>
                 <a:spcPct val="100000"/>
               </a:lnSpc>
@@ -4713,7 +4816,7 @@
               <a:buSzPts val="1400"/>
               <a:buFont typeface="Arial"/>
               <a:buNone/>
-              <a:defRPr b="1" i="0" sz="2800" u="none" cap="none" strike="noStrike">
+              <a:defRPr sz="2800" b="1" i="0" u="none" strike="noStrike" cap="none">
                 <a:solidFill>
                   <a:schemeClr val="lt1"/>
                 </a:solidFill>
@@ -4723,7 +4826,7 @@
                 <a:sym typeface="Arial"/>
               </a:defRPr>
             </a:lvl2pPr>
-            <a:lvl3pPr lvl="2" marR="0" rtl="0" algn="l">
+            <a:lvl3pPr marR="0" lvl="2" algn="l" rtl="0">
               <a:lnSpc>
                 <a:spcPct val="100000"/>
               </a:lnSpc>
@@ -4739,7 +4842,7 @@
               <a:buSzPts val="1400"/>
               <a:buFont typeface="Arial"/>
               <a:buNone/>
-              <a:defRPr b="1" i="0" sz="2800" u="none" cap="none" strike="noStrike">
+              <a:defRPr sz="2800" b="1" i="0" u="none" strike="noStrike" cap="none">
                 <a:solidFill>
                   <a:schemeClr val="lt1"/>
                 </a:solidFill>
@@ -4749,7 +4852,7 @@
                 <a:sym typeface="Arial"/>
               </a:defRPr>
             </a:lvl3pPr>
-            <a:lvl4pPr lvl="3" marR="0" rtl="0" algn="l">
+            <a:lvl4pPr marR="0" lvl="3" algn="l" rtl="0">
               <a:lnSpc>
                 <a:spcPct val="100000"/>
               </a:lnSpc>
@@ -4765,7 +4868,7 @@
               <a:buSzPts val="1400"/>
               <a:buFont typeface="Arial"/>
               <a:buNone/>
-              <a:defRPr b="1" i="0" sz="2800" u="none" cap="none" strike="noStrike">
+              <a:defRPr sz="2800" b="1" i="0" u="none" strike="noStrike" cap="none">
                 <a:solidFill>
                   <a:schemeClr val="lt1"/>
                 </a:solidFill>
@@ -4775,7 +4878,7 @@
                 <a:sym typeface="Arial"/>
               </a:defRPr>
             </a:lvl4pPr>
-            <a:lvl5pPr lvl="4" marR="0" rtl="0" algn="l">
+            <a:lvl5pPr marR="0" lvl="4" algn="l" rtl="0">
               <a:lnSpc>
                 <a:spcPct val="100000"/>
               </a:lnSpc>
@@ -4791,7 +4894,7 @@
               <a:buSzPts val="1400"/>
               <a:buFont typeface="Arial"/>
               <a:buNone/>
-              <a:defRPr b="1" i="0" sz="2800" u="none" cap="none" strike="noStrike">
+              <a:defRPr sz="2800" b="1" i="0" u="none" strike="noStrike" cap="none">
                 <a:solidFill>
                   <a:schemeClr val="lt1"/>
                 </a:solidFill>
@@ -4801,7 +4904,7 @@
                 <a:sym typeface="Arial"/>
               </a:defRPr>
             </a:lvl5pPr>
-            <a:lvl6pPr lvl="5" marR="0" rtl="0" algn="l">
+            <a:lvl6pPr marR="0" lvl="5" algn="l" rtl="0">
               <a:lnSpc>
                 <a:spcPct val="100000"/>
               </a:lnSpc>
@@ -4817,7 +4920,7 @@
               <a:buSzPts val="1400"/>
               <a:buFont typeface="Arial"/>
               <a:buNone/>
-              <a:defRPr b="1" i="0" sz="2800" u="none" cap="none" strike="noStrike">
+              <a:defRPr sz="2800" b="1" i="0" u="none" strike="noStrike" cap="none">
                 <a:solidFill>
                   <a:schemeClr val="lt1"/>
                 </a:solidFill>
@@ -4827,7 +4930,7 @@
                 <a:sym typeface="Arial"/>
               </a:defRPr>
             </a:lvl6pPr>
-            <a:lvl7pPr lvl="6" marR="0" rtl="0" algn="l">
+            <a:lvl7pPr marR="0" lvl="6" algn="l" rtl="0">
               <a:lnSpc>
                 <a:spcPct val="100000"/>
               </a:lnSpc>
@@ -4843,7 +4946,7 @@
               <a:buSzPts val="1400"/>
               <a:buFont typeface="Arial"/>
               <a:buNone/>
-              <a:defRPr b="1" i="0" sz="2800" u="none" cap="none" strike="noStrike">
+              <a:defRPr sz="2800" b="1" i="0" u="none" strike="noStrike" cap="none">
                 <a:solidFill>
                   <a:schemeClr val="lt1"/>
                 </a:solidFill>
@@ -4853,7 +4956,7 @@
                 <a:sym typeface="Arial"/>
               </a:defRPr>
             </a:lvl7pPr>
-            <a:lvl8pPr lvl="7" marR="0" rtl="0" algn="l">
+            <a:lvl8pPr marR="0" lvl="7" algn="l" rtl="0">
               <a:lnSpc>
                 <a:spcPct val="100000"/>
               </a:lnSpc>
@@ -4869,7 +4972,7 @@
               <a:buSzPts val="1400"/>
               <a:buFont typeface="Arial"/>
               <a:buNone/>
-              <a:defRPr b="1" i="0" sz="2800" u="none" cap="none" strike="noStrike">
+              <a:defRPr sz="2800" b="1" i="0" u="none" strike="noStrike" cap="none">
                 <a:solidFill>
                   <a:schemeClr val="lt1"/>
                 </a:solidFill>
@@ -4879,7 +4982,7 @@
                 <a:sym typeface="Arial"/>
               </a:defRPr>
             </a:lvl8pPr>
-            <a:lvl9pPr lvl="8" marR="0" rtl="0" algn="l">
+            <a:lvl9pPr marR="0" lvl="8" algn="l" rtl="0">
               <a:lnSpc>
                 <a:spcPct val="100000"/>
               </a:lnSpc>
@@ -4895,7 +4998,7 @@
               <a:buSzPts val="1400"/>
               <a:buFont typeface="Arial"/>
               <a:buNone/>
-              <a:defRPr b="1" i="0" sz="2800" u="none" cap="none" strike="noStrike">
+              <a:defRPr sz="2800" b="1" i="0" u="none" strike="noStrike" cap="none">
                 <a:solidFill>
                   <a:schemeClr val="lt1"/>
                 </a:solidFill>
@@ -4906,15 +5009,19 @@
               </a:defRPr>
             </a:lvl9pPr>
           </a:lstStyle>
-          <a:p/>
+          <a:p>
+            <a:endParaRPr/>
+          </a:p>
         </p:txBody>
       </p:sp>
       <p:sp>
         <p:nvSpPr>
           <p:cNvPr id="11" name="Google Shape;11;p1"/>
-          <p:cNvSpPr txBox="1"/>
+          <p:cNvSpPr txBox="1">
+            <a:spLocks noGrp="1"/>
+          </p:cNvSpPr>
           <p:nvPr>
-            <p:ph idx="1" type="body"/>
+            <p:ph type="body" idx="1"/>
           </p:nvPr>
         </p:nvSpPr>
         <p:spPr>
@@ -4931,11 +5038,11 @@
           </a:ln>
         </p:spPr>
         <p:txBody>
-          <a:bodyPr anchorCtr="0" anchor="t" bIns="45700" lIns="91425" spcFirstLastPara="1" rIns="91425" wrap="square" tIns="45700">
+          <a:bodyPr spcFirstLastPara="1" wrap="square" lIns="91425" tIns="45700" rIns="91425" bIns="45700" anchor="t" anchorCtr="0">
             <a:noAutofit/>
           </a:bodyPr>
           <a:lstStyle>
-            <a:lvl1pPr indent="-368300" lvl="0" marL="457200" marR="0" rtl="0" algn="l">
+            <a:lvl1pPr marL="457200" marR="0" lvl="0" indent="-368300" algn="l" rtl="0">
               <a:lnSpc>
                 <a:spcPct val="200000"/>
               </a:lnSpc>
@@ -4951,7 +5058,7 @@
               <a:buSzPts val="2200"/>
               <a:buFont typeface="Merriweather Sans"/>
               <a:buChar char="▸"/>
-              <a:defRPr b="0" i="0" sz="2200" u="none" cap="none" strike="noStrike">
+              <a:defRPr sz="2200" b="0" i="0" u="none" strike="noStrike" cap="none">
                 <a:solidFill>
                   <a:schemeClr val="dk1"/>
                 </a:solidFill>
@@ -4961,7 +5068,7 @@
                 <a:sym typeface="Arial"/>
               </a:defRPr>
             </a:lvl1pPr>
-            <a:lvl2pPr indent="-355600" lvl="1" marL="914400" marR="0" rtl="0" algn="l">
+            <a:lvl2pPr marL="914400" marR="0" lvl="1" indent="-355600" algn="l" rtl="0">
               <a:lnSpc>
                 <a:spcPct val="100000"/>
               </a:lnSpc>
@@ -4977,7 +5084,7 @@
               <a:buSzPts val="2000"/>
               <a:buFont typeface="Arimo"/>
               <a:buChar char="4"/>
-              <a:defRPr b="0" i="0" sz="2000" u="none" cap="none" strike="noStrike">
+              <a:defRPr sz="2000" b="0" i="0" u="none" strike="noStrike" cap="none">
                 <a:solidFill>
                   <a:schemeClr val="dk1"/>
                 </a:solidFill>
@@ -4987,7 +5094,7 @@
                 <a:sym typeface="Arial"/>
               </a:defRPr>
             </a:lvl2pPr>
-            <a:lvl3pPr indent="-342900" lvl="2" marL="1371600" marR="0" rtl="0" algn="l">
+            <a:lvl3pPr marL="1371600" marR="0" lvl="2" indent="-342900" algn="l" rtl="0">
               <a:lnSpc>
                 <a:spcPct val="200000"/>
               </a:lnSpc>
@@ -5003,7 +5110,7 @@
               <a:buSzPts val="1800"/>
               <a:buFont typeface="Arimo"/>
               <a:buChar char="4"/>
-              <a:defRPr b="0" i="0" sz="1800" u="none" cap="none" strike="noStrike">
+              <a:defRPr sz="1800" b="0" i="0" u="none" strike="noStrike" cap="none">
                 <a:solidFill>
                   <a:schemeClr val="dk1"/>
                 </a:solidFill>
@@ -5013,7 +5120,7 @@
                 <a:sym typeface="Arial"/>
               </a:defRPr>
             </a:lvl3pPr>
-            <a:lvl4pPr indent="-330200" lvl="3" marL="1828800" marR="0" rtl="0" algn="l">
+            <a:lvl4pPr marL="1828800" marR="0" lvl="3" indent="-330200" algn="l" rtl="0">
               <a:lnSpc>
                 <a:spcPct val="100000"/>
               </a:lnSpc>
@@ -5029,7 +5136,7 @@
               <a:buSzPts val="1600"/>
               <a:buFont typeface="Arimo"/>
               <a:buChar char="4"/>
-              <a:defRPr b="0" i="0" sz="1600" u="none" cap="none" strike="noStrike">
+              <a:defRPr sz="1600" b="0" i="0" u="none" strike="noStrike" cap="none">
                 <a:solidFill>
                   <a:schemeClr val="dk1"/>
                 </a:solidFill>
@@ -5039,7 +5146,7 @@
                 <a:sym typeface="Arial"/>
               </a:defRPr>
             </a:lvl4pPr>
-            <a:lvl5pPr indent="-317500" lvl="4" marL="2286000" marR="0" rtl="0" algn="l">
+            <a:lvl5pPr marL="2286000" marR="0" lvl="4" indent="-317500" algn="l" rtl="0">
               <a:lnSpc>
                 <a:spcPct val="100000"/>
               </a:lnSpc>
@@ -5055,7 +5162,7 @@
               <a:buSzPts val="1400"/>
               <a:buFont typeface="Arimo"/>
               <a:buChar char="4"/>
-              <a:defRPr b="0" i="0" sz="1400" u="none" cap="none" strike="noStrike">
+              <a:defRPr sz="1400" b="0" i="0" u="none" strike="noStrike" cap="none">
                 <a:solidFill>
                   <a:schemeClr val="dk1"/>
                 </a:solidFill>
@@ -5065,7 +5172,7 @@
                 <a:sym typeface="Arial"/>
               </a:defRPr>
             </a:lvl5pPr>
-            <a:lvl6pPr indent="-317500" lvl="5" marL="2743200" marR="0" rtl="0" algn="l">
+            <a:lvl6pPr marL="2743200" marR="0" lvl="5" indent="-317500" algn="l" rtl="0">
               <a:lnSpc>
                 <a:spcPct val="100000"/>
               </a:lnSpc>
@@ -5081,7 +5188,7 @@
               <a:buSzPts val="1400"/>
               <a:buFont typeface="Arimo"/>
               <a:buChar char="4"/>
-              <a:defRPr b="0" i="0" sz="1400" u="none" cap="none" strike="noStrike">
+              <a:defRPr sz="1400" b="0" i="0" u="none" strike="noStrike" cap="none">
                 <a:solidFill>
                   <a:schemeClr val="dk1"/>
                 </a:solidFill>
@@ -5091,7 +5198,7 @@
                 <a:sym typeface="Arial"/>
               </a:defRPr>
             </a:lvl6pPr>
-            <a:lvl7pPr indent="-317500" lvl="6" marL="3200400" marR="0" rtl="0" algn="l">
+            <a:lvl7pPr marL="3200400" marR="0" lvl="6" indent="-317500" algn="l" rtl="0">
               <a:lnSpc>
                 <a:spcPct val="100000"/>
               </a:lnSpc>
@@ -5107,7 +5214,7 @@
               <a:buSzPts val="1400"/>
               <a:buFont typeface="Arimo"/>
               <a:buChar char="4"/>
-              <a:defRPr b="0" i="0" sz="1400" u="none" cap="none" strike="noStrike">
+              <a:defRPr sz="1400" b="0" i="0" u="none" strike="noStrike" cap="none">
                 <a:solidFill>
                   <a:schemeClr val="dk1"/>
                 </a:solidFill>
@@ -5117,7 +5224,7 @@
                 <a:sym typeface="Arial"/>
               </a:defRPr>
             </a:lvl7pPr>
-            <a:lvl8pPr indent="-317500" lvl="7" marL="3657600" marR="0" rtl="0" algn="l">
+            <a:lvl8pPr marL="3657600" marR="0" lvl="7" indent="-317500" algn="l" rtl="0">
               <a:lnSpc>
                 <a:spcPct val="100000"/>
               </a:lnSpc>
@@ -5133,7 +5240,7 @@
               <a:buSzPts val="1400"/>
               <a:buFont typeface="Arimo"/>
               <a:buChar char="4"/>
-              <a:defRPr b="0" i="0" sz="1400" u="none" cap="none" strike="noStrike">
+              <a:defRPr sz="1400" b="0" i="0" u="none" strike="noStrike" cap="none">
                 <a:solidFill>
                   <a:schemeClr val="dk1"/>
                 </a:solidFill>
@@ -5143,7 +5250,7 @@
                 <a:sym typeface="Arial"/>
               </a:defRPr>
             </a:lvl8pPr>
-            <a:lvl9pPr indent="-317500" lvl="8" marL="4114800" marR="0" rtl="0" algn="l">
+            <a:lvl9pPr marL="4114800" marR="0" lvl="8" indent="-317500" algn="l" rtl="0">
               <a:lnSpc>
                 <a:spcPct val="100000"/>
               </a:lnSpc>
@@ -5159,7 +5266,7 @@
               <a:buSzPts val="1400"/>
               <a:buFont typeface="Arimo"/>
               <a:buChar char="4"/>
-              <a:defRPr b="0" i="0" sz="1400" u="none" cap="none" strike="noStrike">
+              <a:defRPr sz="1400" b="0" i="0" u="none" strike="noStrike" cap="none">
                 <a:solidFill>
                   <a:schemeClr val="dk1"/>
                 </a:solidFill>
@@ -5170,7 +5277,9 @@
               </a:defRPr>
             </a:lvl9pPr>
           </a:lstStyle>
-          <a:p/>
+          <a:p>
+            <a:endParaRPr/>
+          </a:p>
         </p:txBody>
       </p:sp>
       <p:sp>
@@ -5195,12 +5304,12 @@
           </a:ln>
         </p:spPr>
         <p:txBody>
-          <a:bodyPr anchorCtr="0" anchor="ctr" bIns="45700" lIns="91425" spcFirstLastPara="1" rIns="91425" wrap="square" tIns="45700">
+          <a:bodyPr spcFirstLastPara="1" wrap="square" lIns="91425" tIns="45700" rIns="91425" bIns="45700" anchor="ctr" anchorCtr="0">
             <a:noAutofit/>
           </a:bodyPr>
           <a:lstStyle/>
           <a:p>
-            <a:pPr indent="0" lvl="0" marL="0" marR="0" rtl="0" algn="l">
+            <a:pPr marL="0" marR="0" lvl="0" indent="0" algn="l" rtl="0">
               <a:lnSpc>
                 <a:spcPct val="100000"/>
               </a:lnSpc>
@@ -5217,10 +5326,7 @@
               <a:buFont typeface="Arial"/>
               <a:buNone/>
             </a:pPr>
-            <a:r>
-              <a:t/>
-            </a:r>
-            <a:endParaRPr b="0" i="0" sz="2400" u="none" cap="none" strike="noStrike">
+            <a:endParaRPr sz="2400" b="0" i="0" u="none" strike="noStrike" cap="none">
               <a:solidFill>
                 <a:srgbClr val="004869"/>
               </a:solidFill>
@@ -5247,14 +5353,14 @@
             <a:avLst/>
           </a:prstGeom>
           <a:noFill/>
-          <a:ln cap="flat" cmpd="sng" w="9525">
+          <a:ln w="9525" cap="flat" cmpd="sng">
             <a:solidFill>
               <a:schemeClr val="dk1"/>
             </a:solidFill>
             <a:prstDash val="solid"/>
             <a:round/>
-            <a:headEnd len="sm" w="sm" type="none"/>
-            <a:tailEnd len="sm" w="sm" type="none"/>
+            <a:headEnd type="none" w="sm" len="sm"/>
+            <a:tailEnd type="none" w="sm" len="sm"/>
           </a:ln>
         </p:spPr>
       </p:cxnSp>
@@ -5278,12 +5384,12 @@
           </a:ln>
         </p:spPr>
         <p:txBody>
-          <a:bodyPr anchorCtr="0" anchor="t" bIns="45700" lIns="91425" spcFirstLastPara="1" rIns="91425" wrap="square" tIns="45700">
+          <a:bodyPr spcFirstLastPara="1" wrap="square" lIns="91425" tIns="45700" rIns="91425" bIns="45700" anchor="t" anchorCtr="0">
             <a:noAutofit/>
           </a:bodyPr>
           <a:lstStyle/>
           <a:p>
-            <a:pPr indent="0" lvl="0" marL="0" marR="0" rtl="0" algn="l">
+            <a:pPr marL="0" marR="0" lvl="0" indent="0" algn="l" rtl="0">
               <a:lnSpc>
                 <a:spcPct val="100000"/>
               </a:lnSpc>
@@ -5300,10 +5406,7 @@
               <a:buFont typeface="Arial"/>
               <a:buNone/>
             </a:pPr>
-            <a:r>
-              <a:t/>
-            </a:r>
-            <a:endParaRPr b="0" i="0" sz="2400" u="none" cap="none" strike="noStrike">
+            <a:endParaRPr sz="2400" b="0" i="0" u="none" strike="noStrike" cap="none">
               <a:solidFill>
                 <a:srgbClr val="004869"/>
               </a:solidFill>
@@ -5335,12 +5438,12 @@
           </a:ln>
         </p:spPr>
         <p:txBody>
-          <a:bodyPr anchorCtr="0" anchor="t" bIns="45700" lIns="91425" spcFirstLastPara="1" rIns="91425" wrap="square" tIns="45700">
+          <a:bodyPr spcFirstLastPara="1" wrap="square" lIns="91425" tIns="45700" rIns="91425" bIns="45700" anchor="t" anchorCtr="0">
             <a:noAutofit/>
           </a:bodyPr>
           <a:lstStyle/>
           <a:p>
-            <a:pPr indent="0" lvl="0" marL="0" marR="0" rtl="0" algn="l">
+            <a:pPr marL="0" marR="0" lvl="0" indent="0" algn="l" rtl="0">
               <a:lnSpc>
                 <a:spcPct val="100000"/>
               </a:lnSpc>
@@ -5357,10 +5460,7 @@
               <a:buFont typeface="Arial"/>
               <a:buNone/>
             </a:pPr>
-            <a:r>
-              <a:t/>
-            </a:r>
-            <a:endParaRPr b="0" i="0" sz="2400" u="none" cap="none" strike="noStrike">
+            <a:endParaRPr sz="2400" b="0" i="0" u="none" strike="noStrike" cap="none">
               <a:solidFill>
                 <a:srgbClr val="004869"/>
               </a:solidFill>
@@ -5379,10 +5479,10 @@
           <p:nvPr/>
         </p:nvPicPr>
         <p:blipFill rotWithShape="1">
-          <a:blip r:embed="rId1">
+          <a:blip r:embed="rId4">
             <a:alphaModFix/>
           </a:blip>
-          <a:srcRect b="0" l="0" r="0" t="0"/>
+          <a:srcRect/>
           <a:stretch/>
         </p:blipFill>
         <p:spPr>
@@ -5401,15 +5501,15 @@
       </p:pic>
     </p:spTree>
   </p:cSld>
-  <p:clrMap accent1="accent1" accent2="accent2" accent3="accent3" accent4="accent4" accent5="accent5" accent6="accent6" bg1="lt1" bg2="dk2" tx1="dk1" tx2="lt2" folHlink="folHlink" hlink="hlink"/>
+  <p:clrMap bg1="lt1" tx1="dk1" bg2="dk2" tx2="lt2" accent1="accent1" accent2="accent2" accent3="accent3" accent4="accent4" accent5="accent5" accent6="accent6" hlink="hlink" folHlink="folHlink"/>
   <p:sldLayoutIdLst>
-    <p:sldLayoutId id="2147483648" r:id="rId2"/>
-    <p:sldLayoutId id="2147483649" r:id="rId3"/>
+    <p:sldLayoutId id="2147483648" r:id="rId1"/>
+    <p:sldLayoutId id="2147483649" r:id="rId2"/>
   </p:sldLayoutIdLst>
-  <p:hf dt="0" ftr="0" hdr="0" sldNum="0"/>
+  <p:hf sldNum="0" hdr="0" ftr="0" dt="0"/>
   <p:txStyles>
     <p:titleStyle>
-      <a:defPPr lvl="0" marR="0" rtl="0" algn="l">
+      <a:defPPr marR="0" lvl="0" algn="l" rtl="0">
         <a:lnSpc>
           <a:spcPct val="100000"/>
         </a:lnSpc>
@@ -5420,7 +5520,7 @@
           <a:spcPts val="0"/>
         </a:spcAft>
       </a:defPPr>
-      <a:lvl1pPr lvl="0" marR="0" rtl="0" algn="l">
+      <a:lvl1pPr marR="0" lvl="0" algn="l" rtl="0">
         <a:lnSpc>
           <a:spcPct val="100000"/>
         </a:lnSpc>
@@ -5434,7 +5534,7 @@
           <a:srgbClr val="000000"/>
         </a:buClr>
         <a:buFont typeface="Arial"/>
-        <a:defRPr b="0" i="0" sz="1400" u="none" cap="none" strike="noStrike">
+        <a:defRPr sz="1400" b="0" i="0" u="none" strike="noStrike" cap="none">
           <a:solidFill>
             <a:srgbClr val="000000"/>
           </a:solidFill>
@@ -5444,7 +5544,7 @@
           <a:sym typeface="Arial"/>
         </a:defRPr>
       </a:lvl1pPr>
-      <a:lvl2pPr lvl="1" marR="0" rtl="0" algn="l">
+      <a:lvl2pPr marR="0" lvl="1" algn="l" rtl="0">
         <a:lnSpc>
           <a:spcPct val="100000"/>
         </a:lnSpc>
@@ -5458,7 +5558,7 @@
           <a:srgbClr val="000000"/>
         </a:buClr>
         <a:buFont typeface="Arial"/>
-        <a:defRPr b="0" i="0" sz="1400" u="none" cap="none" strike="noStrike">
+        <a:defRPr sz="1400" b="0" i="0" u="none" strike="noStrike" cap="none">
           <a:solidFill>
             <a:srgbClr val="000000"/>
           </a:solidFill>
@@ -5468,7 +5568,7 @@
           <a:sym typeface="Arial"/>
         </a:defRPr>
       </a:lvl2pPr>
-      <a:lvl3pPr lvl="2" marR="0" rtl="0" algn="l">
+      <a:lvl3pPr marR="0" lvl="2" algn="l" rtl="0">
         <a:lnSpc>
           <a:spcPct val="100000"/>
         </a:lnSpc>
@@ -5482,7 +5582,7 @@
           <a:srgbClr val="000000"/>
         </a:buClr>
         <a:buFont typeface="Arial"/>
-        <a:defRPr b="0" i="0" sz="1400" u="none" cap="none" strike="noStrike">
+        <a:defRPr sz="1400" b="0" i="0" u="none" strike="noStrike" cap="none">
           <a:solidFill>
             <a:srgbClr val="000000"/>
           </a:solidFill>
@@ -5492,7 +5592,7 @@
           <a:sym typeface="Arial"/>
         </a:defRPr>
       </a:lvl3pPr>
-      <a:lvl4pPr lvl="3" marR="0" rtl="0" algn="l">
+      <a:lvl4pPr marR="0" lvl="3" algn="l" rtl="0">
         <a:lnSpc>
           <a:spcPct val="100000"/>
         </a:lnSpc>
@@ -5506,7 +5606,7 @@
           <a:srgbClr val="000000"/>
         </a:buClr>
         <a:buFont typeface="Arial"/>
-        <a:defRPr b="0" i="0" sz="1400" u="none" cap="none" strike="noStrike">
+        <a:defRPr sz="1400" b="0" i="0" u="none" strike="noStrike" cap="none">
           <a:solidFill>
             <a:srgbClr val="000000"/>
           </a:solidFill>
@@ -5516,7 +5616,7 @@
           <a:sym typeface="Arial"/>
         </a:defRPr>
       </a:lvl4pPr>
-      <a:lvl5pPr lvl="4" marR="0" rtl="0" algn="l">
+      <a:lvl5pPr marR="0" lvl="4" algn="l" rtl="0">
         <a:lnSpc>
           <a:spcPct val="100000"/>
         </a:lnSpc>
@@ -5530,7 +5630,7 @@
           <a:srgbClr val="000000"/>
         </a:buClr>
         <a:buFont typeface="Arial"/>
-        <a:defRPr b="0" i="0" sz="1400" u="none" cap="none" strike="noStrike">
+        <a:defRPr sz="1400" b="0" i="0" u="none" strike="noStrike" cap="none">
           <a:solidFill>
             <a:srgbClr val="000000"/>
           </a:solidFill>
@@ -5540,7 +5640,7 @@
           <a:sym typeface="Arial"/>
         </a:defRPr>
       </a:lvl5pPr>
-      <a:lvl6pPr lvl="5" marR="0" rtl="0" algn="l">
+      <a:lvl6pPr marR="0" lvl="5" algn="l" rtl="0">
         <a:lnSpc>
           <a:spcPct val="100000"/>
         </a:lnSpc>
@@ -5554,7 +5654,7 @@
           <a:srgbClr val="000000"/>
         </a:buClr>
         <a:buFont typeface="Arial"/>
-        <a:defRPr b="0" i="0" sz="1400" u="none" cap="none" strike="noStrike">
+        <a:defRPr sz="1400" b="0" i="0" u="none" strike="noStrike" cap="none">
           <a:solidFill>
             <a:srgbClr val="000000"/>
           </a:solidFill>
@@ -5564,7 +5664,7 @@
           <a:sym typeface="Arial"/>
         </a:defRPr>
       </a:lvl6pPr>
-      <a:lvl7pPr lvl="6" marR="0" rtl="0" algn="l">
+      <a:lvl7pPr marR="0" lvl="6" algn="l" rtl="0">
         <a:lnSpc>
           <a:spcPct val="100000"/>
         </a:lnSpc>
@@ -5578,7 +5678,7 @@
           <a:srgbClr val="000000"/>
         </a:buClr>
         <a:buFont typeface="Arial"/>
-        <a:defRPr b="0" i="0" sz="1400" u="none" cap="none" strike="noStrike">
+        <a:defRPr sz="1400" b="0" i="0" u="none" strike="noStrike" cap="none">
           <a:solidFill>
             <a:srgbClr val="000000"/>
           </a:solidFill>
@@ -5588,7 +5688,7 @@
           <a:sym typeface="Arial"/>
         </a:defRPr>
       </a:lvl7pPr>
-      <a:lvl8pPr lvl="7" marR="0" rtl="0" algn="l">
+      <a:lvl8pPr marR="0" lvl="7" algn="l" rtl="0">
         <a:lnSpc>
           <a:spcPct val="100000"/>
         </a:lnSpc>
@@ -5602,7 +5702,7 @@
           <a:srgbClr val="000000"/>
         </a:buClr>
         <a:buFont typeface="Arial"/>
-        <a:defRPr b="0" i="0" sz="1400" u="none" cap="none" strike="noStrike">
+        <a:defRPr sz="1400" b="0" i="0" u="none" strike="noStrike" cap="none">
           <a:solidFill>
             <a:srgbClr val="000000"/>
           </a:solidFill>
@@ -5612,7 +5712,7 @@
           <a:sym typeface="Arial"/>
         </a:defRPr>
       </a:lvl8pPr>
-      <a:lvl9pPr lvl="8" marR="0" rtl="0" algn="l">
+      <a:lvl9pPr marR="0" lvl="8" algn="l" rtl="0">
         <a:lnSpc>
           <a:spcPct val="100000"/>
         </a:lnSpc>
@@ -5626,7 +5726,7 @@
           <a:srgbClr val="000000"/>
         </a:buClr>
         <a:buFont typeface="Arial"/>
-        <a:defRPr b="0" i="0" sz="1400" u="none" cap="none" strike="noStrike">
+        <a:defRPr sz="1400" b="0" i="0" u="none" strike="noStrike" cap="none">
           <a:solidFill>
             <a:srgbClr val="000000"/>
           </a:solidFill>
@@ -5638,7 +5738,7 @@
       </a:lvl9pPr>
     </p:titleStyle>
     <p:bodyStyle>
-      <a:defPPr lvl="0" marR="0" rtl="0" algn="l">
+      <a:defPPr marR="0" lvl="0" algn="l" rtl="0">
         <a:lnSpc>
           <a:spcPct val="100000"/>
         </a:lnSpc>
@@ -5649,7 +5749,7 @@
           <a:spcPts val="0"/>
         </a:spcAft>
       </a:defPPr>
-      <a:lvl1pPr lvl="0" marR="0" rtl="0" algn="l">
+      <a:lvl1pPr marR="0" lvl="0" algn="l" rtl="0">
         <a:lnSpc>
           <a:spcPct val="100000"/>
         </a:lnSpc>
@@ -5663,7 +5763,7 @@
           <a:srgbClr val="000000"/>
         </a:buClr>
         <a:buFont typeface="Arial"/>
-        <a:defRPr b="0" i="0" sz="1400" u="none" cap="none" strike="noStrike">
+        <a:defRPr sz="1400" b="0" i="0" u="none" strike="noStrike" cap="none">
           <a:solidFill>
             <a:srgbClr val="000000"/>
           </a:solidFill>
@@ -5673,7 +5773,7 @@
           <a:sym typeface="Arial"/>
         </a:defRPr>
       </a:lvl1pPr>
-      <a:lvl2pPr lvl="1" marR="0" rtl="0" algn="l">
+      <a:lvl2pPr marR="0" lvl="1" algn="l" rtl="0">
         <a:lnSpc>
           <a:spcPct val="100000"/>
         </a:lnSpc>
@@ -5687,7 +5787,7 @@
           <a:srgbClr val="000000"/>
         </a:buClr>
         <a:buFont typeface="Arial"/>
-        <a:defRPr b="0" i="0" sz="1400" u="none" cap="none" strike="noStrike">
+        <a:defRPr sz="1400" b="0" i="0" u="none" strike="noStrike" cap="none">
           <a:solidFill>
             <a:srgbClr val="000000"/>
           </a:solidFill>
@@ -5697,7 +5797,7 @@
           <a:sym typeface="Arial"/>
         </a:defRPr>
       </a:lvl2pPr>
-      <a:lvl3pPr lvl="2" marR="0" rtl="0" algn="l">
+      <a:lvl3pPr marR="0" lvl="2" algn="l" rtl="0">
         <a:lnSpc>
           <a:spcPct val="100000"/>
         </a:lnSpc>
@@ -5711,7 +5811,7 @@
           <a:srgbClr val="000000"/>
         </a:buClr>
         <a:buFont typeface="Arial"/>
-        <a:defRPr b="0" i="0" sz="1400" u="none" cap="none" strike="noStrike">
+        <a:defRPr sz="1400" b="0" i="0" u="none" strike="noStrike" cap="none">
           <a:solidFill>
             <a:srgbClr val="000000"/>
           </a:solidFill>
@@ -5721,7 +5821,7 @@
           <a:sym typeface="Arial"/>
         </a:defRPr>
       </a:lvl3pPr>
-      <a:lvl4pPr lvl="3" marR="0" rtl="0" algn="l">
+      <a:lvl4pPr marR="0" lvl="3" algn="l" rtl="0">
         <a:lnSpc>
           <a:spcPct val="100000"/>
         </a:lnSpc>
@@ -5735,7 +5835,7 @@
           <a:srgbClr val="000000"/>
         </a:buClr>
         <a:buFont typeface="Arial"/>
-        <a:defRPr b="0" i="0" sz="1400" u="none" cap="none" strike="noStrike">
+        <a:defRPr sz="1400" b="0" i="0" u="none" strike="noStrike" cap="none">
           <a:solidFill>
             <a:srgbClr val="000000"/>
           </a:solidFill>
@@ -5745,7 +5845,7 @@
           <a:sym typeface="Arial"/>
         </a:defRPr>
       </a:lvl4pPr>
-      <a:lvl5pPr lvl="4" marR="0" rtl="0" algn="l">
+      <a:lvl5pPr marR="0" lvl="4" algn="l" rtl="0">
         <a:lnSpc>
           <a:spcPct val="100000"/>
         </a:lnSpc>
@@ -5759,7 +5859,7 @@
           <a:srgbClr val="000000"/>
         </a:buClr>
         <a:buFont typeface="Arial"/>
-        <a:defRPr b="0" i="0" sz="1400" u="none" cap="none" strike="noStrike">
+        <a:defRPr sz="1400" b="0" i="0" u="none" strike="noStrike" cap="none">
           <a:solidFill>
             <a:srgbClr val="000000"/>
           </a:solidFill>
@@ -5769,7 +5869,7 @@
           <a:sym typeface="Arial"/>
         </a:defRPr>
       </a:lvl5pPr>
-      <a:lvl6pPr lvl="5" marR="0" rtl="0" algn="l">
+      <a:lvl6pPr marR="0" lvl="5" algn="l" rtl="0">
         <a:lnSpc>
           <a:spcPct val="100000"/>
         </a:lnSpc>
@@ -5783,7 +5883,7 @@
           <a:srgbClr val="000000"/>
         </a:buClr>
         <a:buFont typeface="Arial"/>
-        <a:defRPr b="0" i="0" sz="1400" u="none" cap="none" strike="noStrike">
+        <a:defRPr sz="1400" b="0" i="0" u="none" strike="noStrike" cap="none">
           <a:solidFill>
             <a:srgbClr val="000000"/>
           </a:solidFill>
@@ -5793,7 +5893,7 @@
           <a:sym typeface="Arial"/>
         </a:defRPr>
       </a:lvl6pPr>
-      <a:lvl7pPr lvl="6" marR="0" rtl="0" algn="l">
+      <a:lvl7pPr marR="0" lvl="6" algn="l" rtl="0">
         <a:lnSpc>
           <a:spcPct val="100000"/>
         </a:lnSpc>
@@ -5807,7 +5907,7 @@
           <a:srgbClr val="000000"/>
         </a:buClr>
         <a:buFont typeface="Arial"/>
-        <a:defRPr b="0" i="0" sz="1400" u="none" cap="none" strike="noStrike">
+        <a:defRPr sz="1400" b="0" i="0" u="none" strike="noStrike" cap="none">
           <a:solidFill>
             <a:srgbClr val="000000"/>
           </a:solidFill>
@@ -5817,7 +5917,7 @@
           <a:sym typeface="Arial"/>
         </a:defRPr>
       </a:lvl7pPr>
-      <a:lvl8pPr lvl="7" marR="0" rtl="0" algn="l">
+      <a:lvl8pPr marR="0" lvl="7" algn="l" rtl="0">
         <a:lnSpc>
           <a:spcPct val="100000"/>
         </a:lnSpc>
@@ -5831,7 +5931,7 @@
           <a:srgbClr val="000000"/>
         </a:buClr>
         <a:buFont typeface="Arial"/>
-        <a:defRPr b="0" i="0" sz="1400" u="none" cap="none" strike="noStrike">
+        <a:defRPr sz="1400" b="0" i="0" u="none" strike="noStrike" cap="none">
           <a:solidFill>
             <a:srgbClr val="000000"/>
           </a:solidFill>
@@ -5841,7 +5941,7 @@
           <a:sym typeface="Arial"/>
         </a:defRPr>
       </a:lvl8pPr>
-      <a:lvl9pPr lvl="8" marR="0" rtl="0" algn="l">
+      <a:lvl9pPr marR="0" lvl="8" algn="l" rtl="0">
         <a:lnSpc>
           <a:spcPct val="100000"/>
         </a:lnSpc>
@@ -5855,7 +5955,7 @@
           <a:srgbClr val="000000"/>
         </a:buClr>
         <a:buFont typeface="Arial"/>
-        <a:defRPr b="0" i="0" sz="1400" u="none" cap="none" strike="noStrike">
+        <a:defRPr sz="1400" b="0" i="0" u="none" strike="noStrike" cap="none">
           <a:solidFill>
             <a:srgbClr val="000000"/>
           </a:solidFill>
@@ -5867,7 +5967,7 @@
       </a:lvl9pPr>
     </p:bodyStyle>
     <p:otherStyle>
-      <a:defPPr lvl="0" marR="0" rtl="0" algn="l">
+      <a:defPPr marR="0" lvl="0" algn="l" rtl="0">
         <a:lnSpc>
           <a:spcPct val="100000"/>
         </a:lnSpc>
@@ -5878,7 +5978,7 @@
           <a:spcPts val="0"/>
         </a:spcAft>
       </a:defPPr>
-      <a:lvl1pPr lvl="0" marR="0" rtl="0" algn="l">
+      <a:lvl1pPr marR="0" lvl="0" algn="l" rtl="0">
         <a:lnSpc>
           <a:spcPct val="100000"/>
         </a:lnSpc>
@@ -5892,7 +5992,7 @@
           <a:srgbClr val="000000"/>
         </a:buClr>
         <a:buFont typeface="Arial"/>
-        <a:defRPr b="0" i="0" sz="1400" u="none" cap="none" strike="noStrike">
+        <a:defRPr sz="1400" b="0" i="0" u="none" strike="noStrike" cap="none">
           <a:solidFill>
             <a:srgbClr val="000000"/>
           </a:solidFill>
@@ -5902,7 +6002,7 @@
           <a:sym typeface="Arial"/>
         </a:defRPr>
       </a:lvl1pPr>
-      <a:lvl2pPr lvl="1" marR="0" rtl="0" algn="l">
+      <a:lvl2pPr marR="0" lvl="1" algn="l" rtl="0">
         <a:lnSpc>
           <a:spcPct val="100000"/>
         </a:lnSpc>
@@ -5916,7 +6016,7 @@
           <a:srgbClr val="000000"/>
         </a:buClr>
         <a:buFont typeface="Arial"/>
-        <a:defRPr b="0" i="0" sz="1400" u="none" cap="none" strike="noStrike">
+        <a:defRPr sz="1400" b="0" i="0" u="none" strike="noStrike" cap="none">
           <a:solidFill>
             <a:srgbClr val="000000"/>
           </a:solidFill>
@@ -5926,7 +6026,7 @@
           <a:sym typeface="Arial"/>
         </a:defRPr>
       </a:lvl2pPr>
-      <a:lvl3pPr lvl="2" marR="0" rtl="0" algn="l">
+      <a:lvl3pPr marR="0" lvl="2" algn="l" rtl="0">
         <a:lnSpc>
           <a:spcPct val="100000"/>
         </a:lnSpc>
@@ -5940,7 +6040,7 @@
           <a:srgbClr val="000000"/>
         </a:buClr>
         <a:buFont typeface="Arial"/>
-        <a:defRPr b="0" i="0" sz="1400" u="none" cap="none" strike="noStrike">
+        <a:defRPr sz="1400" b="0" i="0" u="none" strike="noStrike" cap="none">
           <a:solidFill>
             <a:srgbClr val="000000"/>
           </a:solidFill>
@@ -5950,7 +6050,7 @@
           <a:sym typeface="Arial"/>
         </a:defRPr>
       </a:lvl3pPr>
-      <a:lvl4pPr lvl="3" marR="0" rtl="0" algn="l">
+      <a:lvl4pPr marR="0" lvl="3" algn="l" rtl="0">
         <a:lnSpc>
           <a:spcPct val="100000"/>
         </a:lnSpc>
@@ -5964,7 +6064,7 @@
           <a:srgbClr val="000000"/>
         </a:buClr>
         <a:buFont typeface="Arial"/>
-        <a:defRPr b="0" i="0" sz="1400" u="none" cap="none" strike="noStrike">
+        <a:defRPr sz="1400" b="0" i="0" u="none" strike="noStrike" cap="none">
           <a:solidFill>
             <a:srgbClr val="000000"/>
           </a:solidFill>
@@ -5974,7 +6074,7 @@
           <a:sym typeface="Arial"/>
         </a:defRPr>
       </a:lvl4pPr>
-      <a:lvl5pPr lvl="4" marR="0" rtl="0" algn="l">
+      <a:lvl5pPr marR="0" lvl="4" algn="l" rtl="0">
         <a:lnSpc>
           <a:spcPct val="100000"/>
         </a:lnSpc>
@@ -5988,7 +6088,7 @@
           <a:srgbClr val="000000"/>
         </a:buClr>
         <a:buFont typeface="Arial"/>
-        <a:defRPr b="0" i="0" sz="1400" u="none" cap="none" strike="noStrike">
+        <a:defRPr sz="1400" b="0" i="0" u="none" strike="noStrike" cap="none">
           <a:solidFill>
             <a:srgbClr val="000000"/>
           </a:solidFill>
@@ -5998,7 +6098,7 @@
           <a:sym typeface="Arial"/>
         </a:defRPr>
       </a:lvl5pPr>
-      <a:lvl6pPr lvl="5" marR="0" rtl="0" algn="l">
+      <a:lvl6pPr marR="0" lvl="5" algn="l" rtl="0">
         <a:lnSpc>
           <a:spcPct val="100000"/>
         </a:lnSpc>
@@ -6012,7 +6112,7 @@
           <a:srgbClr val="000000"/>
         </a:buClr>
         <a:buFont typeface="Arial"/>
-        <a:defRPr b="0" i="0" sz="1400" u="none" cap="none" strike="noStrike">
+        <a:defRPr sz="1400" b="0" i="0" u="none" strike="noStrike" cap="none">
           <a:solidFill>
             <a:srgbClr val="000000"/>
           </a:solidFill>
@@ -6022,7 +6122,7 @@
           <a:sym typeface="Arial"/>
         </a:defRPr>
       </a:lvl6pPr>
-      <a:lvl7pPr lvl="6" marR="0" rtl="0" algn="l">
+      <a:lvl7pPr marR="0" lvl="6" algn="l" rtl="0">
         <a:lnSpc>
           <a:spcPct val="100000"/>
         </a:lnSpc>
@@ -6036,7 +6136,7 @@
           <a:srgbClr val="000000"/>
         </a:buClr>
         <a:buFont typeface="Arial"/>
-        <a:defRPr b="0" i="0" sz="1400" u="none" cap="none" strike="noStrike">
+        <a:defRPr sz="1400" b="0" i="0" u="none" strike="noStrike" cap="none">
           <a:solidFill>
             <a:srgbClr val="000000"/>
           </a:solidFill>
@@ -6046,7 +6146,7 @@
           <a:sym typeface="Arial"/>
         </a:defRPr>
       </a:lvl7pPr>
-      <a:lvl8pPr lvl="7" marR="0" rtl="0" algn="l">
+      <a:lvl8pPr marR="0" lvl="7" algn="l" rtl="0">
         <a:lnSpc>
           <a:spcPct val="100000"/>
         </a:lnSpc>
@@ -6060,7 +6160,7 @@
           <a:srgbClr val="000000"/>
         </a:buClr>
         <a:buFont typeface="Arial"/>
-        <a:defRPr b="0" i="0" sz="1400" u="none" cap="none" strike="noStrike">
+        <a:defRPr sz="1400" b="0" i="0" u="none" strike="noStrike" cap="none">
           <a:solidFill>
             <a:srgbClr val="000000"/>
           </a:solidFill>
@@ -6070,7 +6170,7 @@
           <a:sym typeface="Arial"/>
         </a:defRPr>
       </a:lvl8pPr>
-      <a:lvl9pPr lvl="8" marR="0" rtl="0" algn="l">
+      <a:lvl9pPr marR="0" lvl="8" algn="l" rtl="0">
         <a:lnSpc>
           <a:spcPct val="100000"/>
         </a:lnSpc>
@@ -6084,7 +6184,7 @@
           <a:srgbClr val="000000"/>
         </a:buClr>
         <a:buFont typeface="Arial"/>
-        <a:defRPr b="0" i="0" sz="1400" u="none" cap="none" strike="noStrike">
+        <a:defRPr sz="1400" b="0" i="0" u="none" strike="noStrike" cap="none">
           <a:solidFill>
             <a:srgbClr val="000000"/>
           </a:solidFill>
@@ -6100,11 +6200,11 @@
 </file>
 
 <file path=ppt/slides/slide1.xml><?xml version="1.0" encoding="utf-8"?>
-<p:sld xmlns:a="http://schemas.openxmlformats.org/drawingml/2006/main" xmlns:r="http://schemas.openxmlformats.org/officeDocument/2006/relationships" xmlns:mc="http://schemas.openxmlformats.org/markup-compatibility/2006" xmlns:mv="urn:schemas-microsoft-com:mac:vml" xmlns:p="http://schemas.openxmlformats.org/presentationml/2006/main" xmlns:c="http://schemas.openxmlformats.org/drawingml/2006/chart" xmlns:dgm="http://schemas.openxmlformats.org/drawingml/2006/diagram" xmlns:o="urn:schemas-microsoft-com:office:office" xmlns:v="urn:schemas-microsoft-com:vml" xmlns:pvml="urn:schemas-microsoft-com:office:powerpoint" xmlns:com="http://schemas.openxmlformats.org/drawingml/2006/compatibility" xmlns:p14="http://schemas.microsoft.com/office/powerpoint/2010/main" xmlns:p15="http://schemas.microsoft.com/office/powerpoint/2012/main" xmlns:ahyp="http://schemas.microsoft.com/office/drawing/2018/hyperlinkcolor">
+<p:sld xmlns:a="http://schemas.openxmlformats.org/drawingml/2006/main" xmlns:r="http://schemas.openxmlformats.org/officeDocument/2006/relationships" xmlns:p="http://schemas.openxmlformats.org/presentationml/2006/main">
   <p:cSld>
     <p:spTree>
       <p:nvGrpSpPr>
-        <p:cNvPr id="31" name="Shape 31"/>
+        <p:cNvPr id="1" name="Shape 31"/>
         <p:cNvGrpSpPr/>
         <p:nvPr/>
       </p:nvGrpSpPr>
@@ -6119,9 +6219,11 @@
       <p:sp>
         <p:nvSpPr>
           <p:cNvPr id="32" name="Google Shape;32;p4"/>
-          <p:cNvSpPr txBox="1"/>
+          <p:cNvSpPr txBox="1">
+            <a:spLocks noGrp="1"/>
+          </p:cNvSpPr>
           <p:nvPr>
-            <p:ph idx="4294967295" type="ctrTitle"/>
+            <p:ph type="ctrTitle" idx="4294967295"/>
           </p:nvPr>
         </p:nvSpPr>
         <p:spPr>
@@ -6138,12 +6240,12 @@
           </a:ln>
         </p:spPr>
         <p:txBody>
-          <a:bodyPr anchorCtr="0" anchor="ctr" bIns="45700" lIns="91425" spcFirstLastPara="1" rIns="91425" wrap="square" tIns="45700">
+          <a:bodyPr spcFirstLastPara="1" wrap="square" lIns="91425" tIns="45700" rIns="91425" bIns="45700" anchor="ctr" anchorCtr="0">
             <a:noAutofit/>
           </a:bodyPr>
           <a:lstStyle/>
           <a:p>
-            <a:pPr indent="0" lvl="0" marL="0" marR="0" rtl="0" algn="l">
+            <a:pPr marL="0" marR="0" lvl="0" indent="0" algn="l" rtl="0">
               <a:lnSpc>
                 <a:spcPct val="100000"/>
               </a:lnSpc>
@@ -6161,7 +6263,7 @@
               <a:buNone/>
             </a:pPr>
             <a:r>
-              <a:rPr b="1" i="0" lang="en-GB" sz="3200" u="none" cap="none" strike="noStrike">
+              <a:rPr lang="en-GB" sz="3200" b="1" i="0" u="none" strike="noStrike" cap="none">
                 <a:solidFill>
                   <a:schemeClr val="lt1"/>
                 </a:solidFill>
@@ -6172,7 +6274,7 @@
               </a:rPr>
               <a:t>Introduction to Unix</a:t>
             </a:r>
-            <a:endParaRPr b="1" i="1" sz="3200" u="none" cap="none" strike="noStrike">
+            <a:endParaRPr sz="3200" b="1" i="1" u="none" strike="noStrike" cap="none">
               <a:solidFill>
                 <a:schemeClr val="lt1"/>
               </a:solidFill>
@@ -6187,9 +6289,11 @@
       <p:sp>
         <p:nvSpPr>
           <p:cNvPr id="33" name="Google Shape;33;p4"/>
-          <p:cNvSpPr txBox="1"/>
+          <p:cNvSpPr txBox="1">
+            <a:spLocks noGrp="1"/>
+          </p:cNvSpPr>
           <p:nvPr>
-            <p:ph idx="4294967295" type="subTitle"/>
+            <p:ph type="subTitle" idx="4294967295"/>
           </p:nvPr>
         </p:nvSpPr>
         <p:spPr>
@@ -6206,12 +6310,12 @@
           </a:ln>
         </p:spPr>
         <p:txBody>
-          <a:bodyPr anchorCtr="0" anchor="t" bIns="45700" lIns="91425" spcFirstLastPara="1" rIns="91425" wrap="square" tIns="45700">
+          <a:bodyPr spcFirstLastPara="1" wrap="square" lIns="91425" tIns="45700" rIns="91425" bIns="45700" anchor="t" anchorCtr="0">
             <a:noAutofit/>
           </a:bodyPr>
           <a:lstStyle/>
           <a:p>
-            <a:pPr indent="0" lvl="0" marL="0" marR="0" rtl="0" algn="l">
+            <a:pPr marL="0" marR="0" lvl="0" indent="0" algn="l" rtl="0">
               <a:lnSpc>
                 <a:spcPct val="100000"/>
               </a:lnSpc>
@@ -6229,7 +6333,7 @@
               <a:buNone/>
             </a:pPr>
             <a:r>
-              <a:rPr b="0" i="0" lang="en-GB" sz="2400" u="none" cap="none" strike="noStrike">
+              <a:rPr lang="en-US" sz="2400" b="0" i="0" u="none" strike="noStrike" cap="none" dirty="0">
                 <a:solidFill>
                   <a:schemeClr val="dk1"/>
                 </a:solidFill>
@@ -6238,9 +6342,9 @@
                 <a:cs typeface="Arial"/>
                 <a:sym typeface="Arial"/>
               </a:rPr>
-              <a:t>Jacqui Keane</a:t>
+              <a:t>Alejandra Medina Rivera</a:t>
             </a:r>
-            <a:endParaRPr b="0" i="0" sz="2400" u="none" cap="none" strike="noStrike">
+            <a:endParaRPr sz="2400" b="0" i="0" u="none" strike="noStrike" cap="none" dirty="0">
               <a:solidFill>
                 <a:schemeClr val="dk1"/>
               </a:solidFill>
@@ -6251,7 +6355,7 @@
             </a:endParaRPr>
           </a:p>
           <a:p>
-            <a:pPr indent="0" lvl="0" marL="0" marR="0" rtl="0" algn="l">
+            <a:pPr marL="0" marR="0" lvl="0" indent="0" algn="l" rtl="0">
               <a:lnSpc>
                 <a:spcPct val="100000"/>
               </a:lnSpc>
@@ -6268,10 +6372,7 @@
               <a:buFont typeface="Merriweather Sans"/>
               <a:buNone/>
             </a:pPr>
-            <a:r>
-              <a:t/>
-            </a:r>
-            <a:endParaRPr b="0" i="0" sz="2400" u="none" cap="none" strike="noStrike">
+            <a:endParaRPr lang="en-CA" sz="2400" b="0" i="0" u="none" strike="noStrike" cap="none" dirty="0">
               <a:solidFill>
                 <a:schemeClr val="dk1"/>
               </a:solidFill>
@@ -6282,7 +6383,37 @@
             </a:endParaRPr>
           </a:p>
           <a:p>
-            <a:pPr indent="0" lvl="0" marL="0" marR="0" rtl="0" algn="l">
+            <a:pPr marL="0" lvl="0" indent="0">
+              <a:lnSpc>
+                <a:spcPct val="100000"/>
+              </a:lnSpc>
+              <a:buNone/>
+            </a:pPr>
+            <a:r>
+              <a:rPr lang="en-GB" sz="1800" dirty="0"/>
+              <a:t>     @</a:t>
+            </a:r>
+            <a:r>
+              <a:rPr lang="en-GB" sz="1800" dirty="0" err="1"/>
+              <a:t>AleMedinaRivera</a:t>
+            </a:r>
+            <a:endParaRPr lang="en-GB" sz="1800" dirty="0"/>
+          </a:p>
+          <a:p>
+            <a:pPr marL="0" lvl="0" indent="0">
+              <a:lnSpc>
+                <a:spcPct val="100000"/>
+              </a:lnSpc>
+              <a:buNone/>
+            </a:pPr>
+            <a:r>
+              <a:rPr lang="en-GB" sz="1800" dirty="0" err="1"/>
+              <a:t>amedina@liigh.unam.mx</a:t>
+            </a:r>
+            <a:endParaRPr lang="en-GB" sz="1800" dirty="0"/>
+          </a:p>
+          <a:p>
+            <a:pPr marL="0" marR="0" lvl="0" indent="0" algn="l" rtl="0">
               <a:lnSpc>
                 <a:spcPct val="100000"/>
               </a:lnSpc>
@@ -6295,23 +6426,11 @@
               <a:buClr>
                 <a:schemeClr val="dk1"/>
               </a:buClr>
-              <a:buSzPts val="2200"/>
+              <a:buSzPts val="1800"/>
               <a:buFont typeface="Merriweather Sans"/>
               <a:buNone/>
             </a:pPr>
-            <a:r>
-              <a:rPr b="0" i="0" lang="en-GB" sz="1800" u="none" cap="none" strike="noStrike">
-                <a:solidFill>
-                  <a:schemeClr val="dk1"/>
-                </a:solidFill>
-                <a:latin typeface="Arial"/>
-                <a:ea typeface="Arial"/>
-                <a:cs typeface="Arial"/>
-                <a:sym typeface="Arial"/>
-              </a:rPr>
-              <a:t>     @drjkeane</a:t>
-            </a:r>
-            <a:endParaRPr b="0" i="0" sz="1800" u="none" cap="none" strike="noStrike">
+            <a:endParaRPr sz="1800" b="0" i="0" u="none" strike="noStrike" cap="none" dirty="0">
               <a:solidFill>
                 <a:schemeClr val="dk1"/>
               </a:solidFill>
@@ -6322,7 +6441,7 @@
             </a:endParaRPr>
           </a:p>
           <a:p>
-            <a:pPr indent="0" lvl="0" marL="0" marR="0" rtl="0" algn="l">
+            <a:pPr marL="0" marR="0" lvl="0" indent="0" algn="l" rtl="0">
               <a:lnSpc>
                 <a:spcPct val="100000"/>
               </a:lnSpc>
@@ -6335,23 +6454,11 @@
               <a:buClr>
                 <a:schemeClr val="dk1"/>
               </a:buClr>
-              <a:buSzPts val="2200"/>
+              <a:buSzPts val="1800"/>
               <a:buFont typeface="Merriweather Sans"/>
               <a:buNone/>
             </a:pPr>
-            <a:r>
-              <a:rPr b="0" i="0" lang="en-GB" sz="1800" u="none" cap="none" strike="noStrike">
-                <a:solidFill>
-                  <a:schemeClr val="dk1"/>
-                </a:solidFill>
-                <a:latin typeface="Arial"/>
-                <a:ea typeface="Arial"/>
-                <a:cs typeface="Arial"/>
-                <a:sym typeface="Arial"/>
-              </a:rPr>
-              <a:t>drjkeane@gmail.com</a:t>
-            </a:r>
-            <a:endParaRPr b="0" i="0" sz="1800" u="none" cap="none" strike="noStrike">
+            <a:endParaRPr sz="2200" b="0" i="0" u="none" strike="noStrike" cap="none" dirty="0">
               <a:solidFill>
                 <a:schemeClr val="dk1"/>
               </a:solidFill>
@@ -6362,7 +6469,7 @@
             </a:endParaRPr>
           </a:p>
           <a:p>
-            <a:pPr indent="0" lvl="0" marL="0" marR="0" rtl="0" algn="l">
+            <a:pPr marL="0" marR="0" lvl="0" indent="0" algn="l" rtl="0">
               <a:lnSpc>
                 <a:spcPct val="100000"/>
               </a:lnSpc>
@@ -6375,14 +6482,11 @@
               <a:buClr>
                 <a:schemeClr val="dk1"/>
               </a:buClr>
-              <a:buSzPts val="1800"/>
+              <a:buSzPts val="2200"/>
               <a:buFont typeface="Merriweather Sans"/>
               <a:buNone/>
             </a:pPr>
-            <a:r>
-              <a:t/>
-            </a:r>
-            <a:endParaRPr b="0" i="0" sz="1800" u="none" cap="none" strike="noStrike">
+            <a:endParaRPr sz="2200" b="0" i="0" u="none" strike="noStrike" cap="none" dirty="0">
               <a:solidFill>
                 <a:schemeClr val="dk1"/>
               </a:solidFill>
@@ -6393,38 +6497,7 @@
             </a:endParaRPr>
           </a:p>
           <a:p>
-            <a:pPr indent="0" lvl="0" marL="0" marR="0" rtl="0" algn="l">
-              <a:lnSpc>
-                <a:spcPct val="100000"/>
-              </a:lnSpc>
-              <a:spcBef>
-                <a:spcPts val="0"/>
-              </a:spcBef>
-              <a:spcAft>
-                <a:spcPts val="0"/>
-              </a:spcAft>
-              <a:buClr>
-                <a:schemeClr val="dk1"/>
-              </a:buClr>
-              <a:buSzPts val="1800"/>
-              <a:buFont typeface="Merriweather Sans"/>
-              <a:buNone/>
-            </a:pPr>
-            <a:r>
-              <a:t/>
-            </a:r>
-            <a:endParaRPr b="0" i="0" sz="2200" u="none" cap="none" strike="noStrike">
-              <a:solidFill>
-                <a:schemeClr val="dk1"/>
-              </a:solidFill>
-              <a:latin typeface="Arial"/>
-              <a:ea typeface="Arial"/>
-              <a:cs typeface="Arial"/>
-              <a:sym typeface="Arial"/>
-            </a:endParaRPr>
-          </a:p>
-          <a:p>
-            <a:pPr indent="0" lvl="0" marL="0" marR="0" rtl="0" algn="l">
+            <a:pPr marL="0" marR="0" lvl="0" indent="0" algn="l" rtl="0">
               <a:lnSpc>
                 <a:spcPct val="100000"/>
               </a:lnSpc>
@@ -6441,41 +6514,7 @@
               <a:buFont typeface="Merriweather Sans"/>
               <a:buNone/>
             </a:pPr>
-            <a:r>
-              <a:t/>
-            </a:r>
-            <a:endParaRPr b="0" i="0" sz="2200" u="none" cap="none" strike="noStrike">
-              <a:solidFill>
-                <a:schemeClr val="dk1"/>
-              </a:solidFill>
-              <a:latin typeface="Arial"/>
-              <a:ea typeface="Arial"/>
-              <a:cs typeface="Arial"/>
-              <a:sym typeface="Arial"/>
-            </a:endParaRPr>
-          </a:p>
-          <a:p>
-            <a:pPr indent="0" lvl="0" marL="0" marR="0" rtl="0" algn="l">
-              <a:lnSpc>
-                <a:spcPct val="100000"/>
-              </a:lnSpc>
-              <a:spcBef>
-                <a:spcPts val="0"/>
-              </a:spcBef>
-              <a:spcAft>
-                <a:spcPts val="0"/>
-              </a:spcAft>
-              <a:buClr>
-                <a:schemeClr val="dk1"/>
-              </a:buClr>
-              <a:buSzPts val="2200"/>
-              <a:buFont typeface="Merriweather Sans"/>
-              <a:buNone/>
-            </a:pPr>
-            <a:r>
-              <a:t/>
-            </a:r>
-            <a:endParaRPr b="0" i="0" sz="2200" u="none" cap="none" strike="noStrike">
+            <a:endParaRPr sz="2200" b="0" i="0" u="none" strike="noStrike" cap="none" dirty="0">
               <a:solidFill>
                 <a:schemeClr val="dk1"/>
               </a:solidFill>
@@ -6497,13 +6536,423 @@
           <a:blip r:embed="rId3">
             <a:alphaModFix/>
           </a:blip>
-          <a:srcRect b="0" l="0" r="0" t="0"/>
+          <a:srcRect/>
           <a:stretch/>
         </p:blipFill>
         <p:spPr>
           <a:xfrm>
             <a:off x="796750" y="4242425"/>
             <a:ext cx="366750" cy="315225"/>
+          </a:xfrm>
+          <a:prstGeom prst="rect">
+            <a:avLst/>
+          </a:prstGeom>
+          <a:noFill/>
+          <a:ln>
+            <a:noFill/>
+          </a:ln>
+        </p:spPr>
+      </p:pic>
+      <p:sp>
+        <p:nvSpPr>
+          <p:cNvPr id="5" name="Google Shape;33;p4">
+            <a:extLst>
+              <a:ext uri="{FF2B5EF4-FFF2-40B4-BE49-F238E27FC236}">
+                <a16:creationId xmlns:a16="http://schemas.microsoft.com/office/drawing/2014/main" id="{C8A4D2B5-9B71-EA49-92D2-F760867A93CE}"/>
+              </a:ext>
+            </a:extLst>
+          </p:cNvPr>
+          <p:cNvSpPr txBox="1">
+            <a:spLocks/>
+          </p:cNvSpPr>
+          <p:nvPr/>
+        </p:nvSpPr>
+        <p:spPr>
+          <a:xfrm>
+            <a:off x="5923722" y="4242424"/>
+            <a:ext cx="4191000" cy="1496325"/>
+          </a:xfrm>
+          <a:prstGeom prst="rect">
+            <a:avLst/>
+          </a:prstGeom>
+          <a:noFill/>
+          <a:ln>
+            <a:noFill/>
+          </a:ln>
+        </p:spPr>
+        <p:txBody>
+          <a:bodyPr spcFirstLastPara="1" wrap="square" lIns="91425" tIns="45700" rIns="91425" bIns="45700" anchor="t" anchorCtr="0">
+            <a:noAutofit/>
+          </a:bodyPr>
+          <a:lstStyle>
+            <a:defPPr marR="0" lvl="0" algn="l" rtl="0">
+              <a:lnSpc>
+                <a:spcPct val="100000"/>
+              </a:lnSpc>
+              <a:spcBef>
+                <a:spcPts val="0"/>
+              </a:spcBef>
+              <a:spcAft>
+                <a:spcPts val="0"/>
+              </a:spcAft>
+            </a:defPPr>
+            <a:lvl1pPr marL="457200" marR="0" lvl="0" indent="-368300" algn="l" rtl="0">
+              <a:lnSpc>
+                <a:spcPct val="200000"/>
+              </a:lnSpc>
+              <a:spcBef>
+                <a:spcPts val="0"/>
+              </a:spcBef>
+              <a:spcAft>
+                <a:spcPts val="0"/>
+              </a:spcAft>
+              <a:buClr>
+                <a:schemeClr val="dk1"/>
+              </a:buClr>
+              <a:buSzPts val="2200"/>
+              <a:buFont typeface="Merriweather Sans"/>
+              <a:buChar char="▸"/>
+              <a:defRPr sz="2200" b="0" i="0" u="none" strike="noStrike" cap="none">
+                <a:solidFill>
+                  <a:schemeClr val="dk1"/>
+                </a:solidFill>
+                <a:latin typeface="Arial"/>
+                <a:ea typeface="Arial"/>
+                <a:cs typeface="Arial"/>
+                <a:sym typeface="Arial"/>
+              </a:defRPr>
+            </a:lvl1pPr>
+            <a:lvl2pPr marL="914400" marR="0" lvl="1" indent="-355600" algn="l" rtl="0">
+              <a:lnSpc>
+                <a:spcPct val="100000"/>
+              </a:lnSpc>
+              <a:spcBef>
+                <a:spcPts val="400"/>
+              </a:spcBef>
+              <a:spcAft>
+                <a:spcPts val="0"/>
+              </a:spcAft>
+              <a:buClr>
+                <a:schemeClr val="dk1"/>
+              </a:buClr>
+              <a:buSzPts val="2000"/>
+              <a:buFont typeface="Arimo"/>
+              <a:buChar char="4"/>
+              <a:defRPr sz="2000" b="0" i="0" u="none" strike="noStrike" cap="none">
+                <a:solidFill>
+                  <a:schemeClr val="dk1"/>
+                </a:solidFill>
+                <a:latin typeface="Arial"/>
+                <a:ea typeface="Arial"/>
+                <a:cs typeface="Arial"/>
+                <a:sym typeface="Arial"/>
+              </a:defRPr>
+            </a:lvl2pPr>
+            <a:lvl3pPr marL="1371600" marR="0" lvl="2" indent="-342900" algn="l" rtl="0">
+              <a:lnSpc>
+                <a:spcPct val="200000"/>
+              </a:lnSpc>
+              <a:spcBef>
+                <a:spcPts val="0"/>
+              </a:spcBef>
+              <a:spcAft>
+                <a:spcPts val="0"/>
+              </a:spcAft>
+              <a:buClr>
+                <a:schemeClr val="dk1"/>
+              </a:buClr>
+              <a:buSzPts val="1800"/>
+              <a:buFont typeface="Arimo"/>
+              <a:buChar char="4"/>
+              <a:defRPr sz="1800" b="0" i="0" u="none" strike="noStrike" cap="none">
+                <a:solidFill>
+                  <a:schemeClr val="dk1"/>
+                </a:solidFill>
+                <a:latin typeface="Arial"/>
+                <a:ea typeface="Arial"/>
+                <a:cs typeface="Arial"/>
+                <a:sym typeface="Arial"/>
+              </a:defRPr>
+            </a:lvl3pPr>
+            <a:lvl4pPr marL="1828800" marR="0" lvl="3" indent="-330200" algn="l" rtl="0">
+              <a:lnSpc>
+                <a:spcPct val="100000"/>
+              </a:lnSpc>
+              <a:spcBef>
+                <a:spcPts val="650"/>
+              </a:spcBef>
+              <a:spcAft>
+                <a:spcPts val="0"/>
+              </a:spcAft>
+              <a:buClr>
+                <a:schemeClr val="dk1"/>
+              </a:buClr>
+              <a:buSzPts val="1600"/>
+              <a:buFont typeface="Arimo"/>
+              <a:buChar char="4"/>
+              <a:defRPr sz="1600" b="0" i="0" u="none" strike="noStrike" cap="none">
+                <a:solidFill>
+                  <a:schemeClr val="dk1"/>
+                </a:solidFill>
+                <a:latin typeface="Arial"/>
+                <a:ea typeface="Arial"/>
+                <a:cs typeface="Arial"/>
+                <a:sym typeface="Arial"/>
+              </a:defRPr>
+            </a:lvl4pPr>
+            <a:lvl5pPr marL="2286000" marR="0" lvl="4" indent="-317500" algn="l" rtl="0">
+              <a:lnSpc>
+                <a:spcPct val="100000"/>
+              </a:lnSpc>
+              <a:spcBef>
+                <a:spcPts val="650"/>
+              </a:spcBef>
+              <a:spcAft>
+                <a:spcPts val="0"/>
+              </a:spcAft>
+              <a:buClr>
+                <a:schemeClr val="dk1"/>
+              </a:buClr>
+              <a:buSzPts val="1400"/>
+              <a:buFont typeface="Arimo"/>
+              <a:buChar char="4"/>
+              <a:defRPr sz="1400" b="0" i="0" u="none" strike="noStrike" cap="none">
+                <a:solidFill>
+                  <a:schemeClr val="dk1"/>
+                </a:solidFill>
+                <a:latin typeface="Arial"/>
+                <a:ea typeface="Arial"/>
+                <a:cs typeface="Arial"/>
+                <a:sym typeface="Arial"/>
+              </a:defRPr>
+            </a:lvl5pPr>
+            <a:lvl6pPr marL="2743200" marR="0" lvl="5" indent="-317500" algn="l" rtl="0">
+              <a:lnSpc>
+                <a:spcPct val="100000"/>
+              </a:lnSpc>
+              <a:spcBef>
+                <a:spcPts val="650"/>
+              </a:spcBef>
+              <a:spcAft>
+                <a:spcPts val="0"/>
+              </a:spcAft>
+              <a:buClr>
+                <a:schemeClr val="dk1"/>
+              </a:buClr>
+              <a:buSzPts val="1400"/>
+              <a:buFont typeface="Arimo"/>
+              <a:buChar char="4"/>
+              <a:defRPr sz="1400" b="0" i="0" u="none" strike="noStrike" cap="none">
+                <a:solidFill>
+                  <a:schemeClr val="dk1"/>
+                </a:solidFill>
+                <a:latin typeface="Arial"/>
+                <a:ea typeface="Arial"/>
+                <a:cs typeface="Arial"/>
+                <a:sym typeface="Arial"/>
+              </a:defRPr>
+            </a:lvl6pPr>
+            <a:lvl7pPr marL="3200400" marR="0" lvl="6" indent="-317500" algn="l" rtl="0">
+              <a:lnSpc>
+                <a:spcPct val="100000"/>
+              </a:lnSpc>
+              <a:spcBef>
+                <a:spcPts val="650"/>
+              </a:spcBef>
+              <a:spcAft>
+                <a:spcPts val="0"/>
+              </a:spcAft>
+              <a:buClr>
+                <a:schemeClr val="dk1"/>
+              </a:buClr>
+              <a:buSzPts val="1400"/>
+              <a:buFont typeface="Arimo"/>
+              <a:buChar char="4"/>
+              <a:defRPr sz="1400" b="0" i="0" u="none" strike="noStrike" cap="none">
+                <a:solidFill>
+                  <a:schemeClr val="dk1"/>
+                </a:solidFill>
+                <a:latin typeface="Arial"/>
+                <a:ea typeface="Arial"/>
+                <a:cs typeface="Arial"/>
+                <a:sym typeface="Arial"/>
+              </a:defRPr>
+            </a:lvl7pPr>
+            <a:lvl8pPr marL="3657600" marR="0" lvl="7" indent="-317500" algn="l" rtl="0">
+              <a:lnSpc>
+                <a:spcPct val="100000"/>
+              </a:lnSpc>
+              <a:spcBef>
+                <a:spcPts val="280"/>
+              </a:spcBef>
+              <a:spcAft>
+                <a:spcPts val="0"/>
+              </a:spcAft>
+              <a:buClr>
+                <a:schemeClr val="dk1"/>
+              </a:buClr>
+              <a:buSzPts val="1400"/>
+              <a:buFont typeface="Arimo"/>
+              <a:buChar char="4"/>
+              <a:defRPr sz="1400" b="0" i="0" u="none" strike="noStrike" cap="none">
+                <a:solidFill>
+                  <a:schemeClr val="dk1"/>
+                </a:solidFill>
+                <a:latin typeface="Arial"/>
+                <a:ea typeface="Arial"/>
+                <a:cs typeface="Arial"/>
+                <a:sym typeface="Arial"/>
+              </a:defRPr>
+            </a:lvl8pPr>
+            <a:lvl9pPr marL="4114800" marR="0" lvl="8" indent="-317500" algn="l" rtl="0">
+              <a:lnSpc>
+                <a:spcPct val="100000"/>
+              </a:lnSpc>
+              <a:spcBef>
+                <a:spcPts val="280"/>
+              </a:spcBef>
+              <a:spcAft>
+                <a:spcPts val="0"/>
+              </a:spcAft>
+              <a:buClr>
+                <a:schemeClr val="dk1"/>
+              </a:buClr>
+              <a:buSzPts val="1400"/>
+              <a:buFont typeface="Arimo"/>
+              <a:buChar char="4"/>
+              <a:defRPr sz="1400" b="0" i="0" u="none" strike="noStrike" cap="none">
+                <a:solidFill>
+                  <a:schemeClr val="dk1"/>
+                </a:solidFill>
+                <a:latin typeface="Arial"/>
+                <a:ea typeface="Arial"/>
+                <a:cs typeface="Arial"/>
+                <a:sym typeface="Arial"/>
+              </a:defRPr>
+            </a:lvl9pPr>
+          </a:lstStyle>
+          <a:p>
+            <a:pPr marL="0" indent="0">
+              <a:lnSpc>
+                <a:spcPct val="100000"/>
+              </a:lnSpc>
+              <a:buFont typeface="Merriweather Sans"/>
+              <a:buNone/>
+            </a:pPr>
+            <a:r>
+              <a:rPr lang="en-GB" sz="1600" dirty="0"/>
+              <a:t>Material by Jacqui Keane</a:t>
+            </a:r>
+          </a:p>
+          <a:p>
+            <a:pPr marL="0" indent="0">
+              <a:lnSpc>
+                <a:spcPct val="100000"/>
+              </a:lnSpc>
+              <a:buFont typeface="Merriweather Sans"/>
+              <a:buNone/>
+            </a:pPr>
+            <a:endParaRPr lang="en-GB" sz="1600" dirty="0"/>
+          </a:p>
+          <a:p>
+            <a:pPr marL="0" indent="0">
+              <a:lnSpc>
+                <a:spcPct val="100000"/>
+              </a:lnSpc>
+              <a:buFont typeface="Merriweather Sans"/>
+              <a:buNone/>
+            </a:pPr>
+            <a:r>
+              <a:rPr lang="en-GB" sz="1200" dirty="0"/>
+              <a:t>     @</a:t>
+            </a:r>
+            <a:r>
+              <a:rPr lang="en-GB" sz="1200" dirty="0" err="1"/>
+              <a:t>drjkeane</a:t>
+            </a:r>
+            <a:endParaRPr lang="en-GB" sz="1200" dirty="0"/>
+          </a:p>
+          <a:p>
+            <a:pPr marL="0" indent="0">
+              <a:lnSpc>
+                <a:spcPct val="100000"/>
+              </a:lnSpc>
+              <a:buFont typeface="Merriweather Sans"/>
+              <a:buNone/>
+            </a:pPr>
+            <a:r>
+              <a:rPr lang="en-GB" sz="1200" dirty="0" err="1"/>
+              <a:t>drjkeane@gmail.com</a:t>
+            </a:r>
+            <a:endParaRPr lang="en-GB" sz="1200" dirty="0"/>
+          </a:p>
+          <a:p>
+            <a:pPr marL="0" indent="0">
+              <a:lnSpc>
+                <a:spcPct val="100000"/>
+              </a:lnSpc>
+              <a:buSzPts val="1800"/>
+              <a:buFont typeface="Merriweather Sans"/>
+              <a:buNone/>
+            </a:pPr>
+            <a:endParaRPr lang="en-GB" sz="1200" dirty="0"/>
+          </a:p>
+          <a:p>
+            <a:pPr marL="0" indent="0">
+              <a:lnSpc>
+                <a:spcPct val="100000"/>
+              </a:lnSpc>
+              <a:buSzPts val="1800"/>
+              <a:buFont typeface="Merriweather Sans"/>
+              <a:buNone/>
+            </a:pPr>
+            <a:endParaRPr lang="en-GB" sz="1600" dirty="0"/>
+          </a:p>
+          <a:p>
+            <a:pPr marL="0" indent="0">
+              <a:lnSpc>
+                <a:spcPct val="100000"/>
+              </a:lnSpc>
+              <a:buFont typeface="Merriweather Sans"/>
+              <a:buNone/>
+            </a:pPr>
+            <a:endParaRPr lang="en-GB" sz="1600" dirty="0"/>
+          </a:p>
+          <a:p>
+            <a:pPr marL="0" indent="0">
+              <a:lnSpc>
+                <a:spcPct val="100000"/>
+              </a:lnSpc>
+              <a:buFont typeface="Merriweather Sans"/>
+              <a:buNone/>
+            </a:pPr>
+            <a:endParaRPr lang="en-GB" sz="1600" dirty="0"/>
+          </a:p>
+        </p:txBody>
+      </p:sp>
+      <p:pic>
+        <p:nvPicPr>
+          <p:cNvPr id="6" name="Google Shape;34;p4">
+            <a:extLst>
+              <a:ext uri="{FF2B5EF4-FFF2-40B4-BE49-F238E27FC236}">
+                <a16:creationId xmlns:a16="http://schemas.microsoft.com/office/drawing/2014/main" id="{9EF5399B-9A11-494F-AB31-B85C611029EE}"/>
+              </a:ext>
+            </a:extLst>
+          </p:cNvPr>
+          <p:cNvPicPr preferRelativeResize="0"/>
+          <p:nvPr/>
+        </p:nvPicPr>
+        <p:blipFill rotWithShape="1">
+          <a:blip r:embed="rId3">
+            <a:alphaModFix/>
+          </a:blip>
+          <a:srcRect/>
+          <a:stretch/>
+        </p:blipFill>
+        <p:spPr>
+          <a:xfrm>
+            <a:off x="6045148" y="4837043"/>
+            <a:ext cx="183375" cy="164482"/>
           </a:xfrm>
           <a:prstGeom prst="rect">
             <a:avLst/>
@@ -6523,11 +6972,11 @@
 </file>
 
 <file path=ppt/slides/slide2.xml><?xml version="1.0" encoding="utf-8"?>
-<p:sld xmlns:a="http://schemas.openxmlformats.org/drawingml/2006/main" xmlns:r="http://schemas.openxmlformats.org/officeDocument/2006/relationships" xmlns:mc="http://schemas.openxmlformats.org/markup-compatibility/2006" xmlns:mv="urn:schemas-microsoft-com:mac:vml" xmlns:p="http://schemas.openxmlformats.org/presentationml/2006/main" xmlns:c="http://schemas.openxmlformats.org/drawingml/2006/chart" xmlns:dgm="http://schemas.openxmlformats.org/drawingml/2006/diagram" xmlns:o="urn:schemas-microsoft-com:office:office" xmlns:v="urn:schemas-microsoft-com:vml" xmlns:pvml="urn:schemas-microsoft-com:office:powerpoint" xmlns:com="http://schemas.openxmlformats.org/drawingml/2006/compatibility" xmlns:p14="http://schemas.microsoft.com/office/powerpoint/2010/main" xmlns:p15="http://schemas.microsoft.com/office/powerpoint/2012/main" xmlns:ahyp="http://schemas.microsoft.com/office/drawing/2018/hyperlinkcolor">
+<p:sld xmlns:a="http://schemas.openxmlformats.org/drawingml/2006/main" xmlns:r="http://schemas.openxmlformats.org/officeDocument/2006/relationships" xmlns:p="http://schemas.openxmlformats.org/presentationml/2006/main">
   <p:cSld>
     <p:spTree>
       <p:nvGrpSpPr>
-        <p:cNvPr id="38" name="Shape 38"/>
+        <p:cNvPr id="1" name="Shape 38"/>
         <p:cNvGrpSpPr/>
         <p:nvPr/>
       </p:nvGrpSpPr>
@@ -6542,7 +6991,9 @@
       <p:sp>
         <p:nvSpPr>
           <p:cNvPr id="39" name="Google Shape;39;p5"/>
-          <p:cNvSpPr txBox="1"/>
+          <p:cNvSpPr txBox="1">
+            <a:spLocks noGrp="1"/>
+          </p:cNvSpPr>
           <p:nvPr>
             <p:ph type="title"/>
           </p:nvPr>
@@ -6563,12 +7014,12 @@
           </a:ln>
         </p:spPr>
         <p:txBody>
-          <a:bodyPr anchorCtr="0" anchor="ctr" bIns="45700" lIns="91425" spcFirstLastPara="1" rIns="91425" wrap="square" tIns="45700">
+          <a:bodyPr spcFirstLastPara="1" wrap="square" lIns="91425" tIns="45700" rIns="91425" bIns="45700" anchor="ctr" anchorCtr="0">
             <a:noAutofit/>
           </a:bodyPr>
           <a:lstStyle/>
           <a:p>
-            <a:pPr indent="0" lvl="0" marL="0" marR="0" rtl="0" algn="l">
+            <a:pPr marL="0" marR="0" lvl="0" indent="0" algn="l" rtl="0">
               <a:lnSpc>
                 <a:spcPct val="100000"/>
               </a:lnSpc>
@@ -6582,7 +7033,7 @@
               <a:buNone/>
             </a:pPr>
             <a:r>
-              <a:rPr b="1" i="0" lang="en-GB" sz="2800" u="none" cap="none" strike="noStrike">
+              <a:rPr lang="en-GB" sz="2800" b="1" i="0" u="none" strike="noStrike" cap="none">
                 <a:solidFill>
                   <a:schemeClr val="lt1"/>
                 </a:solidFill>
@@ -6593,7 +7044,7 @@
               </a:rPr>
               <a:t>Unix</a:t>
             </a:r>
-            <a:endParaRPr b="1" i="0" sz="2800" u="none" cap="none" strike="noStrike">
+            <a:endParaRPr sz="2800" b="1" i="0" u="none" strike="noStrike" cap="none">
               <a:solidFill>
                 <a:schemeClr val="lt1"/>
               </a:solidFill>
@@ -6608,9 +7059,11 @@
       <p:sp>
         <p:nvSpPr>
           <p:cNvPr id="40" name="Google Shape;40;p5"/>
-          <p:cNvSpPr txBox="1"/>
+          <p:cNvSpPr txBox="1">
+            <a:spLocks noGrp="1"/>
+          </p:cNvSpPr>
           <p:nvPr>
-            <p:ph idx="1" type="body"/>
+            <p:ph type="body" idx="1"/>
           </p:nvPr>
         </p:nvSpPr>
         <p:spPr>
@@ -6627,12 +7080,12 @@
           </a:ln>
         </p:spPr>
         <p:txBody>
-          <a:bodyPr anchorCtr="0" anchor="t" bIns="45700" lIns="91425" spcFirstLastPara="1" rIns="91425" wrap="square" tIns="45700">
+          <a:bodyPr spcFirstLastPara="1" wrap="square" lIns="91425" tIns="45700" rIns="91425" bIns="45700" anchor="t" anchorCtr="0">
             <a:noAutofit/>
           </a:bodyPr>
           <a:lstStyle/>
           <a:p>
-            <a:pPr indent="-342900" lvl="0" marL="342900" marR="0" rtl="0" algn="l">
+            <a:pPr marL="342900" marR="0" lvl="0" indent="-342900" algn="l" rtl="0">
               <a:lnSpc>
                 <a:spcPct val="100000"/>
               </a:lnSpc>
@@ -6650,7 +7103,7 @@
               <a:buChar char="▸"/>
             </a:pPr>
             <a:r>
-              <a:rPr b="0" i="0" lang="en-GB" sz="2200" u="none" cap="none" strike="noStrike">
+              <a:rPr lang="en-GB" sz="2200" b="0" i="0" u="none" strike="noStrike" cap="none">
                 <a:solidFill>
                   <a:schemeClr val="dk1"/>
                 </a:solidFill>
@@ -6664,7 +7117,7 @@
             <a:endParaRPr/>
           </a:p>
           <a:p>
-            <a:pPr indent="-450000" lvl="2" marL="901700" marR="0" rtl="0" algn="l">
+            <a:pPr marL="901700" marR="0" lvl="2" indent="-450000" algn="l" rtl="0">
               <a:lnSpc>
                 <a:spcPct val="100000"/>
               </a:lnSpc>
@@ -6682,7 +7135,7 @@
               <a:buChar char="▸"/>
             </a:pPr>
             <a:r>
-              <a:rPr b="0" i="0" lang="en-GB" sz="1800" u="none" cap="none" strike="noStrike">
+              <a:rPr lang="en-GB" sz="1800" b="0" i="0" u="none" strike="noStrike" cap="none">
                 <a:solidFill>
                   <a:schemeClr val="dk1"/>
                 </a:solidFill>
@@ -6696,7 +7149,7 @@
             <a:endParaRPr/>
           </a:p>
           <a:p>
-            <a:pPr indent="-450000" lvl="2" marL="901700" marR="0" rtl="0" algn="l">
+            <a:pPr marL="901700" marR="0" lvl="2" indent="-450000" algn="l" rtl="0">
               <a:lnSpc>
                 <a:spcPct val="100000"/>
               </a:lnSpc>
@@ -6714,7 +7167,7 @@
               <a:buChar char="▸"/>
             </a:pPr>
             <a:r>
-              <a:rPr b="0" i="0" lang="en-GB" sz="1800" u="none" cap="none" strike="noStrike">
+              <a:rPr lang="en-GB" sz="1800" b="0" i="0" u="none" strike="noStrike" cap="none">
                 <a:solidFill>
                   <a:schemeClr val="dk1"/>
                 </a:solidFill>
@@ -6728,7 +7181,7 @@
             <a:endParaRPr/>
           </a:p>
           <a:p>
-            <a:pPr indent="-450000" lvl="2" marL="901700" marR="0" rtl="0" algn="l">
+            <a:pPr marL="901700" marR="0" lvl="2" indent="-450000" algn="l" rtl="0">
               <a:lnSpc>
                 <a:spcPct val="100000"/>
               </a:lnSpc>
@@ -6746,7 +7199,7 @@
               <a:buChar char="▸"/>
             </a:pPr>
             <a:r>
-              <a:rPr b="0" i="0" lang="en-GB" sz="1800" u="none" cap="none" strike="noStrike">
+              <a:rPr lang="en-GB" sz="1800" b="0" i="0" u="none" strike="noStrike" cap="none">
                 <a:solidFill>
                   <a:schemeClr val="dk1"/>
                 </a:solidFill>
@@ -6760,7 +7213,7 @@
             <a:endParaRPr/>
           </a:p>
           <a:p>
-            <a:pPr indent="-450000" lvl="2" marL="901700" marR="0" rtl="0" algn="l">
+            <a:pPr marL="901700" marR="0" lvl="2" indent="-450000" algn="l" rtl="0">
               <a:lnSpc>
                 <a:spcPct val="100000"/>
               </a:lnSpc>
@@ -6778,7 +7231,7 @@
               <a:buChar char="▸"/>
             </a:pPr>
             <a:r>
-              <a:rPr b="0" i="0" lang="en-GB" sz="1800" u="none" cap="none" strike="noStrike">
+              <a:rPr lang="en-GB" sz="1800" b="0" i="0" u="none" strike="noStrike" cap="none">
                 <a:solidFill>
                   <a:schemeClr val="dk1"/>
                 </a:solidFill>
@@ -6792,7 +7245,7 @@
             <a:endParaRPr/>
           </a:p>
           <a:p>
-            <a:pPr indent="-335700" lvl="2" marL="901700" marR="0" rtl="0" algn="l">
+            <a:pPr marL="901700" marR="0" lvl="2" indent="-335700" algn="l" rtl="0">
               <a:lnSpc>
                 <a:spcPct val="100000"/>
               </a:lnSpc>
@@ -6809,10 +7262,7 @@
               <a:buFont typeface="Merriweather Sans"/>
               <a:buNone/>
             </a:pPr>
-            <a:r>
-              <a:t/>
-            </a:r>
-            <a:endParaRPr b="0" i="0" sz="1800" u="none" cap="none" strike="noStrike">
+            <a:endParaRPr sz="1800" b="0" i="0" u="none" strike="noStrike" cap="none">
               <a:solidFill>
                 <a:schemeClr val="dk1"/>
               </a:solidFill>
@@ -6823,7 +7273,7 @@
             </a:endParaRPr>
           </a:p>
           <a:p>
-            <a:pPr indent="-342900" lvl="0" marL="342900" marR="0" rtl="0" algn="l">
+            <a:pPr marL="342900" marR="0" lvl="0" indent="-342900" algn="l" rtl="0">
               <a:lnSpc>
                 <a:spcPct val="100000"/>
               </a:lnSpc>
@@ -6841,7 +7291,7 @@
               <a:buChar char="▸"/>
             </a:pPr>
             <a:r>
-              <a:rPr b="0" i="0" lang="en-GB" sz="2200" u="none" cap="none" strike="noStrike">
+              <a:rPr lang="en-GB" sz="2200" b="0" i="0" u="none" strike="noStrike" cap="none">
                 <a:solidFill>
                   <a:schemeClr val="dk1"/>
                 </a:solidFill>
@@ -6855,7 +7305,7 @@
             <a:endParaRPr/>
           </a:p>
           <a:p>
-            <a:pPr indent="-450000" lvl="2" marL="901700" marR="0" rtl="0" algn="l">
+            <a:pPr marL="901700" marR="0" lvl="2" indent="-450000" algn="l" rtl="0">
               <a:lnSpc>
                 <a:spcPct val="100000"/>
               </a:lnSpc>
@@ -6873,7 +7323,7 @@
               <a:buChar char="▸"/>
             </a:pPr>
             <a:r>
-              <a:rPr b="0" i="0" lang="en-GB" sz="1800" u="none" cap="none" strike="noStrike">
+              <a:rPr lang="en-GB" sz="1800" b="0" i="0" u="none" strike="noStrike" cap="none">
                 <a:solidFill>
                   <a:schemeClr val="dk1"/>
                 </a:solidFill>
@@ -6887,7 +7337,7 @@
             <a:endParaRPr/>
           </a:p>
           <a:p>
-            <a:pPr indent="-450000" lvl="2" marL="901700" marR="0" rtl="0" algn="l">
+            <a:pPr marL="901700" marR="0" lvl="2" indent="-450000" algn="l" rtl="0">
               <a:lnSpc>
                 <a:spcPct val="100000"/>
               </a:lnSpc>
@@ -6905,7 +7355,7 @@
               <a:buChar char="▸"/>
             </a:pPr>
             <a:r>
-              <a:rPr b="0" i="0" lang="en-GB" sz="1800" u="none" cap="none" strike="noStrike">
+              <a:rPr lang="en-GB" sz="1800" b="0" i="0" u="none" strike="noStrike" cap="none">
                 <a:solidFill>
                   <a:schemeClr val="dk1"/>
                 </a:solidFill>
@@ -6919,7 +7369,7 @@
             <a:endParaRPr/>
           </a:p>
           <a:p>
-            <a:pPr indent="-450000" lvl="2" marL="901700" marR="0" rtl="0" algn="l">
+            <a:pPr marL="901700" marR="0" lvl="2" indent="-450000" algn="l" rtl="0">
               <a:lnSpc>
                 <a:spcPct val="100000"/>
               </a:lnSpc>
@@ -6937,7 +7387,7 @@
               <a:buChar char="▸"/>
             </a:pPr>
             <a:r>
-              <a:rPr b="0" i="0" lang="en-GB" sz="1800" u="none" cap="none" strike="noStrike">
+              <a:rPr lang="en-GB" sz="1800" b="0" i="0" u="none" strike="noStrike" cap="none">
                 <a:solidFill>
                   <a:schemeClr val="dk1"/>
                 </a:solidFill>
@@ -6951,7 +7401,7 @@
             <a:endParaRPr/>
           </a:p>
           <a:p>
-            <a:pPr indent="-450000" lvl="2" marL="901700" marR="0" rtl="0" algn="l">
+            <a:pPr marL="901700" marR="0" lvl="2" indent="-450000" algn="l" rtl="0">
               <a:lnSpc>
                 <a:spcPct val="100000"/>
               </a:lnSpc>
@@ -6969,7 +7419,7 @@
               <a:buChar char="▸"/>
             </a:pPr>
             <a:r>
-              <a:rPr b="0" i="0" lang="en-GB" sz="1800" u="none" cap="none" strike="noStrike">
+              <a:rPr lang="en-GB" sz="1800" b="0" i="0" u="none" strike="noStrike" cap="none">
                 <a:solidFill>
                   <a:schemeClr val="dk1"/>
                 </a:solidFill>
@@ -6983,7 +7433,7 @@
             <a:endParaRPr/>
           </a:p>
           <a:p>
-            <a:pPr indent="-450000" lvl="2" marL="901700" marR="0" rtl="0" algn="l">
+            <a:pPr marL="901700" marR="0" lvl="2" indent="-450000" algn="l" rtl="0">
               <a:lnSpc>
                 <a:spcPct val="100000"/>
               </a:lnSpc>
@@ -7001,7 +7451,7 @@
               <a:buChar char="▸"/>
             </a:pPr>
             <a:r>
-              <a:rPr b="0" i="0" lang="en-GB" sz="1800" u="none" cap="none" strike="noStrike">
+              <a:rPr lang="en-GB" sz="1800" b="0" i="0" u="none" strike="noStrike" cap="none">
                 <a:solidFill>
                   <a:schemeClr val="dk1"/>
                 </a:solidFill>
@@ -7015,7 +7465,7 @@
             <a:endParaRPr/>
           </a:p>
           <a:p>
-            <a:pPr indent="-450000" lvl="2" marL="901700" marR="0" rtl="0" algn="l">
+            <a:pPr marL="901700" marR="0" lvl="2" indent="-450000" algn="l" rtl="0">
               <a:lnSpc>
                 <a:spcPct val="100000"/>
               </a:lnSpc>
@@ -7033,7 +7483,7 @@
               <a:buChar char="▸"/>
             </a:pPr>
             <a:r>
-              <a:rPr b="0" i="0" lang="en-GB" sz="1800" u="none" cap="none" strike="noStrike">
+              <a:rPr lang="en-GB" sz="1800" b="0" i="0" u="none" strike="noStrike" cap="none">
                 <a:solidFill>
                   <a:schemeClr val="dk1"/>
                 </a:solidFill>
@@ -7047,7 +7497,7 @@
             <a:endParaRPr/>
           </a:p>
           <a:p>
-            <a:pPr indent="-203200" lvl="0" marL="342900" marR="0" rtl="0" algn="l">
+            <a:pPr marL="342900" marR="0" lvl="0" indent="-203200" algn="l" rtl="0">
               <a:lnSpc>
                 <a:spcPct val="100000"/>
               </a:lnSpc>
@@ -7064,10 +7514,7 @@
               <a:buFont typeface="Merriweather Sans"/>
               <a:buNone/>
             </a:pPr>
-            <a:r>
-              <a:t/>
-            </a:r>
-            <a:endParaRPr b="0" i="0" sz="2200" u="none" cap="none" strike="noStrike">
+            <a:endParaRPr sz="2200" b="0" i="0" u="none" strike="noStrike" cap="none">
               <a:solidFill>
                 <a:schemeClr val="dk1"/>
               </a:solidFill>
@@ -7088,11 +7535,11 @@
 </file>
 
 <file path=ppt/slides/slide3.xml><?xml version="1.0" encoding="utf-8"?>
-<p:sld xmlns:a="http://schemas.openxmlformats.org/drawingml/2006/main" xmlns:r="http://schemas.openxmlformats.org/officeDocument/2006/relationships" xmlns:mc="http://schemas.openxmlformats.org/markup-compatibility/2006" xmlns:mv="urn:schemas-microsoft-com:mac:vml" xmlns:p="http://schemas.openxmlformats.org/presentationml/2006/main" xmlns:c="http://schemas.openxmlformats.org/drawingml/2006/chart" xmlns:dgm="http://schemas.openxmlformats.org/drawingml/2006/diagram" xmlns:o="urn:schemas-microsoft-com:office:office" xmlns:v="urn:schemas-microsoft-com:vml" xmlns:pvml="urn:schemas-microsoft-com:office:powerpoint" xmlns:com="http://schemas.openxmlformats.org/drawingml/2006/compatibility" xmlns:p14="http://schemas.microsoft.com/office/powerpoint/2010/main" xmlns:p15="http://schemas.microsoft.com/office/powerpoint/2012/main" xmlns:ahyp="http://schemas.microsoft.com/office/drawing/2018/hyperlinkcolor">
+<p:sld xmlns:a="http://schemas.openxmlformats.org/drawingml/2006/main" xmlns:r="http://schemas.openxmlformats.org/officeDocument/2006/relationships" xmlns:p="http://schemas.openxmlformats.org/presentationml/2006/main">
   <p:cSld>
     <p:spTree>
       <p:nvGrpSpPr>
-        <p:cNvPr id="45" name="Shape 45"/>
+        <p:cNvPr id="1" name="Shape 45"/>
         <p:cNvGrpSpPr/>
         <p:nvPr/>
       </p:nvGrpSpPr>
@@ -7107,7 +7554,9 @@
       <p:sp>
         <p:nvSpPr>
           <p:cNvPr id="46" name="Google Shape;46;p6"/>
-          <p:cNvSpPr txBox="1"/>
+          <p:cNvSpPr txBox="1">
+            <a:spLocks noGrp="1"/>
+          </p:cNvSpPr>
           <p:nvPr>
             <p:ph type="title"/>
           </p:nvPr>
@@ -7128,12 +7577,12 @@
           </a:ln>
         </p:spPr>
         <p:txBody>
-          <a:bodyPr anchorCtr="0" anchor="ctr" bIns="45700" lIns="91425" spcFirstLastPara="1" rIns="91425" wrap="square" tIns="45700">
+          <a:bodyPr spcFirstLastPara="1" wrap="square" lIns="91425" tIns="45700" rIns="91425" bIns="45700" anchor="ctr" anchorCtr="0">
             <a:noAutofit/>
           </a:bodyPr>
           <a:lstStyle/>
           <a:p>
-            <a:pPr indent="0" lvl="0" marL="0" marR="0" rtl="0" algn="l">
+            <a:pPr marL="0" marR="0" lvl="0" indent="0" algn="l" rtl="0">
               <a:lnSpc>
                 <a:spcPct val="100000"/>
               </a:lnSpc>
@@ -7147,7 +7596,7 @@
               <a:buNone/>
             </a:pPr>
             <a:r>
-              <a:rPr b="1" i="0" lang="en-GB" sz="2800" u="none" cap="none" strike="noStrike">
+              <a:rPr lang="en-GB" sz="2800" b="1" i="0" u="none" strike="noStrike" cap="none">
                 <a:solidFill>
                   <a:schemeClr val="lt1"/>
                 </a:solidFill>
@@ -7158,7 +7607,7 @@
               </a:rPr>
               <a:t>Using Unix</a:t>
             </a:r>
-            <a:endParaRPr b="1" i="0" sz="2800" u="none" cap="none" strike="noStrike">
+            <a:endParaRPr sz="2800" b="1" i="0" u="none" strike="noStrike" cap="none">
               <a:solidFill>
                 <a:schemeClr val="lt1"/>
               </a:solidFill>
@@ -7172,7 +7621,7 @@
       </p:sp>
       <p:pic>
         <p:nvPicPr>
-          <p:cNvPr descr="Screen shot 2012-12-11 at 00.58.26.png" id="47" name="Google Shape;47;p6"/>
+          <p:cNvPr id="47" name="Google Shape;47;p6" descr="Screen shot 2012-12-11 at 00.58.26.png"/>
           <p:cNvPicPr preferRelativeResize="0"/>
           <p:nvPr/>
         </p:nvPicPr>
@@ -7180,7 +7629,7 @@
           <a:blip r:embed="rId3">
             <a:alphaModFix/>
           </a:blip>
-          <a:srcRect b="0" l="0" r="0" t="0"/>
+          <a:srcRect/>
           <a:stretch/>
         </p:blipFill>
         <p:spPr>
@@ -7206,11 +7655,11 @@
 </file>
 
 <file path=ppt/slides/slide4.xml><?xml version="1.0" encoding="utf-8"?>
-<p:sld xmlns:a="http://schemas.openxmlformats.org/drawingml/2006/main" xmlns:r="http://schemas.openxmlformats.org/officeDocument/2006/relationships" xmlns:mc="http://schemas.openxmlformats.org/markup-compatibility/2006" xmlns:mv="urn:schemas-microsoft-com:mac:vml" xmlns:p="http://schemas.openxmlformats.org/presentationml/2006/main" xmlns:c="http://schemas.openxmlformats.org/drawingml/2006/chart" xmlns:dgm="http://schemas.openxmlformats.org/drawingml/2006/diagram" xmlns:o="urn:schemas-microsoft-com:office:office" xmlns:v="urn:schemas-microsoft-com:vml" xmlns:pvml="urn:schemas-microsoft-com:office:powerpoint" xmlns:com="http://schemas.openxmlformats.org/drawingml/2006/compatibility" xmlns:p14="http://schemas.microsoft.com/office/powerpoint/2010/main" xmlns:p15="http://schemas.microsoft.com/office/powerpoint/2012/main" xmlns:ahyp="http://schemas.microsoft.com/office/drawing/2018/hyperlinkcolor">
+<p:sld xmlns:a="http://schemas.openxmlformats.org/drawingml/2006/main" xmlns:r="http://schemas.openxmlformats.org/officeDocument/2006/relationships" xmlns:p="http://schemas.openxmlformats.org/presentationml/2006/main">
   <p:cSld>
     <p:spTree>
       <p:nvGrpSpPr>
-        <p:cNvPr id="52" name="Shape 52"/>
+        <p:cNvPr id="1" name="Shape 52"/>
         <p:cNvGrpSpPr/>
         <p:nvPr/>
       </p:nvGrpSpPr>
@@ -7225,7 +7674,9 @@
       <p:sp>
         <p:nvSpPr>
           <p:cNvPr id="53" name="Google Shape;53;p7"/>
-          <p:cNvSpPr txBox="1"/>
+          <p:cNvSpPr txBox="1">
+            <a:spLocks noGrp="1"/>
+          </p:cNvSpPr>
           <p:nvPr>
             <p:ph type="title"/>
           </p:nvPr>
@@ -7246,12 +7697,12 @@
           </a:ln>
         </p:spPr>
         <p:txBody>
-          <a:bodyPr anchorCtr="0" anchor="ctr" bIns="45700" lIns="91425" spcFirstLastPara="1" rIns="91425" wrap="square" tIns="45700">
+          <a:bodyPr spcFirstLastPara="1" wrap="square" lIns="91425" tIns="45700" rIns="91425" bIns="45700" anchor="ctr" anchorCtr="0">
             <a:noAutofit/>
           </a:bodyPr>
           <a:lstStyle/>
           <a:p>
-            <a:pPr indent="0" lvl="0" marL="0" marR="0" rtl="0" algn="l">
+            <a:pPr marL="0" marR="0" lvl="0" indent="0" algn="l" rtl="0">
               <a:lnSpc>
                 <a:spcPct val="100000"/>
               </a:lnSpc>
@@ -7265,7 +7716,7 @@
               <a:buNone/>
             </a:pPr>
             <a:r>
-              <a:rPr b="1" i="0" lang="en-GB" sz="2800" u="none" cap="none" strike="noStrike">
+              <a:rPr lang="en-GB" sz="2800" b="1" i="0" u="none" strike="noStrike" cap="none">
                 <a:solidFill>
                   <a:schemeClr val="lt1"/>
                 </a:solidFill>
@@ -7276,7 +7727,7 @@
               </a:rPr>
               <a:t>Terminals and Commandline</a:t>
             </a:r>
-            <a:endParaRPr b="1" i="0" sz="2800" u="none" cap="none" strike="noStrike">
+            <a:endParaRPr sz="2800" b="1" i="0" u="none" strike="noStrike" cap="none">
               <a:solidFill>
                 <a:schemeClr val="lt1"/>
               </a:solidFill>
@@ -7290,7 +7741,7 @@
       </p:sp>
       <p:pic>
         <p:nvPicPr>
-          <p:cNvPr descr="VM_win" id="54" name="Google Shape;54;p7"/>
+          <p:cNvPr id="54" name="Google Shape;54;p7" descr="VM_win"/>
           <p:cNvPicPr preferRelativeResize="0"/>
           <p:nvPr/>
         </p:nvPicPr>
@@ -7298,7 +7749,7 @@
           <a:blip r:embed="rId3">
             <a:alphaModFix/>
           </a:blip>
-          <a:srcRect b="0" l="0" r="0" t="0"/>
+          <a:srcRect/>
           <a:stretch/>
         </p:blipFill>
         <p:spPr>
@@ -7325,7 +7776,7 @@
           <a:blip r:embed="rId4">
             <a:alphaModFix/>
           </a:blip>
-          <a:srcRect b="0" l="0" r="238" t="0"/>
+          <a:srcRect r="238"/>
           <a:stretch/>
         </p:blipFill>
         <p:spPr>
@@ -7362,12 +7813,12 @@
           </a:ln>
         </p:spPr>
         <p:txBody>
-          <a:bodyPr anchorCtr="0" anchor="t" bIns="45700" lIns="91425" spcFirstLastPara="1" rIns="91425" wrap="square" tIns="45700">
+          <a:bodyPr spcFirstLastPara="1" wrap="square" lIns="91425" tIns="45700" rIns="91425" bIns="45700" anchor="t" anchorCtr="0">
             <a:noAutofit/>
           </a:bodyPr>
           <a:lstStyle/>
           <a:p>
-            <a:pPr indent="0" lvl="0" marL="0" marR="0" rtl="0" algn="l">
+            <a:pPr marL="0" marR="0" lvl="0" indent="0" algn="l" rtl="0">
               <a:lnSpc>
                 <a:spcPct val="100000"/>
               </a:lnSpc>
@@ -7385,7 +7836,7 @@
               <a:buNone/>
             </a:pPr>
             <a:r>
-              <a:rPr b="0" i="0" lang="en-GB" sz="1600" u="none" cap="none" strike="noStrike">
+              <a:rPr lang="en-GB" sz="1600" b="0" i="0" u="none" strike="noStrike" cap="none">
                 <a:solidFill>
                   <a:schemeClr val="dk1"/>
                 </a:solidFill>
@@ -7397,7 +7848,7 @@
               <a:t> </a:t>
             </a:r>
             <a:r>
-              <a:rPr b="1" i="0" lang="en-GB" sz="1800" u="none" cap="none" strike="noStrike">
+              <a:rPr lang="en-GB" sz="1800" b="1" i="0" u="none" strike="noStrike" cap="none">
                 <a:solidFill>
                   <a:schemeClr val="lt1"/>
                 </a:solidFill>
@@ -7408,7 +7859,7 @@
               </a:rPr>
               <a:t>UNIX prompt</a:t>
             </a:r>
-            <a:endParaRPr b="1" i="0" sz="1800" u="none" cap="none" strike="noStrike">
+            <a:endParaRPr sz="1800" b="1" i="0" u="none" strike="noStrike" cap="none">
               <a:solidFill>
                 <a:schemeClr val="folHlink"/>
               </a:solidFill>
@@ -7435,14 +7886,14 @@
             <a:avLst/>
           </a:prstGeom>
           <a:noFill/>
-          <a:ln cap="flat" cmpd="sng" w="31750">
+          <a:ln w="31750" cap="flat" cmpd="sng">
             <a:solidFill>
               <a:srgbClr val="00FF00"/>
             </a:solidFill>
             <a:prstDash val="solid"/>
             <a:round/>
-            <a:headEnd len="sm" w="sm" type="none"/>
-            <a:tailEnd len="med" w="med" type="triangle"/>
+            <a:headEnd type="none" w="sm" len="sm"/>
+            <a:tailEnd type="triangle" w="med" len="med"/>
           </a:ln>
         </p:spPr>
       </p:cxnSp>
@@ -7453,7 +7904,7 @@
           <p:nvPr/>
         </p:nvCxnSpPr>
         <p:spPr>
-          <a:xfrm flipH="1" rot="10800000">
+          <a:xfrm rot="10800000" flipH="1">
             <a:off x="1473200" y="3594100"/>
             <a:ext cx="914400" cy="457200"/>
           </a:xfrm>
@@ -7461,14 +7912,14 @@
             <a:avLst/>
           </a:prstGeom>
           <a:noFill/>
-          <a:ln cap="flat" cmpd="sng" w="38100">
+          <a:ln w="38100" cap="flat" cmpd="sng">
             <a:solidFill>
               <a:srgbClr val="00FF00"/>
             </a:solidFill>
             <a:prstDash val="solid"/>
             <a:round/>
-            <a:headEnd len="sm" w="sm" type="none"/>
-            <a:tailEnd len="med" w="med" type="triangle"/>
+            <a:headEnd type="none" w="sm" len="sm"/>
+            <a:tailEnd type="triangle" w="med" len="med"/>
           </a:ln>
         </p:spPr>
       </p:cxnSp>
@@ -7481,11 +7932,11 @@
 </file>
 
 <file path=ppt/slides/slide5.xml><?xml version="1.0" encoding="utf-8"?>
-<p:sld xmlns:a="http://schemas.openxmlformats.org/drawingml/2006/main" xmlns:r="http://schemas.openxmlformats.org/officeDocument/2006/relationships" xmlns:mc="http://schemas.openxmlformats.org/markup-compatibility/2006" xmlns:mv="urn:schemas-microsoft-com:mac:vml" xmlns:p="http://schemas.openxmlformats.org/presentationml/2006/main" xmlns:c="http://schemas.openxmlformats.org/drawingml/2006/chart" xmlns:dgm="http://schemas.openxmlformats.org/drawingml/2006/diagram" xmlns:o="urn:schemas-microsoft-com:office:office" xmlns:v="urn:schemas-microsoft-com:vml" xmlns:pvml="urn:schemas-microsoft-com:office:powerpoint" xmlns:com="http://schemas.openxmlformats.org/drawingml/2006/compatibility" xmlns:p14="http://schemas.microsoft.com/office/powerpoint/2010/main" xmlns:p15="http://schemas.microsoft.com/office/powerpoint/2012/main" xmlns:ahyp="http://schemas.microsoft.com/office/drawing/2018/hyperlinkcolor">
+<p:sld xmlns:a="http://schemas.openxmlformats.org/drawingml/2006/main" xmlns:r="http://schemas.openxmlformats.org/officeDocument/2006/relationships" xmlns:p="http://schemas.openxmlformats.org/presentationml/2006/main">
   <p:cSld>
     <p:spTree>
       <p:nvGrpSpPr>
-        <p:cNvPr id="63" name="Shape 63"/>
+        <p:cNvPr id="1" name="Shape 63"/>
         <p:cNvGrpSpPr/>
         <p:nvPr/>
       </p:nvGrpSpPr>
@@ -7500,7 +7951,9 @@
       <p:sp>
         <p:nvSpPr>
           <p:cNvPr id="64" name="Google Shape;64;p8"/>
-          <p:cNvSpPr txBox="1"/>
+          <p:cNvSpPr txBox="1">
+            <a:spLocks noGrp="1"/>
+          </p:cNvSpPr>
           <p:nvPr>
             <p:ph type="title"/>
           </p:nvPr>
@@ -7521,12 +7974,12 @@
           </a:ln>
         </p:spPr>
         <p:txBody>
-          <a:bodyPr anchorCtr="0" anchor="ctr" bIns="45700" lIns="91425" spcFirstLastPara="1" rIns="91425" wrap="square" tIns="45700">
+          <a:bodyPr spcFirstLastPara="1" wrap="square" lIns="91425" tIns="45700" rIns="91425" bIns="45700" anchor="ctr" anchorCtr="0">
             <a:noAutofit/>
           </a:bodyPr>
           <a:lstStyle/>
           <a:p>
-            <a:pPr indent="0" lvl="0" marL="0" marR="0" rtl="0" algn="l">
+            <a:pPr marL="0" marR="0" lvl="0" indent="0" algn="l" rtl="0">
               <a:lnSpc>
                 <a:spcPct val="100000"/>
               </a:lnSpc>
@@ -7540,7 +7993,7 @@
               <a:buNone/>
             </a:pPr>
             <a:r>
-              <a:rPr b="1" i="0" lang="en-GB" sz="2800" u="none" cap="none" strike="noStrike">
+              <a:rPr lang="en-GB" sz="2800" b="1" i="0" u="none" strike="noStrike" cap="none">
                 <a:solidFill>
                   <a:schemeClr val="lt1"/>
                 </a:solidFill>
@@ -7551,7 +8004,7 @@
               </a:rPr>
               <a:t>Unix Commands</a:t>
             </a:r>
-            <a:endParaRPr b="1" i="0" sz="2800" u="none" cap="none" strike="noStrike">
+            <a:endParaRPr sz="2800" b="1" i="0" u="none" strike="noStrike" cap="none">
               <a:solidFill>
                 <a:schemeClr val="lt1"/>
               </a:solidFill>
@@ -7597,12 +8050,12 @@
             </a:ln>
           </p:spPr>
           <p:txBody>
-            <a:bodyPr anchorCtr="0" anchor="t" bIns="45700" lIns="91425" spcFirstLastPara="1" rIns="91425" wrap="square" tIns="45700">
+            <a:bodyPr spcFirstLastPara="1" wrap="square" lIns="91425" tIns="45700" rIns="91425" bIns="45700" anchor="t" anchorCtr="0">
               <a:noAutofit/>
             </a:bodyPr>
             <a:lstStyle/>
             <a:p>
-              <a:pPr indent="0" lvl="0" marL="0" marR="0" rtl="0" algn="l">
+              <a:pPr marL="0" marR="0" lvl="0" indent="0" algn="l" rtl="0">
                 <a:lnSpc>
                   <a:spcPct val="100000"/>
                 </a:lnSpc>
@@ -7619,10 +8072,7 @@
                 <a:buFont typeface="Arial"/>
                 <a:buNone/>
               </a:pPr>
-              <a:r>
-                <a:t/>
-              </a:r>
-              <a:endParaRPr b="0" i="0" sz="1800" u="none" cap="none" strike="noStrike">
+              <a:endParaRPr sz="1800" b="0" i="0" u="none" strike="noStrike" cap="none">
                 <a:solidFill>
                   <a:schemeClr val="dk1"/>
                 </a:solidFill>
@@ -7654,12 +8104,12 @@
             </a:ln>
           </p:spPr>
           <p:txBody>
-            <a:bodyPr anchorCtr="0" anchor="t" bIns="45700" lIns="91425" spcFirstLastPara="1" rIns="91425" wrap="square" tIns="45700">
+            <a:bodyPr spcFirstLastPara="1" wrap="square" lIns="91425" tIns="45700" rIns="91425" bIns="45700" anchor="t" anchorCtr="0">
               <a:noAutofit/>
             </a:bodyPr>
             <a:lstStyle/>
             <a:p>
-              <a:pPr indent="0" lvl="0" marL="0" marR="0" rtl="0" algn="l">
+              <a:pPr marL="0" marR="0" lvl="0" indent="0" algn="l" rtl="0">
                 <a:lnSpc>
                   <a:spcPct val="100000"/>
                 </a:lnSpc>
@@ -7676,10 +8126,7 @@
                 <a:buFont typeface="Arial"/>
                 <a:buNone/>
               </a:pPr>
-              <a:r>
-                <a:t/>
-              </a:r>
-              <a:endParaRPr b="1" i="0" sz="1800" u="none" cap="none" strike="noStrike">
+              <a:endParaRPr sz="1800" b="1" i="0" u="none" strike="noStrike" cap="none">
                 <a:solidFill>
                   <a:schemeClr val="dk1"/>
                 </a:solidFill>
@@ -7711,12 +8158,12 @@
             </a:ln>
           </p:spPr>
           <p:txBody>
-            <a:bodyPr anchorCtr="0" anchor="t" bIns="45700" lIns="91425" spcFirstLastPara="1" rIns="91425" wrap="square" tIns="45700">
+            <a:bodyPr spcFirstLastPara="1" wrap="square" lIns="91425" tIns="45700" rIns="91425" bIns="45700" anchor="t" anchorCtr="0">
               <a:noAutofit/>
             </a:bodyPr>
             <a:lstStyle/>
             <a:p>
-              <a:pPr indent="0" lvl="0" marL="0" marR="0" rtl="0" algn="l">
+              <a:pPr marL="0" marR="0" lvl="0" indent="0" algn="l" rtl="0">
                 <a:lnSpc>
                   <a:spcPct val="100000"/>
                 </a:lnSpc>
@@ -7733,10 +8180,7 @@
                 <a:buFont typeface="Arial"/>
                 <a:buNone/>
               </a:pPr>
-              <a:r>
-                <a:t/>
-              </a:r>
-              <a:endParaRPr b="0" i="0" sz="1800" u="none" cap="none" strike="noStrike">
+              <a:endParaRPr sz="1800" b="0" i="0" u="none" strike="noStrike" cap="none">
                 <a:solidFill>
                   <a:schemeClr val="dk1"/>
                 </a:solidFill>
@@ -7768,12 +8212,12 @@
             </a:ln>
           </p:spPr>
           <p:txBody>
-            <a:bodyPr anchorCtr="0" anchor="t" bIns="45700" lIns="91425" spcFirstLastPara="1" rIns="91425" wrap="square" tIns="45700">
+            <a:bodyPr spcFirstLastPara="1" wrap="square" lIns="91425" tIns="45700" rIns="91425" bIns="45700" anchor="t" anchorCtr="0">
               <a:noAutofit/>
             </a:bodyPr>
             <a:lstStyle/>
             <a:p>
-              <a:pPr indent="0" lvl="0" marL="0" marR="0" rtl="0" algn="l">
+              <a:pPr marL="0" marR="0" lvl="0" indent="0" algn="l" rtl="0">
                 <a:lnSpc>
                   <a:spcPct val="100000"/>
                 </a:lnSpc>
@@ -7790,10 +8234,7 @@
                 <a:buFont typeface="Arial"/>
                 <a:buNone/>
               </a:pPr>
-              <a:r>
-                <a:t/>
-              </a:r>
-              <a:endParaRPr b="1" i="0" sz="1800" u="none" cap="none" strike="noStrike">
+              <a:endParaRPr sz="1800" b="1" i="0" u="none" strike="noStrike" cap="none">
                 <a:solidFill>
                   <a:schemeClr val="dk1"/>
                 </a:solidFill>
@@ -7825,12 +8266,12 @@
             </a:ln>
           </p:spPr>
           <p:txBody>
-            <a:bodyPr anchorCtr="0" anchor="t" bIns="45700" lIns="91425" spcFirstLastPara="1" rIns="91425" wrap="square" tIns="45700">
+            <a:bodyPr spcFirstLastPara="1" wrap="square" lIns="91425" tIns="45700" rIns="91425" bIns="45700" anchor="t" anchorCtr="0">
               <a:noAutofit/>
             </a:bodyPr>
             <a:lstStyle/>
             <a:p>
-              <a:pPr indent="0" lvl="0" marL="0" marR="0" rtl="0" algn="l">
+              <a:pPr marL="0" marR="0" lvl="0" indent="0" algn="l" rtl="0">
                 <a:lnSpc>
                   <a:spcPct val="100000"/>
                 </a:lnSpc>
@@ -7848,7 +8289,7 @@
                 <a:buNone/>
               </a:pPr>
               <a:r>
-                <a:rPr b="0" i="0" lang="en-GB" sz="1800" u="none" cap="none" strike="noStrike">
+                <a:rPr lang="en-GB" sz="1800" b="0" i="0" u="none" strike="noStrike" cap="none">
                   <a:solidFill>
                     <a:schemeClr val="dk1"/>
                   </a:solidFill>
@@ -7859,7 +8300,7 @@
                 </a:rPr>
                 <a:t>Print working directory</a:t>
               </a:r>
-              <a:endParaRPr b="0" i="0" sz="1400" u="none" cap="none" strike="noStrike">
+              <a:endParaRPr sz="1400" b="0" i="0" u="none" strike="noStrike" cap="none">
                 <a:solidFill>
                   <a:srgbClr val="000000"/>
                 </a:solidFill>
@@ -7891,12 +8332,12 @@
             </a:ln>
           </p:spPr>
           <p:txBody>
-            <a:bodyPr anchorCtr="0" anchor="t" bIns="45700" lIns="91425" spcFirstLastPara="1" rIns="91425" wrap="square" tIns="45700">
+            <a:bodyPr spcFirstLastPara="1" wrap="square" lIns="91425" tIns="45700" rIns="91425" bIns="45700" anchor="t" anchorCtr="0">
               <a:noAutofit/>
             </a:bodyPr>
             <a:lstStyle/>
             <a:p>
-              <a:pPr indent="0" lvl="0" marL="0" marR="0" rtl="0" algn="l">
+              <a:pPr marL="0" marR="0" lvl="0" indent="0" algn="l" rtl="0">
                 <a:lnSpc>
                   <a:spcPct val="100000"/>
                 </a:lnSpc>
@@ -7914,7 +8355,7 @@
                 <a:buNone/>
               </a:pPr>
               <a:r>
-                <a:rPr b="1" i="0" lang="en-GB" sz="1800" u="none" cap="none" strike="noStrike">
+                <a:rPr lang="en-GB" sz="1800" b="1" i="0" u="none" strike="noStrike" cap="none">
                   <a:solidFill>
                     <a:schemeClr val="dk1"/>
                   </a:solidFill>
@@ -7925,7 +8366,7 @@
                 </a:rPr>
                 <a:t>pwd</a:t>
               </a:r>
-              <a:endParaRPr b="1" i="0" sz="1800" u="none" cap="none" strike="noStrike">
+              <a:endParaRPr sz="1800" b="1" i="0" u="none" strike="noStrike" cap="none">
                 <a:solidFill>
                   <a:schemeClr val="dk1"/>
                 </a:solidFill>
@@ -7957,12 +8398,12 @@
             </a:ln>
           </p:spPr>
           <p:txBody>
-            <a:bodyPr anchorCtr="0" anchor="t" bIns="45700" lIns="91425" spcFirstLastPara="1" rIns="91425" wrap="square" tIns="45700">
+            <a:bodyPr spcFirstLastPara="1" wrap="square" lIns="91425" tIns="45700" rIns="91425" bIns="45700" anchor="t" anchorCtr="0">
               <a:noAutofit/>
             </a:bodyPr>
             <a:lstStyle/>
             <a:p>
-              <a:pPr indent="0" lvl="0" marL="0" marR="0" rtl="0" algn="l">
+              <a:pPr marL="0" marR="0" lvl="0" indent="0" algn="l" rtl="0">
                 <a:lnSpc>
                   <a:spcPct val="100000"/>
                 </a:lnSpc>
@@ -7980,7 +8421,7 @@
                 <a:buNone/>
               </a:pPr>
               <a:r>
-                <a:rPr b="0" i="0" lang="en-GB" sz="1800" u="none" cap="none" strike="noStrike">
+                <a:rPr lang="en-GB" sz="1800" b="0" i="0" u="none" strike="noStrike" cap="none">
                   <a:solidFill>
                     <a:schemeClr val="dk1"/>
                   </a:solidFill>
@@ -7991,7 +8432,7 @@
                 </a:rPr>
                 <a:t>Concatenate files together</a:t>
               </a:r>
-              <a:endParaRPr b="0" i="0" sz="1400" u="none" cap="none" strike="noStrike">
+              <a:endParaRPr sz="1400" b="0" i="0" u="none" strike="noStrike" cap="none">
                 <a:solidFill>
                   <a:srgbClr val="000000"/>
                 </a:solidFill>
@@ -8023,12 +8464,12 @@
             </a:ln>
           </p:spPr>
           <p:txBody>
-            <a:bodyPr anchorCtr="0" anchor="t" bIns="45700" lIns="91425" spcFirstLastPara="1" rIns="91425" wrap="square" tIns="45700">
+            <a:bodyPr spcFirstLastPara="1" wrap="square" lIns="91425" tIns="45700" rIns="91425" bIns="45700" anchor="t" anchorCtr="0">
               <a:noAutofit/>
             </a:bodyPr>
             <a:lstStyle/>
             <a:p>
-              <a:pPr indent="0" lvl="0" marL="0" marR="0" rtl="0" algn="l">
+              <a:pPr marL="0" marR="0" lvl="0" indent="0" algn="l" rtl="0">
                 <a:lnSpc>
                   <a:spcPct val="100000"/>
                 </a:lnSpc>
@@ -8046,7 +8487,7 @@
                 <a:buNone/>
               </a:pPr>
               <a:r>
-                <a:rPr b="1" i="0" lang="en-GB" sz="1800" u="none" cap="none" strike="noStrike">
+                <a:rPr lang="en-GB" sz="1800" b="1" i="0" u="none" strike="noStrike" cap="none">
                   <a:solidFill>
                     <a:schemeClr val="dk1"/>
                   </a:solidFill>
@@ -8057,7 +8498,7 @@
                 </a:rPr>
                 <a:t>cat</a:t>
               </a:r>
-              <a:endParaRPr b="0" i="0" sz="1400" u="none" cap="none" strike="noStrike">
+              <a:endParaRPr sz="1400" b="0" i="0" u="none" strike="noStrike" cap="none">
                 <a:solidFill>
                   <a:srgbClr val="000000"/>
                 </a:solidFill>
@@ -8089,12 +8530,12 @@
             </a:ln>
           </p:spPr>
           <p:txBody>
-            <a:bodyPr anchorCtr="0" anchor="t" bIns="45700" lIns="91425" spcFirstLastPara="1" rIns="91425" wrap="square" tIns="45700">
+            <a:bodyPr spcFirstLastPara="1" wrap="square" lIns="91425" tIns="45700" rIns="91425" bIns="45700" anchor="t" anchorCtr="0">
               <a:noAutofit/>
             </a:bodyPr>
             <a:lstStyle/>
             <a:p>
-              <a:pPr indent="0" lvl="0" marL="0" marR="0" rtl="0" algn="l">
+              <a:pPr marL="0" marR="0" lvl="0" indent="0" algn="l" rtl="0">
                 <a:lnSpc>
                   <a:spcPct val="100000"/>
                 </a:lnSpc>
@@ -8112,7 +8553,7 @@
                 <a:buNone/>
               </a:pPr>
               <a:r>
-                <a:rPr b="0" i="0" lang="en-GB" sz="1800" u="none" cap="none" strike="noStrike">
+                <a:rPr lang="en-GB" sz="1800" b="0" i="0" u="none" strike="noStrike" cap="none">
                   <a:solidFill>
                     <a:schemeClr val="dk1"/>
                   </a:solidFill>
@@ -8123,7 +8564,7 @@
                 </a:rPr>
                 <a:t>Displays the last ten lines of a file</a:t>
               </a:r>
-              <a:endParaRPr b="0" i="0" sz="1400" u="none" cap="none" strike="noStrike">
+              <a:endParaRPr sz="1400" b="0" i="0" u="none" strike="noStrike" cap="none">
                 <a:solidFill>
                   <a:srgbClr val="000000"/>
                 </a:solidFill>
@@ -8155,12 +8596,12 @@
             </a:ln>
           </p:spPr>
           <p:txBody>
-            <a:bodyPr anchorCtr="0" anchor="t" bIns="45700" lIns="91425" spcFirstLastPara="1" rIns="91425" wrap="square" tIns="45700">
+            <a:bodyPr spcFirstLastPara="1" wrap="square" lIns="91425" tIns="45700" rIns="91425" bIns="45700" anchor="t" anchorCtr="0">
               <a:noAutofit/>
             </a:bodyPr>
             <a:lstStyle/>
             <a:p>
-              <a:pPr indent="0" lvl="0" marL="0" marR="0" rtl="0" algn="l">
+              <a:pPr marL="0" marR="0" lvl="0" indent="0" algn="l" rtl="0">
                 <a:lnSpc>
                   <a:spcPct val="100000"/>
                 </a:lnSpc>
@@ -8178,7 +8619,7 @@
                 <a:buNone/>
               </a:pPr>
               <a:r>
-                <a:rPr b="1" i="0" lang="en-GB" sz="1800" u="none" cap="none" strike="noStrike">
+                <a:rPr lang="en-GB" sz="1800" b="1" i="0" u="none" strike="noStrike" cap="none">
                   <a:solidFill>
                     <a:schemeClr val="dk1"/>
                   </a:solidFill>
@@ -8189,7 +8630,7 @@
                 </a:rPr>
                 <a:t>tail</a:t>
               </a:r>
-              <a:endParaRPr b="0" i="0" sz="1400" u="none" cap="none" strike="noStrike">
+              <a:endParaRPr sz="1400" b="0" i="0" u="none" strike="noStrike" cap="none">
                 <a:solidFill>
                   <a:srgbClr val="000000"/>
                 </a:solidFill>
@@ -8221,12 +8662,12 @@
             </a:ln>
           </p:spPr>
           <p:txBody>
-            <a:bodyPr anchorCtr="0" anchor="t" bIns="45700" lIns="91425" spcFirstLastPara="1" rIns="91425" wrap="square" tIns="45700">
+            <a:bodyPr spcFirstLastPara="1" wrap="square" lIns="91425" tIns="45700" rIns="91425" bIns="45700" anchor="t" anchorCtr="0">
               <a:noAutofit/>
             </a:bodyPr>
             <a:lstStyle/>
             <a:p>
-              <a:pPr indent="0" lvl="0" marL="0" marR="0" rtl="0" algn="l">
+              <a:pPr marL="0" marR="0" lvl="0" indent="0" algn="l" rtl="0">
                 <a:lnSpc>
                   <a:spcPct val="100000"/>
                 </a:lnSpc>
@@ -8244,7 +8685,7 @@
                 <a:buNone/>
               </a:pPr>
               <a:r>
-                <a:rPr b="0" i="0" lang="en-GB" sz="1800" u="none" cap="none" strike="noStrike">
+                <a:rPr lang="en-GB" sz="1800" b="0" i="0" u="none" strike="noStrike" cap="none">
                   <a:solidFill>
                     <a:schemeClr val="dk1"/>
                   </a:solidFill>
@@ -8255,7 +8696,7 @@
                 </a:rPr>
                 <a:t>Displays the first ten lines of a file</a:t>
               </a:r>
-              <a:endParaRPr b="0" i="0" sz="1400" u="none" cap="none" strike="noStrike">
+              <a:endParaRPr sz="1400" b="0" i="0" u="none" strike="noStrike" cap="none">
                 <a:solidFill>
                   <a:srgbClr val="000000"/>
                 </a:solidFill>
@@ -8287,12 +8728,12 @@
             </a:ln>
           </p:spPr>
           <p:txBody>
-            <a:bodyPr anchorCtr="0" anchor="t" bIns="45700" lIns="91425" spcFirstLastPara="1" rIns="91425" wrap="square" tIns="45700">
+            <a:bodyPr spcFirstLastPara="1" wrap="square" lIns="91425" tIns="45700" rIns="91425" bIns="45700" anchor="t" anchorCtr="0">
               <a:noAutofit/>
             </a:bodyPr>
             <a:lstStyle/>
             <a:p>
-              <a:pPr indent="0" lvl="0" marL="0" marR="0" rtl="0" algn="l">
+              <a:pPr marL="0" marR="0" lvl="0" indent="0" algn="l" rtl="0">
                 <a:lnSpc>
                   <a:spcPct val="100000"/>
                 </a:lnSpc>
@@ -8310,7 +8751,7 @@
                 <a:buNone/>
               </a:pPr>
               <a:r>
-                <a:rPr b="1" i="0" lang="en-GB" sz="1800" u="none" cap="none" strike="noStrike">
+                <a:rPr lang="en-GB" sz="1800" b="1" i="0" u="none" strike="noStrike" cap="none">
                   <a:solidFill>
                     <a:schemeClr val="dk1"/>
                   </a:solidFill>
@@ -8321,7 +8762,7 @@
                 </a:rPr>
                 <a:t>head</a:t>
               </a:r>
-              <a:endParaRPr b="0" i="0" sz="1400" u="none" cap="none" strike="noStrike">
+              <a:endParaRPr sz="1400" b="0" i="0" u="none" strike="noStrike" cap="none">
                 <a:solidFill>
                   <a:srgbClr val="000000"/>
                 </a:solidFill>
@@ -8353,12 +8794,12 @@
             </a:ln>
           </p:spPr>
           <p:txBody>
-            <a:bodyPr anchorCtr="0" anchor="t" bIns="45700" lIns="91425" spcFirstLastPara="1" rIns="91425" wrap="square" tIns="45700">
+            <a:bodyPr spcFirstLastPara="1" wrap="square" lIns="91425" tIns="45700" rIns="91425" bIns="45700" anchor="t" anchorCtr="0">
               <a:noAutofit/>
             </a:bodyPr>
             <a:lstStyle/>
             <a:p>
-              <a:pPr indent="0" lvl="0" marL="0" marR="0" rtl="0" algn="l">
+              <a:pPr marL="0" marR="0" lvl="0" indent="0" algn="l" rtl="0">
                 <a:lnSpc>
                   <a:spcPct val="100000"/>
                 </a:lnSpc>
@@ -8376,7 +8817,7 @@
                 <a:buNone/>
               </a:pPr>
               <a:r>
-                <a:rPr b="0" i="0" lang="en-GB" sz="1800" u="none" cap="none" strike="noStrike">
+                <a:rPr lang="en-GB" sz="1800" b="0" i="0" u="none" strike="noStrike" cap="none">
                   <a:solidFill>
                     <a:schemeClr val="dk1"/>
                   </a:solidFill>
@@ -8387,7 +8828,7 @@
                 </a:rPr>
                 <a:t>Displays the contents of a file</a:t>
               </a:r>
-              <a:endParaRPr b="0" i="0" sz="1400" u="none" cap="none" strike="noStrike">
+              <a:endParaRPr sz="1400" b="0" i="0" u="none" strike="noStrike" cap="none">
                 <a:solidFill>
                   <a:srgbClr val="000000"/>
                 </a:solidFill>
@@ -8419,12 +8860,12 @@
             </a:ln>
           </p:spPr>
           <p:txBody>
-            <a:bodyPr anchorCtr="0" anchor="t" bIns="45700" lIns="91425" spcFirstLastPara="1" rIns="91425" wrap="square" tIns="45700">
+            <a:bodyPr spcFirstLastPara="1" wrap="square" lIns="91425" tIns="45700" rIns="91425" bIns="45700" anchor="t" anchorCtr="0">
               <a:noAutofit/>
             </a:bodyPr>
             <a:lstStyle/>
             <a:p>
-              <a:pPr indent="0" lvl="0" marL="0" marR="0" rtl="0" algn="l">
+              <a:pPr marL="0" marR="0" lvl="0" indent="0" algn="l" rtl="0">
                 <a:lnSpc>
                   <a:spcPct val="100000"/>
                 </a:lnSpc>
@@ -8442,7 +8883,7 @@
                 <a:buNone/>
               </a:pPr>
               <a:r>
-                <a:rPr b="1" i="0" lang="en-GB" sz="1800" u="none" cap="none" strike="noStrike">
+                <a:rPr lang="en-GB" sz="1800" b="1" i="0" u="none" strike="noStrike" cap="none">
                   <a:solidFill>
                     <a:schemeClr val="dk1"/>
                   </a:solidFill>
@@ -8453,7 +8894,7 @@
                 </a:rPr>
                 <a:t>less</a:t>
               </a:r>
-              <a:endParaRPr b="0" i="0" sz="1400" u="none" cap="none" strike="noStrike">
+              <a:endParaRPr sz="1400" b="0" i="0" u="none" strike="noStrike" cap="none">
                 <a:solidFill>
                   <a:srgbClr val="000000"/>
                 </a:solidFill>
@@ -8485,12 +8926,12 @@
             </a:ln>
           </p:spPr>
           <p:txBody>
-            <a:bodyPr anchorCtr="0" anchor="t" bIns="45700" lIns="91425" spcFirstLastPara="1" rIns="91425" wrap="square" tIns="45700">
+            <a:bodyPr spcFirstLastPara="1" wrap="square" lIns="91425" tIns="45700" rIns="91425" bIns="45700" anchor="t" anchorCtr="0">
               <a:noAutofit/>
             </a:bodyPr>
             <a:lstStyle/>
             <a:p>
-              <a:pPr indent="0" lvl="0" marL="0" marR="0" rtl="0" algn="l">
+              <a:pPr marL="0" marR="0" lvl="0" indent="0" algn="l" rtl="0">
                 <a:lnSpc>
                   <a:spcPct val="100000"/>
                 </a:lnSpc>
@@ -8508,7 +8949,7 @@
                 <a:buNone/>
               </a:pPr>
               <a:r>
-                <a:rPr b="0" i="0" lang="en-GB" sz="1800" u="none" cap="none" strike="noStrike">
+                <a:rPr lang="en-GB" sz="1800" b="0" i="0" u="none" strike="noStrike" cap="none">
                   <a:solidFill>
                     <a:schemeClr val="dk1"/>
                   </a:solidFill>
@@ -8519,7 +8960,7 @@
                 </a:rPr>
                 <a:t>Remove a file</a:t>
               </a:r>
-              <a:endParaRPr b="0" i="0" sz="1400" u="none" cap="none" strike="noStrike">
+              <a:endParaRPr sz="1400" b="0" i="0" u="none" strike="noStrike" cap="none">
                 <a:solidFill>
                   <a:srgbClr val="000000"/>
                 </a:solidFill>
@@ -8551,12 +8992,12 @@
             </a:ln>
           </p:spPr>
           <p:txBody>
-            <a:bodyPr anchorCtr="0" anchor="t" bIns="45700" lIns="91425" spcFirstLastPara="1" rIns="91425" wrap="square" tIns="45700">
+            <a:bodyPr spcFirstLastPara="1" wrap="square" lIns="91425" tIns="45700" rIns="91425" bIns="45700" anchor="t" anchorCtr="0">
               <a:noAutofit/>
             </a:bodyPr>
             <a:lstStyle/>
             <a:p>
-              <a:pPr indent="0" lvl="0" marL="0" marR="0" rtl="0" algn="l">
+              <a:pPr marL="0" marR="0" lvl="0" indent="0" algn="l" rtl="0">
                 <a:lnSpc>
                   <a:spcPct val="100000"/>
                 </a:lnSpc>
@@ -8574,7 +9015,7 @@
                 <a:buNone/>
               </a:pPr>
               <a:r>
-                <a:rPr b="1" i="0" lang="en-GB" sz="1800" u="none" cap="none" strike="noStrike">
+                <a:rPr lang="en-GB" sz="1800" b="1" i="0" u="none" strike="noStrike" cap="none">
                   <a:solidFill>
                     <a:schemeClr val="dk1"/>
                   </a:solidFill>
@@ -8585,7 +9026,7 @@
                 </a:rPr>
                 <a:t>rm</a:t>
               </a:r>
-              <a:endParaRPr b="0" i="0" sz="1400" u="none" cap="none" strike="noStrike">
+              <a:endParaRPr sz="1400" b="0" i="0" u="none" strike="noStrike" cap="none">
                 <a:solidFill>
                   <a:srgbClr val="000000"/>
                 </a:solidFill>
@@ -8617,12 +9058,12 @@
             </a:ln>
           </p:spPr>
           <p:txBody>
-            <a:bodyPr anchorCtr="0" anchor="t" bIns="45700" lIns="91425" spcFirstLastPara="1" rIns="91425" wrap="square" tIns="45700">
+            <a:bodyPr spcFirstLastPara="1" wrap="square" lIns="91425" tIns="45700" rIns="91425" bIns="45700" anchor="t" anchorCtr="0">
               <a:noAutofit/>
             </a:bodyPr>
             <a:lstStyle/>
             <a:p>
-              <a:pPr indent="0" lvl="0" marL="0" marR="0" rtl="0" algn="l">
+              <a:pPr marL="0" marR="0" lvl="0" indent="0" algn="l" rtl="0">
                 <a:lnSpc>
                   <a:spcPct val="100000"/>
                 </a:lnSpc>
@@ -8640,7 +9081,7 @@
                 <a:buNone/>
               </a:pPr>
               <a:r>
-                <a:rPr b="0" i="0" lang="en-GB" sz="1800" u="none" cap="none" strike="noStrike">
+                <a:rPr lang="en-GB" sz="1800" b="0" i="0" u="none" strike="noStrike" cap="none">
                   <a:solidFill>
                     <a:schemeClr val="dk1"/>
                   </a:solidFill>
@@ -8651,7 +9092,7 @@
                 </a:rPr>
                 <a:t>Copies a file</a:t>
               </a:r>
-              <a:endParaRPr b="0" i="0" sz="1400" u="none" cap="none" strike="noStrike">
+              <a:endParaRPr sz="1400" b="0" i="0" u="none" strike="noStrike" cap="none">
                 <a:solidFill>
                   <a:srgbClr val="000000"/>
                 </a:solidFill>
@@ -8683,12 +9124,12 @@
             </a:ln>
           </p:spPr>
           <p:txBody>
-            <a:bodyPr anchorCtr="0" anchor="t" bIns="45700" lIns="91425" spcFirstLastPara="1" rIns="91425" wrap="square" tIns="45700">
+            <a:bodyPr spcFirstLastPara="1" wrap="square" lIns="91425" tIns="45700" rIns="91425" bIns="45700" anchor="t" anchorCtr="0">
               <a:noAutofit/>
             </a:bodyPr>
             <a:lstStyle/>
             <a:p>
-              <a:pPr indent="0" lvl="0" marL="0" marR="0" rtl="0" algn="l">
+              <a:pPr marL="0" marR="0" lvl="0" indent="0" algn="l" rtl="0">
                 <a:lnSpc>
                   <a:spcPct val="100000"/>
                 </a:lnSpc>
@@ -8706,7 +9147,7 @@
                 <a:buNone/>
               </a:pPr>
               <a:r>
-                <a:rPr b="1" i="0" lang="en-GB" sz="1800" u="none" cap="none" strike="noStrike">
+                <a:rPr lang="en-GB" sz="1800" b="1" i="0" u="none" strike="noStrike" cap="none">
                   <a:solidFill>
                     <a:schemeClr val="dk1"/>
                   </a:solidFill>
@@ -8717,7 +9158,7 @@
                 </a:rPr>
                 <a:t>cp</a:t>
               </a:r>
-              <a:endParaRPr b="0" i="0" sz="1400" u="none" cap="none" strike="noStrike">
+              <a:endParaRPr sz="1400" b="0" i="0" u="none" strike="noStrike" cap="none">
                 <a:solidFill>
                   <a:srgbClr val="000000"/>
                 </a:solidFill>
@@ -8749,12 +9190,12 @@
             </a:ln>
           </p:spPr>
           <p:txBody>
-            <a:bodyPr anchorCtr="0" anchor="t" bIns="45700" lIns="91425" spcFirstLastPara="1" rIns="91425" wrap="square" tIns="45700">
+            <a:bodyPr spcFirstLastPara="1" wrap="square" lIns="91425" tIns="45700" rIns="91425" bIns="45700" anchor="t" anchorCtr="0">
               <a:noAutofit/>
             </a:bodyPr>
             <a:lstStyle/>
             <a:p>
-              <a:pPr indent="0" lvl="0" marL="0" marR="0" rtl="0" algn="l">
+              <a:pPr marL="0" marR="0" lvl="0" indent="0" algn="l" rtl="0">
                 <a:lnSpc>
                   <a:spcPct val="100000"/>
                 </a:lnSpc>
@@ -8772,7 +9213,7 @@
                 <a:buNone/>
               </a:pPr>
               <a:r>
-                <a:rPr b="0" i="0" lang="en-GB" sz="1800" u="none" cap="none" strike="noStrike">
+                <a:rPr lang="en-GB" sz="1800" b="0" i="0" u="none" strike="noStrike" cap="none">
                   <a:solidFill>
                     <a:schemeClr val="dk1"/>
                   </a:solidFill>
@@ -8783,7 +9224,7 @@
                 </a:rPr>
                 <a:t>Moves a file</a:t>
               </a:r>
-              <a:endParaRPr b="0" i="0" sz="1400" u="none" cap="none" strike="noStrike">
+              <a:endParaRPr sz="1400" b="0" i="0" u="none" strike="noStrike" cap="none">
                 <a:solidFill>
                   <a:srgbClr val="000000"/>
                 </a:solidFill>
@@ -8815,12 +9256,12 @@
             </a:ln>
           </p:spPr>
           <p:txBody>
-            <a:bodyPr anchorCtr="0" anchor="t" bIns="45700" lIns="91425" spcFirstLastPara="1" rIns="91425" wrap="square" tIns="45700">
+            <a:bodyPr spcFirstLastPara="1" wrap="square" lIns="91425" tIns="45700" rIns="91425" bIns="45700" anchor="t" anchorCtr="0">
               <a:noAutofit/>
             </a:bodyPr>
             <a:lstStyle/>
             <a:p>
-              <a:pPr indent="0" lvl="0" marL="0" marR="0" rtl="0" algn="l">
+              <a:pPr marL="0" marR="0" lvl="0" indent="0" algn="l" rtl="0">
                 <a:lnSpc>
                   <a:spcPct val="100000"/>
                 </a:lnSpc>
@@ -8838,7 +9279,7 @@
                 <a:buNone/>
               </a:pPr>
               <a:r>
-                <a:rPr b="1" i="0" lang="en-GB" sz="1800" u="none" cap="none" strike="noStrike">
+                <a:rPr lang="en-GB" sz="1800" b="1" i="0" u="none" strike="noStrike" cap="none">
                   <a:solidFill>
                     <a:schemeClr val="dk1"/>
                   </a:solidFill>
@@ -8849,7 +9290,7 @@
                 </a:rPr>
                 <a:t>mv</a:t>
               </a:r>
-              <a:endParaRPr b="0" i="0" sz="1400" u="none" cap="none" strike="noStrike">
+              <a:endParaRPr sz="1400" b="0" i="0" u="none" strike="noStrike" cap="none">
                 <a:solidFill>
                   <a:srgbClr val="000000"/>
                 </a:solidFill>
@@ -8881,12 +9322,12 @@
             </a:ln>
           </p:spPr>
           <p:txBody>
-            <a:bodyPr anchorCtr="0" anchor="t" bIns="45700" lIns="91425" spcFirstLastPara="1" rIns="91425" wrap="square" tIns="45700">
+            <a:bodyPr spcFirstLastPara="1" wrap="square" lIns="91425" tIns="45700" rIns="91425" bIns="45700" anchor="t" anchorCtr="0">
               <a:noAutofit/>
             </a:bodyPr>
             <a:lstStyle/>
             <a:p>
-              <a:pPr indent="0" lvl="0" marL="0" marR="0" rtl="0" algn="l">
+              <a:pPr marL="0" marR="0" lvl="0" indent="0" algn="l" rtl="0">
                 <a:lnSpc>
                   <a:spcPct val="100000"/>
                 </a:lnSpc>
@@ -8904,7 +9345,7 @@
                 <a:buNone/>
               </a:pPr>
               <a:r>
-                <a:rPr b="0" i="0" lang="en-GB" sz="1800" u="none" cap="none" strike="noStrike">
+                <a:rPr lang="en-GB" sz="1800" b="0" i="0" u="none" strike="noStrike" cap="none">
                   <a:solidFill>
                     <a:schemeClr val="dk1"/>
                   </a:solidFill>
@@ -8915,7 +9356,7 @@
                 </a:rPr>
                 <a:t>Changes a directory</a:t>
               </a:r>
-              <a:endParaRPr b="0" i="0" sz="1400" u="none" cap="none" strike="noStrike">
+              <a:endParaRPr sz="1400" b="0" i="0" u="none" strike="noStrike" cap="none">
                 <a:solidFill>
                   <a:srgbClr val="000000"/>
                 </a:solidFill>
@@ -8947,12 +9388,12 @@
             </a:ln>
           </p:spPr>
           <p:txBody>
-            <a:bodyPr anchorCtr="0" anchor="t" bIns="45700" lIns="91425" spcFirstLastPara="1" rIns="91425" wrap="square" tIns="45700">
+            <a:bodyPr spcFirstLastPara="1" wrap="square" lIns="91425" tIns="45700" rIns="91425" bIns="45700" anchor="t" anchorCtr="0">
               <a:noAutofit/>
             </a:bodyPr>
             <a:lstStyle/>
             <a:p>
-              <a:pPr indent="0" lvl="0" marL="0" marR="0" rtl="0" algn="l">
+              <a:pPr marL="0" marR="0" lvl="0" indent="0" algn="l" rtl="0">
                 <a:lnSpc>
                   <a:spcPct val="100000"/>
                 </a:lnSpc>
@@ -8970,7 +9411,7 @@
                 <a:buNone/>
               </a:pPr>
               <a:r>
-                <a:rPr b="1" i="0" lang="en-GB" sz="1800" u="none" cap="none" strike="noStrike">
+                <a:rPr lang="en-GB" sz="1800" b="1" i="0" u="none" strike="noStrike" cap="none">
                   <a:solidFill>
                     <a:schemeClr val="dk1"/>
                   </a:solidFill>
@@ -8981,7 +9422,7 @@
                 </a:rPr>
                 <a:t>cd</a:t>
               </a:r>
-              <a:endParaRPr b="0" i="0" sz="1400" u="none" cap="none" strike="noStrike">
+              <a:endParaRPr sz="1400" b="0" i="0" u="none" strike="noStrike" cap="none">
                 <a:solidFill>
                   <a:srgbClr val="000000"/>
                 </a:solidFill>
@@ -9013,12 +9454,12 @@
             </a:ln>
           </p:spPr>
           <p:txBody>
-            <a:bodyPr anchorCtr="0" anchor="t" bIns="45700" lIns="91425" spcFirstLastPara="1" rIns="91425" wrap="square" tIns="45700">
+            <a:bodyPr spcFirstLastPara="1" wrap="square" lIns="91425" tIns="45700" rIns="91425" bIns="45700" anchor="t" anchorCtr="0">
               <a:noAutofit/>
             </a:bodyPr>
             <a:lstStyle/>
             <a:p>
-              <a:pPr indent="0" lvl="0" marL="0" marR="0" rtl="0" algn="l">
+              <a:pPr marL="0" marR="0" lvl="0" indent="0" algn="l" rtl="0">
                 <a:lnSpc>
                   <a:spcPct val="100000"/>
                 </a:lnSpc>
@@ -9036,7 +9477,7 @@
                 <a:buNone/>
               </a:pPr>
               <a:r>
-                <a:rPr b="0" i="0" lang="en-GB" sz="1800" u="none" cap="none" strike="noStrike">
+                <a:rPr lang="en-GB" sz="1800" b="0" i="0" u="none" strike="noStrike" cap="none">
                   <a:solidFill>
                     <a:schemeClr val="dk1"/>
                   </a:solidFill>
@@ -9047,7 +9488,7 @@
                 </a:rPr>
                 <a:t>List the contents of the current directory</a:t>
               </a:r>
-              <a:endParaRPr b="0" i="0" sz="1400" u="none" cap="none" strike="noStrike">
+              <a:endParaRPr sz="1400" b="0" i="0" u="none" strike="noStrike" cap="none">
                 <a:solidFill>
                   <a:srgbClr val="000000"/>
                 </a:solidFill>
@@ -9079,12 +9520,12 @@
             </a:ln>
           </p:spPr>
           <p:txBody>
-            <a:bodyPr anchorCtr="0" anchor="t" bIns="45700" lIns="91425" spcFirstLastPara="1" rIns="91425" wrap="square" tIns="45700">
+            <a:bodyPr spcFirstLastPara="1" wrap="square" lIns="91425" tIns="45700" rIns="91425" bIns="45700" anchor="t" anchorCtr="0">
               <a:noAutofit/>
             </a:bodyPr>
             <a:lstStyle/>
             <a:p>
-              <a:pPr indent="0" lvl="0" marL="0" marR="0" rtl="0" algn="l">
+              <a:pPr marL="0" marR="0" lvl="0" indent="0" algn="l" rtl="0">
                 <a:lnSpc>
                   <a:spcPct val="100000"/>
                 </a:lnSpc>
@@ -9102,7 +9543,7 @@
                 <a:buNone/>
               </a:pPr>
               <a:r>
-                <a:rPr b="1" i="0" lang="en-GB" sz="1800" u="none" cap="none" strike="noStrike">
+                <a:rPr lang="en-GB" sz="1800" b="1" i="0" u="none" strike="noStrike" cap="none">
                   <a:solidFill>
                     <a:schemeClr val="dk1"/>
                   </a:solidFill>
@@ -9113,7 +9554,7 @@
                 </a:rPr>
                 <a:t>ls</a:t>
               </a:r>
-              <a:endParaRPr b="0" i="0" sz="1400" u="none" cap="none" strike="noStrike">
+              <a:endParaRPr sz="1400" b="0" i="0" u="none" strike="noStrike" cap="none">
                 <a:solidFill>
                   <a:srgbClr val="000000"/>
                 </a:solidFill>
@@ -9145,12 +9586,12 @@
             </a:ln>
           </p:spPr>
           <p:txBody>
-            <a:bodyPr anchorCtr="0" anchor="t" bIns="45700" lIns="91425" spcFirstLastPara="1" rIns="91425" wrap="square" tIns="45700">
+            <a:bodyPr spcFirstLastPara="1" wrap="square" lIns="91425" tIns="45700" rIns="91425" bIns="45700" anchor="t" anchorCtr="0">
               <a:noAutofit/>
             </a:bodyPr>
             <a:lstStyle/>
             <a:p>
-              <a:pPr indent="0" lvl="0" marL="0" marR="0" rtl="0" algn="l">
+              <a:pPr marL="0" marR="0" lvl="0" indent="0" algn="l" rtl="0">
                 <a:lnSpc>
                   <a:spcPct val="100000"/>
                 </a:lnSpc>
@@ -9168,7 +9609,7 @@
                 <a:buNone/>
               </a:pPr>
               <a:r>
-                <a:rPr b="1" i="0" lang="en-GB" sz="1800" u="none" cap="none" strike="noStrike">
+                <a:rPr lang="en-GB" sz="1800" b="1" i="0" u="none" strike="noStrike" cap="none">
                   <a:solidFill>
                     <a:schemeClr val="dk1"/>
                   </a:solidFill>
@@ -9179,7 +9620,7 @@
                 </a:rPr>
                 <a:t>What it does</a:t>
               </a:r>
-              <a:endParaRPr b="0" i="0" sz="1400" u="none" cap="none" strike="noStrike">
+              <a:endParaRPr sz="1400" b="0" i="0" u="none" strike="noStrike" cap="none">
                 <a:solidFill>
                   <a:srgbClr val="000000"/>
                 </a:solidFill>
@@ -9211,12 +9652,12 @@
             </a:ln>
           </p:spPr>
           <p:txBody>
-            <a:bodyPr anchorCtr="0" anchor="t" bIns="45700" lIns="91425" spcFirstLastPara="1" rIns="91425" wrap="square" tIns="45700">
+            <a:bodyPr spcFirstLastPara="1" wrap="square" lIns="91425" tIns="45700" rIns="91425" bIns="45700" anchor="t" anchorCtr="0">
               <a:noAutofit/>
             </a:bodyPr>
             <a:lstStyle/>
             <a:p>
-              <a:pPr indent="0" lvl="0" marL="0" marR="0" rtl="0" algn="l">
+              <a:pPr marL="0" marR="0" lvl="0" indent="0" algn="l" rtl="0">
                 <a:lnSpc>
                   <a:spcPct val="100000"/>
                 </a:lnSpc>
@@ -9234,7 +9675,7 @@
                 <a:buNone/>
               </a:pPr>
               <a:r>
-                <a:rPr b="1" i="0" lang="en-GB" sz="1800" u="none" cap="none" strike="noStrike">
+                <a:rPr lang="en-GB" sz="1800" b="1" i="0" u="none" strike="noStrike" cap="none">
                   <a:solidFill>
                     <a:schemeClr val="dk1"/>
                   </a:solidFill>
@@ -9245,7 +9686,7 @@
                 </a:rPr>
                 <a:t>Command</a:t>
               </a:r>
-              <a:endParaRPr b="1" i="0" sz="1800" u="none" cap="none" strike="noStrike">
+              <a:endParaRPr sz="1800" b="1" i="0" u="none" strike="noStrike" cap="none">
                 <a:solidFill>
                   <a:schemeClr val="dk1"/>
                 </a:solidFill>
@@ -9272,14 +9713,14 @@
               <a:avLst/>
             </a:prstGeom>
             <a:noFill/>
-            <a:ln cap="flat" cmpd="sng" w="12700">
+            <a:ln w="12700" cap="flat" cmpd="sng">
               <a:solidFill>
                 <a:schemeClr val="dk1"/>
               </a:solidFill>
               <a:prstDash val="solid"/>
               <a:round/>
-              <a:headEnd len="sm" w="sm" type="none"/>
-              <a:tailEnd len="sm" w="sm" type="none"/>
+              <a:headEnd type="none" w="sm" len="sm"/>
+              <a:tailEnd type="none" w="sm" len="sm"/>
             </a:ln>
           </p:spPr>
         </p:cxnSp>
@@ -9298,14 +9739,14 @@
               <a:avLst/>
             </a:prstGeom>
             <a:noFill/>
-            <a:ln cap="flat" cmpd="sng" w="12700">
+            <a:ln w="12700" cap="flat" cmpd="sng">
               <a:solidFill>
                 <a:schemeClr val="dk1"/>
               </a:solidFill>
               <a:prstDash val="solid"/>
               <a:round/>
-              <a:headEnd len="sm" w="sm" type="none"/>
-              <a:tailEnd len="sm" w="sm" type="none"/>
+              <a:headEnd type="none" w="sm" len="sm"/>
+              <a:tailEnd type="none" w="sm" len="sm"/>
             </a:ln>
           </p:spPr>
         </p:cxnSp>
@@ -9330,12 +9771,12 @@
           </a:ln>
         </p:spPr>
         <p:txBody>
-          <a:bodyPr anchorCtr="0" anchor="t" bIns="45700" lIns="91425" spcFirstLastPara="1" rIns="91425" wrap="square" tIns="45700">
+          <a:bodyPr spcFirstLastPara="1" wrap="square" lIns="91425" tIns="45700" rIns="91425" bIns="45700" anchor="t" anchorCtr="0">
             <a:noAutofit/>
           </a:bodyPr>
           <a:lstStyle/>
           <a:p>
-            <a:pPr indent="0" lvl="0" marL="0" marR="0" rtl="0" algn="l">
+            <a:pPr marL="0" marR="0" lvl="0" indent="0" algn="l" rtl="0">
               <a:lnSpc>
                 <a:spcPct val="100000"/>
               </a:lnSpc>
@@ -9353,7 +9794,7 @@
               <a:buNone/>
             </a:pPr>
             <a:r>
-              <a:rPr b="1" i="0" lang="en-GB" sz="1800" u="none" cap="none" strike="noStrike">
+              <a:rPr lang="en-GB" sz="1800" b="1" i="0" u="none" strike="noStrike" cap="none">
                 <a:solidFill>
                   <a:schemeClr val="dk1"/>
                 </a:solidFill>
@@ -9364,7 +9805,7 @@
               </a:rPr>
               <a:t>mkdir</a:t>
             </a:r>
-            <a:endParaRPr b="1" i="0" sz="1800" u="none" cap="none" strike="noStrike">
+            <a:endParaRPr sz="1800" b="1" i="0" u="none" strike="noStrike" cap="none">
               <a:solidFill>
                 <a:schemeClr val="dk1"/>
               </a:solidFill>
@@ -9396,12 +9837,12 @@
           </a:ln>
         </p:spPr>
         <p:txBody>
-          <a:bodyPr anchorCtr="0" anchor="t" bIns="45700" lIns="91425" spcFirstLastPara="1" rIns="91425" wrap="square" tIns="45700">
+          <a:bodyPr spcFirstLastPara="1" wrap="square" lIns="91425" tIns="45700" rIns="91425" bIns="45700" anchor="t" anchorCtr="0">
             <a:noAutofit/>
           </a:bodyPr>
           <a:lstStyle/>
           <a:p>
-            <a:pPr indent="0" lvl="0" marL="0" marR="0" rtl="0" algn="l">
+            <a:pPr marL="0" marR="0" lvl="0" indent="0" algn="l" rtl="0">
               <a:lnSpc>
                 <a:spcPct val="100000"/>
               </a:lnSpc>
@@ -9419,7 +9860,7 @@
               <a:buNone/>
             </a:pPr>
             <a:r>
-              <a:rPr b="0" i="0" lang="en-GB" sz="1800" u="none" cap="none" strike="noStrike">
+              <a:rPr lang="en-GB" sz="1800" b="0" i="0" u="none" strike="noStrike" cap="none">
                 <a:solidFill>
                   <a:schemeClr val="dk1"/>
                 </a:solidFill>
@@ -9430,7 +9871,7 @@
               </a:rPr>
               <a:t>Make a new directory</a:t>
             </a:r>
-            <a:endParaRPr b="0" i="0" sz="1800" u="none" cap="none" strike="noStrike">
+            <a:endParaRPr sz="1800" b="0" i="0" u="none" strike="noStrike" cap="none">
               <a:solidFill>
                 <a:schemeClr val="dk1"/>
               </a:solidFill>
@@ -9451,11 +9892,11 @@
 </file>
 
 <file path=ppt/slides/slide6.xml><?xml version="1.0" encoding="utf-8"?>
-<p:sld xmlns:a="http://schemas.openxmlformats.org/drawingml/2006/main" xmlns:r="http://schemas.openxmlformats.org/officeDocument/2006/relationships" xmlns:mc="http://schemas.openxmlformats.org/markup-compatibility/2006" xmlns:mv="urn:schemas-microsoft-com:mac:vml" xmlns:p="http://schemas.openxmlformats.org/presentationml/2006/main" xmlns:c="http://schemas.openxmlformats.org/drawingml/2006/chart" xmlns:dgm="http://schemas.openxmlformats.org/drawingml/2006/diagram" xmlns:o="urn:schemas-microsoft-com:office:office" xmlns:v="urn:schemas-microsoft-com:vml" xmlns:pvml="urn:schemas-microsoft-com:office:powerpoint" xmlns:com="http://schemas.openxmlformats.org/drawingml/2006/compatibility" xmlns:p14="http://schemas.microsoft.com/office/powerpoint/2010/main" xmlns:p15="http://schemas.microsoft.com/office/powerpoint/2012/main" xmlns:ahyp="http://schemas.microsoft.com/office/drawing/2018/hyperlinkcolor">
+<p:sld xmlns:a="http://schemas.openxmlformats.org/drawingml/2006/main" xmlns:r="http://schemas.openxmlformats.org/officeDocument/2006/relationships" xmlns:p="http://schemas.openxmlformats.org/presentationml/2006/main">
   <p:cSld>
     <p:spTree>
       <p:nvGrpSpPr>
-        <p:cNvPr id="100" name="Shape 100"/>
+        <p:cNvPr id="1" name="Shape 100"/>
         <p:cNvGrpSpPr/>
         <p:nvPr/>
       </p:nvGrpSpPr>
@@ -9470,7 +9911,9 @@
       <p:sp>
         <p:nvSpPr>
           <p:cNvPr id="101" name="Google Shape;101;p9"/>
-          <p:cNvSpPr txBox="1"/>
+          <p:cNvSpPr txBox="1">
+            <a:spLocks noGrp="1"/>
+          </p:cNvSpPr>
           <p:nvPr>
             <p:ph type="title"/>
           </p:nvPr>
@@ -9491,12 +9934,12 @@
           </a:ln>
         </p:spPr>
         <p:txBody>
-          <a:bodyPr anchorCtr="0" anchor="ctr" bIns="45700" lIns="91425" spcFirstLastPara="1" rIns="91425" wrap="square" tIns="45700">
+          <a:bodyPr spcFirstLastPara="1" wrap="square" lIns="91425" tIns="45700" rIns="91425" bIns="45700" anchor="ctr" anchorCtr="0">
             <a:noAutofit/>
           </a:bodyPr>
           <a:lstStyle/>
           <a:p>
-            <a:pPr indent="0" lvl="0" marL="0" marR="0" rtl="0" algn="l">
+            <a:pPr marL="0" marR="0" lvl="0" indent="0" algn="l" rtl="0">
               <a:lnSpc>
                 <a:spcPct val="100000"/>
               </a:lnSpc>
@@ -9510,7 +9953,7 @@
               <a:buNone/>
             </a:pPr>
             <a:r>
-              <a:rPr b="1" i="0" lang="en-GB" sz="2800" u="none" cap="none" strike="noStrike">
+              <a:rPr lang="en-GB" sz="2800" b="1" i="0" u="none" strike="noStrike" cap="none">
                 <a:solidFill>
                   <a:schemeClr val="lt1"/>
                 </a:solidFill>
@@ -9522,7 +9965,7 @@
               <a:t>ls </a:t>
             </a:r>
             <a:r>
-              <a:rPr b="1" i="0" lang="en-GB" sz="2800" u="none" cap="none" strike="noStrike">
+              <a:rPr lang="en-GB" sz="2800" b="1" i="0" u="none" strike="noStrike" cap="none">
                 <a:solidFill>
                   <a:schemeClr val="lt1"/>
                 </a:solidFill>
@@ -9533,7 +9976,7 @@
               </a:rPr>
               <a:t>command</a:t>
             </a:r>
-            <a:endParaRPr b="1" i="0" sz="2800" u="none" cap="none" strike="noStrike">
+            <a:endParaRPr sz="2800" b="1" i="0" u="none" strike="noStrike" cap="none">
               <a:solidFill>
                 <a:schemeClr val="lt1"/>
               </a:solidFill>
@@ -9547,7 +9990,7 @@
       </p:sp>
       <p:pic>
         <p:nvPicPr>
-          <p:cNvPr descr="Screen shot 2012-12-11 at 01.02.44.png" id="102" name="Google Shape;102;p9"/>
+          <p:cNvPr id="102" name="Google Shape;102;p9" descr="Screen shot 2012-12-11 at 01.02.44.png"/>
           <p:cNvPicPr preferRelativeResize="0"/>
           <p:nvPr/>
         </p:nvPicPr>
@@ -9555,7 +9998,7 @@
           <a:blip r:embed="rId3">
             <a:alphaModFix/>
           </a:blip>
-          <a:srcRect b="0" l="0" r="0" t="0"/>
+          <a:srcRect/>
           <a:stretch/>
         </p:blipFill>
         <p:spPr>
@@ -9581,11 +10024,11 @@
 </file>
 
 <file path=ppt/slides/slide7.xml><?xml version="1.0" encoding="utf-8"?>
-<p:sld xmlns:a="http://schemas.openxmlformats.org/drawingml/2006/main" xmlns:r="http://schemas.openxmlformats.org/officeDocument/2006/relationships" xmlns:mc="http://schemas.openxmlformats.org/markup-compatibility/2006" xmlns:mv="urn:schemas-microsoft-com:mac:vml" xmlns:p="http://schemas.openxmlformats.org/presentationml/2006/main" xmlns:c="http://schemas.openxmlformats.org/drawingml/2006/chart" xmlns:dgm="http://schemas.openxmlformats.org/drawingml/2006/diagram" xmlns:o="urn:schemas-microsoft-com:office:office" xmlns:v="urn:schemas-microsoft-com:vml" xmlns:pvml="urn:schemas-microsoft-com:office:powerpoint" xmlns:com="http://schemas.openxmlformats.org/drawingml/2006/compatibility" xmlns:p14="http://schemas.microsoft.com/office/powerpoint/2010/main" xmlns:p15="http://schemas.microsoft.com/office/powerpoint/2012/main" xmlns:ahyp="http://schemas.microsoft.com/office/drawing/2018/hyperlinkcolor">
+<p:sld xmlns:a="http://schemas.openxmlformats.org/drawingml/2006/main" xmlns:r="http://schemas.openxmlformats.org/officeDocument/2006/relationships" xmlns:p="http://schemas.openxmlformats.org/presentationml/2006/main">
   <p:cSld>
     <p:spTree>
       <p:nvGrpSpPr>
-        <p:cNvPr id="107" name="Shape 107"/>
+        <p:cNvPr id="1" name="Shape 107"/>
         <p:cNvGrpSpPr/>
         <p:nvPr/>
       </p:nvGrpSpPr>
@@ -9600,7 +10043,9 @@
       <p:sp>
         <p:nvSpPr>
           <p:cNvPr id="108" name="Google Shape;108;p10"/>
-          <p:cNvSpPr txBox="1"/>
+          <p:cNvSpPr txBox="1">
+            <a:spLocks noGrp="1"/>
+          </p:cNvSpPr>
           <p:nvPr>
             <p:ph type="title"/>
           </p:nvPr>
@@ -9621,12 +10066,12 @@
           </a:ln>
         </p:spPr>
         <p:txBody>
-          <a:bodyPr anchorCtr="0" anchor="ctr" bIns="45700" lIns="91425" spcFirstLastPara="1" rIns="91425" wrap="square" tIns="45700">
+          <a:bodyPr spcFirstLastPara="1" wrap="square" lIns="91425" tIns="45700" rIns="91425" bIns="45700" anchor="ctr" anchorCtr="0">
             <a:noAutofit/>
           </a:bodyPr>
           <a:lstStyle/>
           <a:p>
-            <a:pPr indent="0" lvl="0" marL="0" marR="0" rtl="0" algn="l">
+            <a:pPr marL="0" marR="0" lvl="0" indent="0" algn="l" rtl="0">
               <a:lnSpc>
                 <a:spcPct val="100000"/>
               </a:lnSpc>
@@ -9640,7 +10085,7 @@
               <a:buNone/>
             </a:pPr>
             <a:r>
-              <a:rPr b="1" i="0" lang="en-GB" sz="2800" u="none" cap="none" strike="noStrike">
+              <a:rPr lang="en-GB" sz="2800" b="1" i="0" u="none" strike="noStrike" cap="none">
                 <a:solidFill>
                   <a:schemeClr val="lt1"/>
                 </a:solidFill>
@@ -9652,7 +10097,7 @@
               <a:t>mkdir </a:t>
             </a:r>
             <a:r>
-              <a:rPr b="1" i="0" lang="en-GB" sz="2800" u="none" cap="none" strike="noStrike">
+              <a:rPr lang="en-GB" sz="2800" b="1" i="0" u="none" strike="noStrike" cap="none">
                 <a:solidFill>
                   <a:schemeClr val="lt1"/>
                 </a:solidFill>
@@ -9663,7 +10108,7 @@
               </a:rPr>
               <a:t>command</a:t>
             </a:r>
-            <a:endParaRPr b="1" i="0" sz="2800" u="none" cap="none" strike="noStrike">
+            <a:endParaRPr sz="2800" b="1" i="0" u="none" strike="noStrike" cap="none">
               <a:solidFill>
                 <a:schemeClr val="lt1"/>
               </a:solidFill>
@@ -9677,7 +10122,7 @@
       </p:sp>
       <p:pic>
         <p:nvPicPr>
-          <p:cNvPr descr="Screen shot 2012-12-11 at 01.07.17.png" id="109" name="Google Shape;109;p10"/>
+          <p:cNvPr id="109" name="Google Shape;109;p10" descr="Screen shot 2012-12-11 at 01.07.17.png"/>
           <p:cNvPicPr preferRelativeResize="0"/>
           <p:nvPr/>
         </p:nvPicPr>
@@ -9685,7 +10130,7 @@
           <a:blip r:embed="rId3">
             <a:alphaModFix/>
           </a:blip>
-          <a:srcRect b="0" l="0" r="0" t="0"/>
+          <a:srcRect/>
           <a:stretch/>
         </p:blipFill>
         <p:spPr>
@@ -9711,11 +10156,11 @@
 </file>
 
 <file path=ppt/slides/slide8.xml><?xml version="1.0" encoding="utf-8"?>
-<p:sld xmlns:a="http://schemas.openxmlformats.org/drawingml/2006/main" xmlns:r="http://schemas.openxmlformats.org/officeDocument/2006/relationships" xmlns:mc="http://schemas.openxmlformats.org/markup-compatibility/2006" xmlns:mv="urn:schemas-microsoft-com:mac:vml" xmlns:p="http://schemas.openxmlformats.org/presentationml/2006/main" xmlns:c="http://schemas.openxmlformats.org/drawingml/2006/chart" xmlns:dgm="http://schemas.openxmlformats.org/drawingml/2006/diagram" xmlns:o="urn:schemas-microsoft-com:office:office" xmlns:v="urn:schemas-microsoft-com:vml" xmlns:pvml="urn:schemas-microsoft-com:office:powerpoint" xmlns:com="http://schemas.openxmlformats.org/drawingml/2006/compatibility" xmlns:p14="http://schemas.microsoft.com/office/powerpoint/2010/main" xmlns:p15="http://schemas.microsoft.com/office/powerpoint/2012/main" xmlns:ahyp="http://schemas.microsoft.com/office/drawing/2018/hyperlinkcolor">
+<p:sld xmlns:a="http://schemas.openxmlformats.org/drawingml/2006/main" xmlns:r="http://schemas.openxmlformats.org/officeDocument/2006/relationships" xmlns:p="http://schemas.openxmlformats.org/presentationml/2006/main">
   <p:cSld>
     <p:spTree>
       <p:nvGrpSpPr>
-        <p:cNvPr id="114" name="Shape 114"/>
+        <p:cNvPr id="1" name="Shape 114"/>
         <p:cNvGrpSpPr/>
         <p:nvPr/>
       </p:nvGrpSpPr>
@@ -9758,7 +10203,9 @@
       <p:sp>
         <p:nvSpPr>
           <p:cNvPr id="116" name="Google Shape;116;p11"/>
-          <p:cNvSpPr txBox="1"/>
+          <p:cNvSpPr txBox="1">
+            <a:spLocks noGrp="1"/>
+          </p:cNvSpPr>
           <p:nvPr>
             <p:ph type="title"/>
           </p:nvPr>
@@ -9779,12 +10226,12 @@
           </a:ln>
         </p:spPr>
         <p:txBody>
-          <a:bodyPr anchorCtr="0" anchor="ctr" bIns="45700" lIns="91425" spcFirstLastPara="1" rIns="91425" wrap="square" tIns="45700">
+          <a:bodyPr spcFirstLastPara="1" wrap="square" lIns="91425" tIns="45700" rIns="91425" bIns="45700" anchor="ctr" anchorCtr="0">
             <a:noAutofit/>
           </a:bodyPr>
           <a:lstStyle/>
           <a:p>
-            <a:pPr indent="0" lvl="0" marL="0" marR="0" rtl="0" algn="l">
+            <a:pPr marL="0" marR="0" lvl="0" indent="0" algn="l" rtl="0">
               <a:lnSpc>
                 <a:spcPct val="100000"/>
               </a:lnSpc>
@@ -9798,7 +10245,7 @@
               <a:buNone/>
             </a:pPr>
             <a:r>
-              <a:rPr b="1" i="0" lang="en-GB" sz="2800" u="none" cap="none" strike="noStrike">
+              <a:rPr lang="en-GB" sz="2800" b="1" i="0" u="none" strike="noStrike" cap="none">
                 <a:solidFill>
                   <a:schemeClr val="lt1"/>
                 </a:solidFill>
@@ -9809,7 +10256,7 @@
               </a:rPr>
               <a:t>Directory Structure</a:t>
             </a:r>
-            <a:endParaRPr b="1" i="0" sz="2800" u="none" cap="none" strike="noStrike">
+            <a:endParaRPr sz="2800" b="1" i="0" u="none" strike="noStrike" cap="none">
               <a:solidFill>
                 <a:schemeClr val="lt1"/>
               </a:solidFill>
@@ -9841,12 +10288,12 @@
           </a:ln>
         </p:spPr>
         <p:txBody>
-          <a:bodyPr anchorCtr="0" anchor="t" bIns="45700" lIns="91425" spcFirstLastPara="1" rIns="91425" wrap="square" tIns="45700">
+          <a:bodyPr spcFirstLastPara="1" wrap="square" lIns="91425" tIns="45700" rIns="91425" bIns="45700" anchor="t" anchorCtr="0">
             <a:noAutofit/>
           </a:bodyPr>
           <a:lstStyle/>
           <a:p>
-            <a:pPr indent="0" lvl="0" marL="0" marR="0" rtl="0" algn="l">
+            <a:pPr marL="0" marR="0" lvl="0" indent="0" algn="l" rtl="0">
               <a:lnSpc>
                 <a:spcPct val="100000"/>
               </a:lnSpc>
@@ -9864,7 +10311,7 @@
               <a:buNone/>
             </a:pPr>
             <a:r>
-              <a:rPr b="1" i="0" lang="en-GB" sz="1600" u="none" cap="none" strike="noStrike">
+              <a:rPr lang="en-GB" sz="1600" b="1" i="0" u="none" strike="noStrike" cap="none">
                 <a:solidFill>
                   <a:schemeClr val="dk1"/>
                 </a:solidFill>
@@ -9876,7 +10323,7 @@
               <a:t>/home/</a:t>
             </a:r>
             <a:r>
-              <a:rPr b="1" lang="en-GB" sz="1600">
+              <a:rPr lang="en-GB" sz="1600" b="1">
                 <a:solidFill>
                   <a:schemeClr val="dk1"/>
                 </a:solidFill>
@@ -9884,7 +10331,7 @@
               <a:t>manager/course_data</a:t>
             </a:r>
             <a:r>
-              <a:rPr b="1" i="0" lang="en-GB" sz="1600" u="none" cap="none" strike="noStrike">
+              <a:rPr lang="en-GB" sz="1600" b="1" i="0" u="none" strike="noStrike" cap="none">
                 <a:solidFill>
                   <a:schemeClr val="dk1"/>
                 </a:solidFill>
@@ -9896,7 +10343,7 @@
               <a:t>/</a:t>
             </a:r>
             <a:r>
-              <a:rPr b="1" lang="en-GB" sz="1600">
+              <a:rPr lang="en-GB" sz="1600" b="1">
                 <a:solidFill>
                   <a:schemeClr val="dk1"/>
                 </a:solidFill>
@@ -9904,7 +10351,7 @@
               <a:t>u</a:t>
             </a:r>
             <a:r>
-              <a:rPr b="1" i="0" lang="en-GB" sz="1600" u="none" cap="none" strike="noStrike">
+              <a:rPr lang="en-GB" sz="1600" b="1" i="0" u="none" strike="noStrike" cap="none">
                 <a:solidFill>
                   <a:schemeClr val="dk1"/>
                 </a:solidFill>
@@ -9916,14 +10363,14 @@
               <a:t>nix/practical/</a:t>
             </a:r>
             <a:r>
-              <a:rPr b="1" lang="en-GB" sz="1600">
+              <a:rPr lang="en-GB" sz="1600" b="1">
                 <a:solidFill>
                   <a:schemeClr val="dk1"/>
                 </a:solidFill>
               </a:rPr>
               <a:t>Notebooks/index.ipynb</a:t>
             </a:r>
-            <a:endParaRPr b="1" i="0" u="none" cap="none" strike="noStrike">
+            <a:endParaRPr b="1" i="0" u="none" strike="noStrike" cap="none">
               <a:solidFill>
                 <a:srgbClr val="000000"/>
               </a:solidFill>
@@ -9950,14 +10397,14 @@
             <a:avLst/>
           </a:prstGeom>
           <a:noFill/>
-          <a:ln cap="flat" cmpd="sng" w="47625">
+          <a:ln w="47625" cap="flat" cmpd="sng">
             <a:solidFill>
               <a:srgbClr val="800000"/>
             </a:solidFill>
             <a:prstDash val="solid"/>
             <a:round/>
-            <a:headEnd len="med" w="med" type="triangle"/>
-            <a:tailEnd len="sm" w="sm" type="none"/>
+            <a:headEnd type="triangle" w="med" len="med"/>
+            <a:tailEnd type="none" w="sm" len="sm"/>
           </a:ln>
         </p:spPr>
       </p:cxnSp>
@@ -9976,14 +10423,14 @@
             <a:avLst/>
           </a:prstGeom>
           <a:noFill/>
-          <a:ln cap="flat" cmpd="sng" w="47625">
+          <a:ln w="47625" cap="flat" cmpd="sng">
             <a:solidFill>
               <a:srgbClr val="800000"/>
             </a:solidFill>
             <a:prstDash val="solid"/>
             <a:round/>
-            <a:headEnd len="med" w="med" type="triangle"/>
-            <a:tailEnd len="sm" w="sm" type="none"/>
+            <a:headEnd type="triangle" w="med" len="med"/>
+            <a:tailEnd type="none" w="sm" len="sm"/>
           </a:ln>
         </p:spPr>
       </p:cxnSp>
@@ -10007,12 +10454,12 @@
           </a:ln>
         </p:spPr>
         <p:txBody>
-          <a:bodyPr anchorCtr="0" anchor="t" bIns="45700" lIns="91425" spcFirstLastPara="1" rIns="91425" wrap="square" tIns="45700">
+          <a:bodyPr spcFirstLastPara="1" wrap="square" lIns="91425" tIns="45700" rIns="91425" bIns="45700" anchor="t" anchorCtr="0">
             <a:noAutofit/>
           </a:bodyPr>
           <a:lstStyle/>
           <a:p>
-            <a:pPr indent="0" lvl="0" marL="0" marR="0" rtl="0" algn="l">
+            <a:pPr marL="0" marR="0" lvl="0" indent="0" algn="l" rtl="0">
               <a:lnSpc>
                 <a:spcPct val="100000"/>
               </a:lnSpc>
@@ -10030,7 +10477,7 @@
               <a:buNone/>
             </a:pPr>
             <a:r>
-              <a:rPr b="1" i="0" lang="en-GB" sz="1600" u="none" cap="none" strike="noStrike">
+              <a:rPr lang="en-GB" sz="1600" b="1" i="0" u="none" strike="noStrike" cap="none">
                 <a:solidFill>
                   <a:schemeClr val="dk1"/>
                 </a:solidFill>
@@ -10041,7 +10488,7 @@
               </a:rPr>
               <a:t>root directory</a:t>
             </a:r>
-            <a:endParaRPr b="1" i="0" u="none" cap="none" strike="noStrike">
+            <a:endParaRPr b="1" i="0" u="none" strike="noStrike" cap="none">
               <a:solidFill>
                 <a:srgbClr val="000000"/>
               </a:solidFill>
@@ -10062,11 +10509,11 @@
 </file>
 
 <file path=ppt/slides/slide9.xml><?xml version="1.0" encoding="utf-8"?>
-<p:sld xmlns:a="http://schemas.openxmlformats.org/drawingml/2006/main" xmlns:r="http://schemas.openxmlformats.org/officeDocument/2006/relationships" xmlns:mc="http://schemas.openxmlformats.org/markup-compatibility/2006" xmlns:mv="urn:schemas-microsoft-com:mac:vml" xmlns:p="http://schemas.openxmlformats.org/presentationml/2006/main" xmlns:c="http://schemas.openxmlformats.org/drawingml/2006/chart" xmlns:dgm="http://schemas.openxmlformats.org/drawingml/2006/diagram" xmlns:o="urn:schemas-microsoft-com:office:office" xmlns:v="urn:schemas-microsoft-com:vml" xmlns:pvml="urn:schemas-microsoft-com:office:powerpoint" xmlns:com="http://schemas.openxmlformats.org/drawingml/2006/compatibility" xmlns:p14="http://schemas.microsoft.com/office/powerpoint/2010/main" xmlns:p15="http://schemas.microsoft.com/office/powerpoint/2012/main" xmlns:ahyp="http://schemas.microsoft.com/office/drawing/2018/hyperlinkcolor">
+<p:sld xmlns:a="http://schemas.openxmlformats.org/drawingml/2006/main" xmlns:r="http://schemas.openxmlformats.org/officeDocument/2006/relationships" xmlns:p="http://schemas.openxmlformats.org/presentationml/2006/main">
   <p:cSld>
     <p:spTree>
       <p:nvGrpSpPr>
-        <p:cNvPr id="125" name="Shape 125"/>
+        <p:cNvPr id="1" name="Shape 125"/>
         <p:cNvGrpSpPr/>
         <p:nvPr/>
       </p:nvGrpSpPr>
@@ -10081,7 +10528,9 @@
       <p:sp>
         <p:nvSpPr>
           <p:cNvPr id="126" name="Google Shape;126;p12"/>
-          <p:cNvSpPr txBox="1"/>
+          <p:cNvSpPr txBox="1">
+            <a:spLocks noGrp="1"/>
+          </p:cNvSpPr>
           <p:nvPr>
             <p:ph type="title"/>
           </p:nvPr>
@@ -10102,12 +10551,12 @@
           </a:ln>
         </p:spPr>
         <p:txBody>
-          <a:bodyPr anchorCtr="0" anchor="ctr" bIns="45700" lIns="91425" spcFirstLastPara="1" rIns="91425" wrap="square" tIns="45700">
+          <a:bodyPr spcFirstLastPara="1" wrap="square" lIns="91425" tIns="45700" rIns="91425" bIns="45700" anchor="ctr" anchorCtr="0">
             <a:noAutofit/>
           </a:bodyPr>
           <a:lstStyle/>
           <a:p>
-            <a:pPr indent="0" lvl="0" marL="0" marR="0" rtl="0" algn="l">
+            <a:pPr marL="0" marR="0" lvl="0" indent="0" algn="l" rtl="0">
               <a:lnSpc>
                 <a:spcPct val="100000"/>
               </a:lnSpc>
@@ -10121,7 +10570,7 @@
               <a:buNone/>
             </a:pPr>
             <a:r>
-              <a:rPr b="1" i="0" lang="en-GB" sz="2800" u="none" cap="none" strike="noStrike">
+              <a:rPr lang="en-GB" sz="2800" b="1" i="0" u="none" strike="noStrike" cap="none">
                 <a:solidFill>
                   <a:schemeClr val="lt1"/>
                 </a:solidFill>
@@ -10132,7 +10581,7 @@
               </a:rPr>
               <a:t>Unix Tips &amp; Tricks</a:t>
             </a:r>
-            <a:endParaRPr b="1" i="0" sz="2800" u="none" cap="none" strike="noStrike">
+            <a:endParaRPr sz="2800" b="1" i="0" u="none" strike="noStrike" cap="none">
               <a:solidFill>
                 <a:schemeClr val="lt1"/>
               </a:solidFill>
@@ -10147,9 +10596,11 @@
       <p:sp>
         <p:nvSpPr>
           <p:cNvPr id="127" name="Google Shape;127;p12"/>
-          <p:cNvSpPr txBox="1"/>
+          <p:cNvSpPr txBox="1">
+            <a:spLocks noGrp="1"/>
+          </p:cNvSpPr>
           <p:nvPr>
-            <p:ph idx="1" type="body"/>
+            <p:ph type="body" idx="1"/>
           </p:nvPr>
         </p:nvSpPr>
         <p:spPr>
@@ -10166,12 +10617,12 @@
           </a:ln>
         </p:spPr>
         <p:txBody>
-          <a:bodyPr anchorCtr="0" anchor="t" bIns="45700" lIns="91425" spcFirstLastPara="1" rIns="91425" wrap="square" tIns="45700">
+          <a:bodyPr spcFirstLastPara="1" wrap="square" lIns="91425" tIns="45700" rIns="91425" bIns="45700" anchor="t" anchorCtr="0">
             <a:noAutofit/>
           </a:bodyPr>
           <a:lstStyle/>
           <a:p>
-            <a:pPr indent="-342900" lvl="0" marL="342900" marR="0" rtl="0" algn="l">
+            <a:pPr marL="342900" marR="0" lvl="0" indent="-342900" algn="l" rtl="0">
               <a:lnSpc>
                 <a:spcPct val="80000"/>
               </a:lnSpc>
@@ -10189,7 +10640,7 @@
               <a:buChar char="▸"/>
             </a:pPr>
             <a:r>
-              <a:rPr b="0" i="0" lang="en-GB" sz="2400" u="none" cap="none" strike="noStrike">
+              <a:rPr lang="en-GB" sz="2400" b="0" i="0" u="none" strike="noStrike" cap="none">
                 <a:solidFill>
                   <a:schemeClr val="dk1"/>
                 </a:solidFill>
@@ -10203,7 +10654,7 @@
             <a:endParaRPr/>
           </a:p>
           <a:p>
-            <a:pPr indent="-450000" lvl="2" marL="901700" marR="0" rtl="0" algn="l">
+            <a:pPr marL="901700" marR="0" lvl="2" indent="-450000" algn="l" rtl="0">
               <a:lnSpc>
                 <a:spcPct val="80000"/>
               </a:lnSpc>
@@ -10221,7 +10672,7 @@
               <a:buChar char="▸"/>
             </a:pPr>
             <a:r>
-              <a:rPr b="0" i="0" lang="en-GB" sz="2000" u="none" cap="none" strike="noStrike">
+              <a:rPr lang="en-GB" sz="2000" b="0" i="0" u="none" strike="noStrike" cap="none">
                 <a:solidFill>
                   <a:schemeClr val="dk1"/>
                 </a:solidFill>
@@ -10232,7 +10683,7 @@
               </a:rPr>
               <a:t>Typing LS is NOT the same as typing ls</a:t>
             </a:r>
-            <a:endParaRPr b="0" i="0" sz="2000" u="none" cap="none" strike="noStrike">
+            <a:endParaRPr sz="2000" b="0" i="0" u="none" strike="noStrike" cap="none">
               <a:solidFill>
                 <a:schemeClr val="dk1"/>
               </a:solidFill>
@@ -10243,7 +10694,7 @@
             </a:endParaRPr>
           </a:p>
           <a:p>
-            <a:pPr indent="-203200" lvl="0" marL="342900" marR="0" rtl="0" algn="l">
+            <a:pPr marL="342900" marR="0" lvl="0" indent="-203200" algn="l" rtl="0">
               <a:lnSpc>
                 <a:spcPct val="80000"/>
               </a:lnSpc>
@@ -10260,10 +10711,7 @@
               <a:buFont typeface="Merriweather Sans"/>
               <a:buNone/>
             </a:pPr>
-            <a:r>
-              <a:t/>
-            </a:r>
-            <a:endParaRPr b="0" i="0" sz="2200" u="none" cap="none" strike="noStrike">
+            <a:endParaRPr sz="2200" b="0" i="0" u="none" strike="noStrike" cap="none">
               <a:solidFill>
                 <a:schemeClr val="dk1"/>
               </a:solidFill>
@@ -10274,7 +10722,7 @@
             </a:endParaRPr>
           </a:p>
           <a:p>
-            <a:pPr indent="-342900" lvl="0" marL="342900" marR="0" rtl="0" algn="l">
+            <a:pPr marL="342900" marR="0" lvl="0" indent="-342900" algn="l" rtl="0">
               <a:lnSpc>
                 <a:spcPct val="80000"/>
               </a:lnSpc>
@@ -10292,7 +10740,7 @@
               <a:buChar char="▸"/>
             </a:pPr>
             <a:r>
-              <a:rPr b="0" i="0" lang="en-GB" sz="2400" u="none" cap="none" strike="noStrike">
+              <a:rPr lang="en-GB" sz="2400" b="0" i="0" u="none" strike="noStrike" cap="none">
                 <a:solidFill>
                   <a:schemeClr val="dk1"/>
                 </a:solidFill>
@@ -10303,7 +10751,7 @@
               </a:rPr>
               <a:t>You need to put spaces between </a:t>
             </a:r>
-            <a:endParaRPr b="0" i="0" sz="2400" u="none" cap="none" strike="noStrike">
+            <a:endParaRPr sz="2400" b="0" i="0" u="none" strike="noStrike" cap="none">
               <a:solidFill>
                 <a:schemeClr val="dk1"/>
               </a:solidFill>
@@ -10314,7 +10762,7 @@
             </a:endParaRPr>
           </a:p>
           <a:p>
-            <a:pPr indent="-450000" lvl="2" marL="901700" marR="0" rtl="0" algn="l">
+            <a:pPr marL="901700" marR="0" lvl="2" indent="-450000" algn="l" rtl="0">
               <a:lnSpc>
                 <a:spcPct val="80000"/>
               </a:lnSpc>
@@ -10332,7 +10780,7 @@
               <a:buChar char="▸"/>
             </a:pPr>
             <a:r>
-              <a:rPr b="0" i="0" lang="en-GB" sz="2000" u="none" cap="none" strike="noStrike">
+              <a:rPr lang="en-GB" sz="2000" b="0" i="0" u="none" strike="noStrike" cap="none">
                 <a:solidFill>
                   <a:schemeClr val="dk1"/>
                 </a:solidFill>
@@ -10346,7 +10794,7 @@
             <a:endParaRPr/>
           </a:p>
           <a:p>
-            <a:pPr indent="-450000" lvl="2" marL="901700" marR="0" rtl="0" algn="l">
+            <a:pPr marL="901700" marR="0" lvl="2" indent="-450000" algn="l" rtl="0">
               <a:lnSpc>
                 <a:spcPct val="80000"/>
               </a:lnSpc>
@@ -10364,7 +10812,7 @@
               <a:buChar char="▸"/>
             </a:pPr>
             <a:r>
-              <a:rPr b="0" i="0" lang="en-GB" sz="2000" u="none" cap="none" strike="noStrike">
+              <a:rPr lang="en-GB" sz="2000" b="0" i="0" u="none" strike="noStrike" cap="none">
                 <a:solidFill>
                   <a:schemeClr val="dk1"/>
                 </a:solidFill>
@@ -10378,7 +10826,7 @@
             <a:endParaRPr/>
           </a:p>
           <a:p>
-            <a:pPr indent="0" lvl="2" marL="451700" marR="0" rtl="0" algn="l">
+            <a:pPr marL="451700" marR="0" lvl="2" indent="0" algn="l" rtl="0">
               <a:lnSpc>
                 <a:spcPct val="80000"/>
               </a:lnSpc>
@@ -10395,10 +10843,7 @@
               <a:buFont typeface="Merriweather Sans"/>
               <a:buNone/>
             </a:pPr>
-            <a:r>
-              <a:t/>
-            </a:r>
-            <a:endParaRPr b="0" i="0" sz="2000" u="none" cap="none" strike="noStrike">
+            <a:endParaRPr sz="2000" b="0" i="0" u="none" strike="noStrike" cap="none">
               <a:solidFill>
                 <a:schemeClr val="dk1"/>
               </a:solidFill>
@@ -10409,7 +10854,7 @@
             </a:endParaRPr>
           </a:p>
           <a:p>
-            <a:pPr indent="-449999" lvl="3" marL="1349375" marR="0" rtl="0" algn="l">
+            <a:pPr marL="1349375" marR="0" lvl="3" indent="-449999" algn="l" rtl="0">
               <a:lnSpc>
                 <a:spcPct val="80000"/>
               </a:lnSpc>
@@ -10427,7 +10872,7 @@
               <a:buChar char="▸"/>
             </a:pPr>
             <a:r>
-              <a:rPr b="1" i="0" lang="en-GB" sz="1800" u="none" cap="none" strike="noStrike">
+              <a:rPr lang="en-GB" sz="1800" b="1" i="0" u="none" strike="noStrike" cap="none">
                 <a:solidFill>
                   <a:schemeClr val="lt2"/>
                 </a:solidFill>
@@ -10441,7 +10886,7 @@
             <a:endParaRPr/>
           </a:p>
           <a:p>
-            <a:pPr indent="-449999" lvl="3" marL="1349375" marR="0" rtl="0" algn="l">
+            <a:pPr marL="1349375" marR="0" lvl="3" indent="-449999" algn="l" rtl="0">
               <a:lnSpc>
                 <a:spcPct val="80000"/>
               </a:lnSpc>
@@ -10459,7 +10904,7 @@
               <a:buChar char="▸"/>
             </a:pPr>
             <a:r>
-              <a:rPr b="1" i="0" lang="en-GB" sz="1800" u="none" cap="none" strike="noStrike">
+              <a:rPr lang="en-GB" sz="1800" b="1" i="0" u="none" strike="noStrike" cap="none">
                 <a:solidFill>
                   <a:schemeClr val="lt2"/>
                 </a:solidFill>
@@ -10473,7 +10918,7 @@
             <a:endParaRPr/>
           </a:p>
           <a:p>
-            <a:pPr indent="-190500" lvl="0" marL="342900" marR="0" rtl="0" algn="l">
+            <a:pPr marL="342900" marR="0" lvl="0" indent="-190500" algn="l" rtl="0">
               <a:lnSpc>
                 <a:spcPct val="80000"/>
               </a:lnSpc>
@@ -10490,10 +10935,7 @@
               <a:buFont typeface="Merriweather Sans"/>
               <a:buNone/>
             </a:pPr>
-            <a:r>
-              <a:t/>
-            </a:r>
-            <a:endParaRPr b="0" i="0" sz="2400" u="none" cap="none" strike="noStrike">
+            <a:endParaRPr sz="2400" b="0" i="0" u="none" strike="noStrike" cap="none">
               <a:solidFill>
                 <a:schemeClr val="dk1"/>
               </a:solidFill>
@@ -10504,7 +10946,7 @@
             </a:endParaRPr>
           </a:p>
           <a:p>
-            <a:pPr indent="-342900" lvl="0" marL="342900" marR="0" rtl="0" algn="l">
+            <a:pPr marL="342900" marR="0" lvl="0" indent="-342900" algn="l" rtl="0">
               <a:lnSpc>
                 <a:spcPct val="80000"/>
               </a:lnSpc>
@@ -10522,7 +10964,7 @@
               <a:buChar char="▸"/>
             </a:pPr>
             <a:r>
-              <a:rPr b="0" i="0" lang="en-GB" sz="2400" u="none" cap="none" strike="noStrike">
+              <a:rPr lang="en-GB" sz="2400" b="0" i="0" u="none" strike="noStrike" cap="none">
                 <a:solidFill>
                   <a:schemeClr val="dk1"/>
                 </a:solidFill>
@@ -10536,7 +10978,7 @@
             <a:endParaRPr/>
           </a:p>
           <a:p>
-            <a:pPr indent="-203200" lvl="0" marL="342900" marR="0" rtl="0" algn="l">
+            <a:pPr marL="342900" marR="0" lvl="0" indent="-203200" algn="l" rtl="0">
               <a:lnSpc>
                 <a:spcPct val="100000"/>
               </a:lnSpc>
@@ -10553,10 +10995,7 @@
               <a:buFont typeface="Merriweather Sans"/>
               <a:buNone/>
             </a:pPr>
-            <a:r>
-              <a:t/>
-            </a:r>
-            <a:endParaRPr b="0" i="0" sz="2200" u="none" cap="none" strike="noStrike">
+            <a:endParaRPr sz="2200" b="0" i="0" u="none" strike="noStrike" cap="none">
               <a:solidFill>
                 <a:schemeClr val="dk1"/>
               </a:solidFill>
@@ -10577,7 +11016,7 @@
 </file>
 
 <file path=ppt/theme/theme1.xml><?xml version="1.0" encoding="utf-8"?>
-<a:theme xmlns:a="http://schemas.openxmlformats.org/drawingml/2006/main" xmlns:r="http://schemas.openxmlformats.org/officeDocument/2006/relationships" name="updated_sanger_logo_template">
+<a:theme xmlns:a="http://schemas.openxmlformats.org/drawingml/2006/main" name="updated_sanger_logo_template">
   <a:themeElements>
     <a:clrScheme name="updated_sanger_logo_template 2">
       <a:dk1>
@@ -10852,11 +11291,13 @@
       </a:bgFillStyleLst>
     </a:fmtScheme>
   </a:themeElements>
+  <a:objectDefaults/>
+  <a:extraClrSchemeLst/>
 </a:theme>
 </file>
 
 <file path=ppt/theme/theme2.xml><?xml version="1.0" encoding="utf-8"?>
-<a:theme xmlns:a="http://schemas.openxmlformats.org/drawingml/2006/main" xmlns:r="http://schemas.openxmlformats.org/officeDocument/2006/relationships" name="Office Theme">
+<a:theme xmlns:a="http://schemas.openxmlformats.org/drawingml/2006/main" name="Office Theme">
   <a:themeElements>
     <a:clrScheme name="Office">
       <a:dk1>
@@ -11131,5 +11572,7 @@
       </a:bgFillStyleLst>
     </a:fmtScheme>
   </a:themeElements>
+  <a:objectDefaults/>
+  <a:extraClrSchemeLst/>
 </a:theme>
 </file>